--- a/trunk/项目相关文档/Sherry/项目监控/项目进展报告/项目答辩_2009-01-15_Forus.pptx
+++ b/trunk/项目相关文档/Sherry/项目监控/项目进展报告/项目答辩_2009-01-15_Forus.pptx
@@ -11,8 +11,8 @@
     <p:sldId id="259" r:id="rId5"/>
     <p:sldId id="276" r:id="rId6"/>
     <p:sldId id="260" r:id="rId7"/>
-    <p:sldId id="261" r:id="rId8"/>
-    <p:sldId id="262" r:id="rId9"/>
+    <p:sldId id="262" r:id="rId8"/>
+    <p:sldId id="261" r:id="rId9"/>
     <p:sldId id="263" r:id="rId10"/>
     <p:sldId id="264" r:id="rId11"/>
     <p:sldId id="265" r:id="rId12"/>
@@ -1282,8 +1282,8 @@
   </dgm:ptLst>
   <dgm:cxnLst>
     <dgm:cxn modelId="{A5D462C6-CC20-4977-A68D-B352976BBF97}" type="presOf" srcId="{0F18B6A8-A373-4376-9087-42FB9D1200AE}" destId="{21B6803A-4B74-434A-BB22-2F51E91CA591}" srcOrd="0" destOrd="0" presId="urn:microsoft.com/office/officeart/2005/8/layout/radial6"/>
+    <dgm:cxn modelId="{44519D31-449F-4401-B5D5-CBD5653916C2}" type="presOf" srcId="{B784D3B1-23E5-4535-BF15-BD07131B1A50}" destId="{076201C9-CBE0-4518-A569-B024299924C1}" srcOrd="0" destOrd="0" presId="urn:microsoft.com/office/officeart/2005/8/layout/radial6"/>
     <dgm:cxn modelId="{3004FB95-D2A2-4EBA-9C5C-742DDE41740C}" srcId="{EF6DF183-40E9-4339-80A5-A4B446B02458}" destId="{315B3988-28CC-452D-BAD6-F9BA13337E94}" srcOrd="2" destOrd="0" parTransId="{AA05DC51-6DB6-4501-838D-B1C77BBDB06C}" sibTransId="{70FFB8F0-47E8-4DE9-BC84-77E9CEB71AAA}"/>
-    <dgm:cxn modelId="{44519D31-449F-4401-B5D5-CBD5653916C2}" type="presOf" srcId="{B784D3B1-23E5-4535-BF15-BD07131B1A50}" destId="{076201C9-CBE0-4518-A569-B024299924C1}" srcOrd="0" destOrd="0" presId="urn:microsoft.com/office/officeart/2005/8/layout/radial6"/>
     <dgm:cxn modelId="{40F6B30C-54B9-4DC2-BBC6-B6709569578B}" type="presOf" srcId="{4A827BB9-7C94-4697-ACDB-EB0979BA6CC0}" destId="{97E17FF5-F644-4A46-AC2D-24A3141B77A1}" srcOrd="0" destOrd="0" presId="urn:microsoft.com/office/officeart/2005/8/layout/radial6"/>
     <dgm:cxn modelId="{F5826D84-AAAB-43AD-A919-CB8766EF8982}" type="presOf" srcId="{FC542B2D-9D14-46DE-BE40-4238CE9391DD}" destId="{8EE34F9C-E7C1-4442-91D1-0218192FCD70}" srcOrd="0" destOrd="0" presId="urn:microsoft.com/office/officeart/2005/8/layout/radial6"/>
     <dgm:cxn modelId="{02E10F77-C56C-4718-AC8F-FCB1036C23A5}" type="presOf" srcId="{1ECCC522-EFD1-4E0C-A43D-402E6284A747}" destId="{4B2085B2-5829-4BFF-AD25-E174EE00E4F0}" srcOrd="0" destOrd="0" presId="urn:microsoft.com/office/officeart/2005/8/layout/radial6"/>
@@ -2930,7 +2930,7 @@
             <a:fld id="{530820CF-B880-4189-942D-D702A7CBA730}" type="datetimeFigureOut">
               <a:rPr lang="zh-CN" altLang="en-US" smtClean="0"/>
               <a:pPr/>
-              <a:t>2010-1-15</a:t>
+              <a:t>2010-1-16</a:t>
             </a:fld>
             <a:endParaRPr lang="zh-CN" altLang="en-US"/>
           </a:p>
@@ -3097,7 +3097,7 @@
             <a:fld id="{530820CF-B880-4189-942D-D702A7CBA730}" type="datetimeFigureOut">
               <a:rPr lang="zh-CN" altLang="en-US" smtClean="0"/>
               <a:pPr/>
-              <a:t>2010-1-15</a:t>
+              <a:t>2010-1-16</a:t>
             </a:fld>
             <a:endParaRPr lang="zh-CN" altLang="en-US"/>
           </a:p>
@@ -3274,7 +3274,7 @@
             <a:fld id="{530820CF-B880-4189-942D-D702A7CBA730}" type="datetimeFigureOut">
               <a:rPr lang="zh-CN" altLang="en-US" smtClean="0"/>
               <a:pPr/>
-              <a:t>2010-1-15</a:t>
+              <a:t>2010-1-16</a:t>
             </a:fld>
             <a:endParaRPr lang="zh-CN" altLang="en-US"/>
           </a:p>
@@ -3441,7 +3441,7 @@
             <a:fld id="{530820CF-B880-4189-942D-D702A7CBA730}" type="datetimeFigureOut">
               <a:rPr lang="zh-CN" altLang="en-US" smtClean="0"/>
               <a:pPr/>
-              <a:t>2010-1-15</a:t>
+              <a:t>2010-1-16</a:t>
             </a:fld>
             <a:endParaRPr lang="zh-CN" altLang="en-US"/>
           </a:p>
@@ -3685,7 +3685,7 @@
             <a:fld id="{530820CF-B880-4189-942D-D702A7CBA730}" type="datetimeFigureOut">
               <a:rPr lang="zh-CN" altLang="en-US" smtClean="0"/>
               <a:pPr/>
-              <a:t>2010-1-15</a:t>
+              <a:t>2010-1-16</a:t>
             </a:fld>
             <a:endParaRPr lang="zh-CN" altLang="en-US"/>
           </a:p>
@@ -3951,7 +3951,7 @@
             <a:fld id="{530820CF-B880-4189-942D-D702A7CBA730}" type="datetimeFigureOut">
               <a:rPr lang="zh-CN" altLang="en-US" smtClean="0"/>
               <a:pPr/>
-              <a:t>2010-1-15</a:t>
+              <a:t>2010-1-16</a:t>
             </a:fld>
             <a:endParaRPr lang="zh-CN" altLang="en-US"/>
           </a:p>
@@ -4331,7 +4331,7 @@
             <a:fld id="{530820CF-B880-4189-942D-D702A7CBA730}" type="datetimeFigureOut">
               <a:rPr lang="zh-CN" altLang="en-US" smtClean="0"/>
               <a:pPr/>
-              <a:t>2010-1-15</a:t>
+              <a:t>2010-1-16</a:t>
             </a:fld>
             <a:endParaRPr lang="zh-CN" altLang="en-US"/>
           </a:p>
@@ -4483,7 +4483,7 @@
             <a:fld id="{530820CF-B880-4189-942D-D702A7CBA730}" type="datetimeFigureOut">
               <a:rPr lang="zh-CN" altLang="en-US" smtClean="0"/>
               <a:pPr/>
-              <a:t>2010-1-15</a:t>
+              <a:t>2010-1-16</a:t>
             </a:fld>
             <a:endParaRPr lang="zh-CN" altLang="en-US"/>
           </a:p>
@@ -4575,7 +4575,7 @@
             <a:fld id="{530820CF-B880-4189-942D-D702A7CBA730}" type="datetimeFigureOut">
               <a:rPr lang="zh-CN" altLang="en-US" smtClean="0"/>
               <a:pPr/>
-              <a:t>2010-1-15</a:t>
+              <a:t>2010-1-16</a:t>
             </a:fld>
             <a:endParaRPr lang="zh-CN" altLang="en-US"/>
           </a:p>
@@ -4838,7 +4838,7 @@
             <a:fld id="{530820CF-B880-4189-942D-D702A7CBA730}" type="datetimeFigureOut">
               <a:rPr lang="zh-CN" altLang="en-US" smtClean="0"/>
               <a:pPr/>
-              <a:t>2010-1-15</a:t>
+              <a:t>2010-1-16</a:t>
             </a:fld>
             <a:endParaRPr lang="zh-CN" altLang="en-US"/>
           </a:p>
@@ -5128,7 +5128,7 @@
             <a:fld id="{530820CF-B880-4189-942D-D702A7CBA730}" type="datetimeFigureOut">
               <a:rPr lang="zh-CN" altLang="en-US" smtClean="0"/>
               <a:pPr/>
-              <a:t>2010-1-15</a:t>
+              <a:t>2010-1-16</a:t>
             </a:fld>
             <a:endParaRPr lang="zh-CN" altLang="en-US"/>
           </a:p>
@@ -5901,7 +5901,7 @@
             <a:fld id="{530820CF-B880-4189-942D-D702A7CBA730}" type="datetimeFigureOut">
               <a:rPr lang="zh-CN" altLang="en-US" smtClean="0"/>
               <a:pPr/>
-              <a:t>2010-1-15</a:t>
+              <a:t>2010-1-16</a:t>
             </a:fld>
             <a:endParaRPr lang="zh-CN" altLang="en-US"/>
           </a:p>
@@ -6779,23 +6779,7 @@
                   </a:innerShdw>
                 </a:effectLst>
               </a:rPr>
-              <a:t> </a:t>
-            </a:r>
-            <a:r>
-              <a:rPr lang="zh-CN" altLang="en-US" sz="3200" b="1" dirty="0" smtClean="0">
-                <a:ln w="1905"/>
-                <a:solidFill>
-                  <a:schemeClr val="bg1"/>
-                </a:solidFill>
-                <a:effectLst>
-                  <a:innerShdw blurRad="69850" dist="43180" dir="5400000">
-                    <a:srgbClr val="000000">
-                      <a:alpha val="65000"/>
-                    </a:srgbClr>
-                  </a:innerShdw>
-                </a:effectLst>
-              </a:rPr>
-              <a:t>使用实体类进行数据传递，增加灵活性</a:t>
+              <a:t> 使用实体类进行数据传递，增加灵活性</a:t>
             </a:r>
             <a:endParaRPr lang="en-US" altLang="zh-CN" sz="3200" b="1" dirty="0" smtClean="0">
               <a:ln w="1905"/>
@@ -7388,7 +7372,7 @@
         <p:spPr>
           <a:xfrm>
             <a:off x="642910" y="2428868"/>
-            <a:ext cx="7592143" cy="2308324"/>
+            <a:ext cx="7592143" cy="3785652"/>
           </a:xfrm>
           <a:prstGeom prst="rect">
             <a:avLst/>
@@ -7463,23 +7447,7 @@
                   </a:innerShdw>
                 </a:effectLst>
               </a:rPr>
-              <a:t> </a:t>
-            </a:r>
-            <a:r>
-              <a:rPr lang="zh-CN" altLang="en-US" sz="3200" b="1" dirty="0" smtClean="0">
-                <a:ln w="1905"/>
-                <a:solidFill>
-                  <a:schemeClr val="bg1"/>
-                </a:solidFill>
-                <a:effectLst>
-                  <a:innerShdw blurRad="69850" dist="43180" dir="5400000">
-                    <a:srgbClr val="000000">
-                      <a:alpha val="65000"/>
-                    </a:srgbClr>
-                  </a:innerShdw>
-                </a:effectLst>
-              </a:rPr>
-              <a:t>及时发现项目开发过程中的问题</a:t>
+              <a:t> 及时发现项目开发过程中的问题</a:t>
             </a:r>
             <a:endParaRPr lang="en-US" altLang="zh-CN" sz="3200" b="1" dirty="0" smtClean="0">
               <a:ln w="1905"/>
@@ -7533,7 +7501,133 @@
                   </a:innerShdw>
                 </a:effectLst>
               </a:rPr>
-              <a:t>记录项目开发过程中问题，为以后参考</a:t>
+              <a:t>记录项目开发过程中问题，为以后</a:t>
+            </a:r>
+            <a:r>
+              <a:rPr lang="zh-CN" altLang="en-US" sz="3200" b="1" dirty="0" smtClean="0">
+                <a:ln w="1905"/>
+                <a:solidFill>
+                  <a:schemeClr val="bg1"/>
+                </a:solidFill>
+                <a:effectLst>
+                  <a:innerShdw blurRad="69850" dist="43180" dir="5400000">
+                    <a:srgbClr val="000000">
+                      <a:alpha val="65000"/>
+                    </a:srgbClr>
+                  </a:innerShdw>
+                </a:effectLst>
+              </a:rPr>
+              <a:t>参考</a:t>
+            </a:r>
+            <a:endParaRPr lang="en-US" altLang="zh-CN" sz="3200" b="1" dirty="0" smtClean="0">
+              <a:ln w="1905"/>
+              <a:solidFill>
+                <a:schemeClr val="bg1"/>
+              </a:solidFill>
+              <a:effectLst>
+                <a:innerShdw blurRad="69850" dist="43180" dir="5400000">
+                  <a:srgbClr val="000000">
+                    <a:alpha val="65000"/>
+                  </a:srgbClr>
+                </a:innerShdw>
+              </a:effectLst>
+            </a:endParaRPr>
+          </a:p>
+          <a:p>
+            <a:pPr>
+              <a:lnSpc>
+                <a:spcPct val="150000"/>
+              </a:lnSpc>
+              <a:buFont typeface="Wingdings" pitchFamily="2" charset="2"/>
+              <a:buChar char="l"/>
+            </a:pPr>
+            <a:r>
+              <a:rPr lang="en-US" altLang="zh-CN" sz="3200" b="1" dirty="0" smtClean="0">
+                <a:ln w="1905"/>
+                <a:solidFill>
+                  <a:schemeClr val="bg1"/>
+                </a:solidFill>
+                <a:effectLst>
+                  <a:innerShdw blurRad="69850" dist="43180" dir="5400000">
+                    <a:srgbClr val="000000">
+                      <a:alpha val="65000"/>
+                    </a:srgbClr>
+                  </a:innerShdw>
+                </a:effectLst>
+              </a:rPr>
+              <a:t> </a:t>
+            </a:r>
+            <a:r>
+              <a:rPr lang="zh-CN" altLang="en-US" sz="3200" b="1" dirty="0" smtClean="0">
+                <a:ln w="1905"/>
+                <a:solidFill>
+                  <a:schemeClr val="bg1"/>
+                </a:solidFill>
+                <a:effectLst>
+                  <a:innerShdw blurRad="69850" dist="43180" dir="5400000">
+                    <a:srgbClr val="000000">
+                      <a:alpha val="65000"/>
+                    </a:srgbClr>
+                  </a:innerShdw>
+                </a:effectLst>
+                <a:hlinkClick r:id="rId2" action="ppaction://hlinkfile" tooltip="打开详细设计评审报告单"/>
+              </a:rPr>
+              <a:t>详细设计评审报告单</a:t>
+            </a:r>
+            <a:endParaRPr lang="en-US" altLang="zh-CN" sz="3200" b="1" dirty="0" smtClean="0">
+              <a:ln w="1905"/>
+              <a:solidFill>
+                <a:schemeClr val="bg1"/>
+              </a:solidFill>
+              <a:effectLst>
+                <a:innerShdw blurRad="69850" dist="43180" dir="5400000">
+                  <a:srgbClr val="000000">
+                    <a:alpha val="65000"/>
+                  </a:srgbClr>
+                </a:innerShdw>
+              </a:effectLst>
+            </a:endParaRPr>
+          </a:p>
+          <a:p>
+            <a:pPr>
+              <a:lnSpc>
+                <a:spcPct val="150000"/>
+              </a:lnSpc>
+              <a:buFont typeface="Wingdings" pitchFamily="2" charset="2"/>
+              <a:buChar char="l"/>
+            </a:pPr>
+            <a:r>
+              <a:rPr lang="en-US" altLang="zh-CN" sz="3200" b="1" dirty="0" smtClean="0">
+                <a:ln w="1905"/>
+                <a:solidFill>
+                  <a:schemeClr val="bg1"/>
+                </a:solidFill>
+                <a:effectLst>
+                  <a:innerShdw blurRad="69850" dist="43180" dir="5400000">
+                    <a:srgbClr val="000000">
+                      <a:alpha val="65000"/>
+                    </a:srgbClr>
+                  </a:innerShdw>
+                </a:effectLst>
+              </a:rPr>
+              <a:t> </a:t>
+            </a:r>
+            <a:r>
+              <a:rPr lang="zh-CN" altLang="en-US" sz="3200" b="1" dirty="0" smtClean="0">
+                <a:ln w="1905"/>
+                <a:solidFill>
+                  <a:schemeClr val="bg1"/>
+                </a:solidFill>
+                <a:effectLst>
+                  <a:innerShdw blurRad="69850" dist="43180" dir="5400000">
+                    <a:srgbClr val="000000">
+                      <a:alpha val="65000"/>
+                    </a:srgbClr>
+                  </a:innerShdw>
+                </a:effectLst>
+                <a:hlinkClick r:id="rId3" action="ppaction://hlinkfile" tooltip="打开详细设计评审记录表"/>
+              </a:rPr>
+              <a:t>详细设计评审记录表</a:t>
             </a:r>
             <a:endParaRPr lang="en-US" altLang="zh-CN" sz="3200" b="1" dirty="0" smtClean="0">
               <a:ln w="1905"/>
@@ -7704,23 +7798,7 @@
                   </a:innerShdw>
                 </a:effectLst>
               </a:rPr>
-              <a:t> </a:t>
-            </a:r>
-            <a:r>
-              <a:rPr lang="zh-CN" altLang="en-US" sz="3200" b="1" dirty="0" smtClean="0">
-                <a:ln w="1905"/>
-                <a:solidFill>
-                  <a:schemeClr val="bg1"/>
-                </a:solidFill>
-                <a:effectLst>
-                  <a:innerShdw blurRad="69850" dist="43180" dir="5400000">
-                    <a:srgbClr val="000000">
-                      <a:alpha val="65000"/>
-                    </a:srgbClr>
-                  </a:innerShdw>
-                </a:effectLst>
-              </a:rPr>
-              <a:t>估计潜在风险并提前预防</a:t>
+              <a:t> 估计潜在风险并提前预防</a:t>
             </a:r>
             <a:endParaRPr lang="en-US" altLang="zh-CN" sz="3200" b="1" dirty="0" smtClean="0">
               <a:ln w="1905"/>
@@ -7797,6 +7875,13 @@
   <p:clrMapOvr>
     <a:masterClrMapping/>
   </p:clrMapOvr>
+  <p:timing>
+    <p:tnLst>
+      <p:par>
+        <p:cTn id="1" dur="indefinite" restart="never" nodeType="tmRoot"/>
+      </p:par>
+    </p:tnLst>
+  </p:timing>
 </p:sld>
 </file>
 
@@ -7938,39 +8023,7 @@
                   </a:innerShdw>
                 </a:effectLst>
               </a:rPr>
-              <a:t> </a:t>
-            </a:r>
-            <a:r>
-              <a:rPr lang="zh-CN" altLang="en-US" sz="3200" b="1" dirty="0" smtClean="0">
-                <a:ln w="1905"/>
-                <a:solidFill>
-                  <a:schemeClr val="bg1"/>
-                </a:solidFill>
-                <a:effectLst>
-                  <a:innerShdw blurRad="69850" dist="43180" dir="5400000">
-                    <a:srgbClr val="000000">
-                      <a:alpha val="65000"/>
-                    </a:srgbClr>
-                  </a:innerShdw>
-                </a:effectLst>
-              </a:rPr>
-              <a:t>每</a:t>
-            </a:r>
-            <a:r>
-              <a:rPr lang="zh-CN" altLang="en-US" sz="3200" b="1" dirty="0" smtClean="0">
-                <a:ln w="1905"/>
-                <a:solidFill>
-                  <a:schemeClr val="bg1"/>
-                </a:solidFill>
-                <a:effectLst>
-                  <a:innerShdw blurRad="69850" dist="43180" dir="5400000">
-                    <a:srgbClr val="000000">
-                      <a:alpha val="65000"/>
-                    </a:srgbClr>
-                  </a:innerShdw>
-                </a:effectLst>
-              </a:rPr>
-              <a:t>周至少一次会议，总结并做小计划</a:t>
+              <a:t> 每周至少一次会议，总结并做小计划</a:t>
             </a:r>
             <a:endParaRPr lang="en-US" altLang="zh-CN" sz="3200" b="1" dirty="0" smtClean="0">
               <a:ln w="1905"/>
@@ -8047,6 +8100,13 @@
   <p:clrMapOvr>
     <a:masterClrMapping/>
   </p:clrMapOvr>
+  <p:timing>
+    <p:tnLst>
+      <p:par>
+        <p:cTn id="1" dur="indefinite" restart="never" nodeType="tmRoot"/>
+      </p:par>
+    </p:tnLst>
+  </p:timing>
 </p:sld>
 </file>
 
@@ -8204,23 +8264,7 @@
                   </a:innerShdw>
                 </a:effectLst>
               </a:rPr>
-              <a:t> </a:t>
-            </a:r>
-            <a:r>
-              <a:rPr lang="zh-CN" altLang="en-US" sz="3200" b="1" dirty="0" smtClean="0">
-                <a:ln w="1905"/>
-                <a:solidFill>
-                  <a:schemeClr val="bg1"/>
-                </a:solidFill>
-                <a:effectLst>
-                  <a:innerShdw blurRad="69850" dist="43180" dir="5400000">
-                    <a:srgbClr val="000000">
-                      <a:alpha val="65000"/>
-                    </a:srgbClr>
-                  </a:innerShdw>
-                </a:effectLst>
-              </a:rPr>
-              <a:t>将程序中的公共模块抽取并维护</a:t>
+              <a:t> 将程序中的公共模块抽取并维护</a:t>
             </a:r>
             <a:endParaRPr lang="en-US" altLang="zh-CN" sz="3200" b="1" dirty="0" smtClean="0">
               <a:ln w="1905"/>
@@ -8258,23 +8302,7 @@
                   </a:innerShdw>
                 </a:effectLst>
               </a:rPr>
-              <a:t> </a:t>
-            </a:r>
-            <a:r>
-              <a:rPr lang="en-US" altLang="zh-CN" sz="3200" b="1" dirty="0" smtClean="0">
-                <a:ln w="1905"/>
-                <a:solidFill>
-                  <a:schemeClr val="bg1"/>
-                </a:solidFill>
-                <a:effectLst>
-                  <a:innerShdw blurRad="69850" dist="43180" dir="5400000">
-                    <a:srgbClr val="000000">
-                      <a:alpha val="65000"/>
-                    </a:srgbClr>
-                  </a:innerShdw>
-                </a:effectLst>
-              </a:rPr>
-              <a:t>CMM</a:t>
+              <a:t> CMM</a:t>
             </a:r>
             <a:r>
               <a:rPr lang="zh-CN" altLang="en-US" sz="3200" b="1" dirty="0" smtClean="0">
@@ -8313,6 +8341,13 @@
   <p:clrMapOvr>
     <a:masterClrMapping/>
   </p:clrMapOvr>
+  <p:timing>
+    <p:tnLst>
+      <p:par>
+        <p:cTn id="1" dur="indefinite" restart="never" nodeType="tmRoot"/>
+      </p:par>
+    </p:tnLst>
+  </p:timing>
 </p:sld>
 </file>
 
@@ -8382,6 +8417,13 @@
   <p:clrMapOvr>
     <a:masterClrMapping/>
   </p:clrMapOvr>
+  <p:timing>
+    <p:tnLst>
+      <p:par>
+        <p:cTn id="1" dur="indefinite" restart="never" nodeType="tmRoot"/>
+      </p:par>
+    </p:tnLst>
+  </p:timing>
 </p:sld>
 </file>
 
@@ -9431,23 +9473,7 @@
                   </a:innerShdw>
                 </a:effectLst>
               </a:rPr>
-              <a:t>可重复</a:t>
-            </a:r>
-            <a:r>
-              <a:rPr lang="zh-CN" altLang="en-US" sz="3200" b="1" dirty="0" smtClean="0">
-                <a:ln w="1905"/>
-                <a:solidFill>
-                  <a:prstClr val="black"/>
-                </a:solidFill>
-                <a:effectLst>
-                  <a:innerShdw blurRad="69850" dist="43180" dir="5400000">
-                    <a:srgbClr val="000000">
-                      <a:alpha val="65000"/>
-                    </a:srgbClr>
-                  </a:innerShdw>
-                </a:effectLst>
-              </a:rPr>
-              <a:t>级</a:t>
+              <a:t>可重复级</a:t>
             </a:r>
             <a:endParaRPr lang="en-US" altLang="zh-CN" sz="3200" b="1" dirty="0" smtClean="0">
               <a:ln w="1905"/>
@@ -9546,6 +9572,13 @@
   <p:clrMapOvr>
     <a:masterClrMapping/>
   </p:clrMapOvr>
+  <p:timing>
+    <p:tnLst>
+      <p:par>
+        <p:cTn id="1" dur="indefinite" restart="never" nodeType="tmRoot"/>
+      </p:par>
+    </p:tnLst>
+  </p:timing>
 </p:sld>
 </file>
 
@@ -9904,12 +9937,14 @@
         </p:nvSpPr>
         <p:spPr>
           <a:xfrm>
-            <a:off x="500034" y="1071546"/>
+            <a:off x="500034" y="1214422"/>
             <a:ext cx="7851648" cy="1057284"/>
           </a:xfrm>
         </p:spPr>
         <p:txBody>
-          <a:bodyPr/>
+          <a:bodyPr>
+            <a:normAutofit/>
+          </a:bodyPr>
           <a:lstStyle/>
           <a:p>
             <a:pPr algn="l"/>
@@ -9919,7 +9954,7 @@
                   <a:srgbClr val="FFC000"/>
                 </a:solidFill>
               </a:rPr>
-              <a:t>建立工时管理系统</a:t>
+              <a:t>项目进行过程不断调整</a:t>
             </a:r>
             <a:endParaRPr lang="zh-CN" altLang="en-US" dirty="0">
               <a:solidFill>
@@ -9938,7 +9973,7 @@
         <p:spPr>
           <a:xfrm>
             <a:off x="642910" y="2428868"/>
-            <a:ext cx="7746160" cy="3539430"/>
+            <a:ext cx="7600157" cy="3539430"/>
           </a:xfrm>
           <a:prstGeom prst="rect">
             <a:avLst/>
@@ -9970,39 +10005,7 @@
                   </a:innerShdw>
                 </a:effectLst>
               </a:rPr>
-              <a:t>架设</a:t>
-            </a:r>
-            <a:r>
-              <a:rPr lang="en-US" altLang="zh-CN" sz="3200" b="1" dirty="0" smtClean="0">
-                <a:ln w="1905"/>
-                <a:solidFill>
-                  <a:schemeClr val="bg1"/>
-                </a:solidFill>
-                <a:effectLst>
-                  <a:innerShdw blurRad="69850" dist="43180" dir="5400000">
-                    <a:srgbClr val="000000">
-                      <a:alpha val="65000"/>
-                    </a:srgbClr>
-                  </a:innerShdw>
-                </a:effectLst>
-              </a:rPr>
-              <a:t>One point Project</a:t>
-            </a:r>
-            <a:r>
-              <a:rPr lang="zh-CN" altLang="en-US" sz="3200" b="1" dirty="0" smtClean="0">
-                <a:ln w="1905"/>
-                <a:solidFill>
-                  <a:schemeClr val="bg1"/>
-                </a:solidFill>
-                <a:effectLst>
-                  <a:innerShdw blurRad="69850" dist="43180" dir="5400000">
-                    <a:srgbClr val="000000">
-                      <a:alpha val="65000"/>
-                    </a:srgbClr>
-                  </a:innerShdw>
-                </a:effectLst>
-              </a:rPr>
-              <a:t>系统进行管理：</a:t>
+              <a:t>随着项目和课程的进行，我们不断调整：</a:t>
             </a:r>
             <a:endParaRPr lang="en-US" altLang="zh-CN" sz="3200" b="1" dirty="0" smtClean="0">
               <a:ln w="1905"/>
@@ -10040,10 +10043,10 @@
                   </a:innerShdw>
                 </a:effectLst>
               </a:rPr>
-              <a:t> </a:t>
-            </a:r>
-            <a:r>
-              <a:rPr lang="zh-CN" altLang="en-US" sz="3200" b="1" dirty="0" smtClean="0">
+              <a:t> 增加</a:t>
+            </a:r>
+            <a:r>
+              <a:rPr lang="en-US" altLang="zh-CN" sz="3200" b="1" dirty="0" smtClean="0">
                 <a:ln w="1905"/>
                 <a:solidFill>
                   <a:schemeClr val="bg1"/>
@@ -10055,9 +10058,56 @@
                     </a:srgbClr>
                   </a:innerShdw>
                 </a:effectLst>
-                <a:hlinkClick r:id="rId2"/>
-              </a:rPr>
-              <a:t>系统展示</a:t>
+              </a:rPr>
+              <a:t>PSP</a:t>
+            </a:r>
+            <a:r>
+              <a:rPr lang="zh-CN" altLang="en-US" sz="3200" b="1" dirty="0" smtClean="0">
+                <a:ln w="1905"/>
+                <a:solidFill>
+                  <a:schemeClr val="bg1"/>
+                </a:solidFill>
+                <a:effectLst>
+                  <a:innerShdw blurRad="69850" dist="43180" dir="5400000">
+                    <a:srgbClr val="000000">
+                      <a:alpha val="65000"/>
+                    </a:srgbClr>
+                  </a:innerShdw>
+                </a:effectLst>
+              </a:rPr>
+              <a:t>、</a:t>
+            </a:r>
+            <a:r>
+              <a:rPr lang="en-US" altLang="zh-CN" sz="3200" b="1" dirty="0" smtClean="0">
+                <a:ln w="1905"/>
+                <a:solidFill>
+                  <a:schemeClr val="bg1"/>
+                </a:solidFill>
+                <a:effectLst>
+                  <a:innerShdw blurRad="69850" dist="43180" dir="5400000">
+                    <a:srgbClr val="000000">
+                      <a:alpha val="65000"/>
+                    </a:srgbClr>
+                  </a:innerShdw>
+                </a:effectLst>
+              </a:rPr>
+              <a:t>TSP</a:t>
+            </a:r>
+            <a:r>
+              <a:rPr lang="zh-CN" altLang="en-US" sz="3200" b="1" dirty="0" smtClean="0">
+                <a:ln w="1905"/>
+                <a:solidFill>
+                  <a:schemeClr val="bg1"/>
+                </a:solidFill>
+                <a:effectLst>
+                  <a:innerShdw blurRad="69850" dist="43180" dir="5400000">
+                    <a:srgbClr val="000000">
+                      <a:alpha val="65000"/>
+                    </a:srgbClr>
+                  </a:innerShdw>
+                </a:effectLst>
+              </a:rPr>
+              <a:t>等配置项</a:t>
             </a:r>
             <a:endParaRPr lang="en-US" altLang="zh-CN" sz="3200" b="1" dirty="0" smtClean="0">
               <a:ln w="1905"/>
@@ -10085,7 +10135,7 @@
               <a:buChar char="l"/>
             </a:pPr>
             <a:r>
-              <a:rPr lang="en-US" altLang="zh-CN" sz="3200" b="1" dirty="0" smtClean="0">
+              <a:rPr lang="zh-CN" altLang="en-US" sz="3200" b="1" dirty="0" smtClean="0">
                 <a:ln w="1905"/>
                 <a:solidFill>
                   <a:schemeClr val="bg1"/>
@@ -10098,57 +10148,7 @@
                   </a:innerShdw>
                 </a:effectLst>
               </a:rPr>
-              <a:t> </a:t>
-            </a:r>
-            <a:r>
-              <a:rPr lang="zh-CN" altLang="en-US" sz="3200" b="1" dirty="0" smtClean="0">
-                <a:ln w="1905"/>
-                <a:solidFill>
-                  <a:schemeClr val="bg1"/>
-                </a:solidFill>
-                <a:effectLst>
-                  <a:innerShdw blurRad="69850" dist="43180" dir="5400000">
-                    <a:srgbClr val="000000">
-                      <a:alpha val="65000"/>
-                    </a:srgbClr>
-                  </a:innerShdw>
-                </a:effectLst>
-                <a:hlinkClick r:id="rId3" action="ppaction://hlinkfile" tooltip="打开项目计划"/>
-              </a:rPr>
-              <a:t>制定工作计划和安排</a:t>
-            </a:r>
-            <a:r>
-              <a:rPr lang="zh-CN" altLang="en-US" sz="3200" b="1" dirty="0" smtClean="0">
-                <a:ln w="1905"/>
-                <a:solidFill>
-                  <a:schemeClr val="bg1"/>
-                </a:solidFill>
-                <a:effectLst>
-                  <a:innerShdw blurRad="69850" dist="43180" dir="5400000">
-                    <a:srgbClr val="000000">
-                      <a:alpha val="65000"/>
-                    </a:srgbClr>
-                  </a:innerShdw>
-                </a:effectLst>
-              </a:rPr>
-              <a:t>    </a:t>
-            </a:r>
-            <a:r>
-              <a:rPr lang="zh-CN" altLang="en-US" sz="3200" b="1" dirty="0" smtClean="0">
-                <a:ln w="1905"/>
-                <a:solidFill>
-                  <a:schemeClr val="bg1"/>
-                </a:solidFill>
-                <a:effectLst>
-                  <a:innerShdw blurRad="69850" dist="43180" dir="5400000">
-                    <a:srgbClr val="000000">
-                      <a:alpha val="65000"/>
-                    </a:srgbClr>
-                  </a:innerShdw>
-                </a:effectLst>
-                <a:hlinkClick r:id="rId4" action="ppaction://hlinkfile" tooltip="打开甘特图"/>
-              </a:rPr>
-              <a:t>展示甘特图</a:t>
+              <a:t> 删除不需要的部分配置项</a:t>
             </a:r>
             <a:endParaRPr lang="en-US" altLang="zh-CN" sz="3200" b="1" dirty="0" smtClean="0">
               <a:ln w="1905"/>
@@ -10201,42 +10201,8 @@
                     </a:srgbClr>
                   </a:innerShdw>
                 </a:effectLst>
-                <a:hlinkClick r:id="rId5" action="ppaction://hlinkfile" tooltip="打开工程时间进度"/>
-              </a:rPr>
-              <a:t>不断调整并记录时间安排</a:t>
-            </a:r>
-            <a:r>
-              <a:rPr lang="zh-CN" altLang="en-US" sz="3200" b="1" dirty="0" smtClean="0">
-                <a:ln w="1905"/>
-                <a:solidFill>
-                  <a:schemeClr val="bg1"/>
-                </a:solidFill>
-                <a:effectLst>
-                  <a:innerShdw blurRad="69850" dist="43180" dir="5400000">
-                    <a:srgbClr val="000000">
-                      <a:alpha val="65000"/>
-                    </a:srgbClr>
-                  </a:innerShdw>
-                </a:effectLst>
-              </a:rPr>
-              <a:t>     </a:t>
-            </a:r>
-            <a:r>
-              <a:rPr lang="zh-CN" altLang="en-US" sz="3200" b="1" dirty="0" smtClean="0">
-                <a:ln w="1905"/>
-                <a:solidFill>
-                  <a:schemeClr val="bg1"/>
-                </a:solidFill>
-                <a:effectLst>
-                  <a:innerShdw blurRad="69850" dist="43180" dir="5400000">
-                    <a:srgbClr val="000000">
-                      <a:alpha val="65000"/>
-                    </a:srgbClr>
-                  </a:innerShdw>
-                </a:effectLst>
-                <a:hlinkClick r:id="rId6" action="ppaction://hlinkfile" tooltip="打开甘特图"/>
-              </a:rPr>
-              <a:t>展示甘特图</a:t>
+              </a:rPr>
+              <a:t>不断摸索，寻找适合我们的方式</a:t>
             </a:r>
             <a:endParaRPr lang="en-US" altLang="zh-CN" sz="3200" b="1" dirty="0" smtClean="0">
               <a:ln w="1905"/>
@@ -10313,14 +10279,12 @@
         </p:nvSpPr>
         <p:spPr>
           <a:xfrm>
-            <a:off x="500034" y="1214422"/>
+            <a:off x="500034" y="1071546"/>
             <a:ext cx="7851648" cy="1057284"/>
           </a:xfrm>
         </p:spPr>
         <p:txBody>
-          <a:bodyPr>
-            <a:normAutofit/>
-          </a:bodyPr>
+          <a:bodyPr/>
           <a:lstStyle/>
           <a:p>
             <a:pPr algn="l"/>
@@ -10330,7 +10294,7 @@
                   <a:srgbClr val="FFC000"/>
                 </a:solidFill>
               </a:rPr>
-              <a:t>项目进行过程不断调整</a:t>
+              <a:t>建立工时管理系统</a:t>
             </a:r>
             <a:endParaRPr lang="zh-CN" altLang="en-US" dirty="0">
               <a:solidFill>
@@ -10349,7 +10313,7 @@
         <p:spPr>
           <a:xfrm>
             <a:off x="642910" y="2428868"/>
-            <a:ext cx="7600157" cy="3539430"/>
+            <a:ext cx="7746160" cy="3539430"/>
           </a:xfrm>
           <a:prstGeom prst="rect">
             <a:avLst/>
@@ -10381,10 +10345,10 @@
                   </a:innerShdw>
                 </a:effectLst>
               </a:rPr>
-              <a:t>随着项目和课程的进行，我们不断调整</a:t>
-            </a:r>
-            <a:r>
-              <a:rPr lang="zh-CN" altLang="en-US" sz="3200" b="1" dirty="0" smtClean="0">
+              <a:t>架设</a:t>
+            </a:r>
+            <a:r>
+              <a:rPr lang="en-US" altLang="zh-CN" sz="3200" b="1" dirty="0" smtClean="0">
                 <a:ln w="1905"/>
                 <a:solidFill>
                   <a:schemeClr val="bg1"/>
@@ -10397,7 +10361,23 @@
                   </a:innerShdw>
                 </a:effectLst>
               </a:rPr>
-              <a:t>：</a:t>
+              <a:t>One point Project</a:t>
+            </a:r>
+            <a:r>
+              <a:rPr lang="zh-CN" altLang="en-US" sz="3200" b="1" dirty="0" smtClean="0">
+                <a:ln w="1905"/>
+                <a:solidFill>
+                  <a:schemeClr val="bg1"/>
+                </a:solidFill>
+                <a:effectLst>
+                  <a:innerShdw blurRad="69850" dist="43180" dir="5400000">
+                    <a:srgbClr val="000000">
+                      <a:alpha val="65000"/>
+                    </a:srgbClr>
+                  </a:innerShdw>
+                </a:effectLst>
+              </a:rPr>
+              <a:t>系统进行管理：</a:t>
             </a:r>
             <a:endParaRPr lang="en-US" altLang="zh-CN" sz="3200" b="1" dirty="0" smtClean="0">
               <a:ln w="1905"/>
@@ -10435,10 +10415,10 @@
                   </a:innerShdw>
                 </a:effectLst>
               </a:rPr>
-              <a:t> 增加</a:t>
-            </a:r>
-            <a:r>
-              <a:rPr lang="en-US" altLang="zh-CN" sz="3200" b="1" dirty="0" smtClean="0">
+              <a:t> </a:t>
+            </a:r>
+            <a:r>
+              <a:rPr lang="zh-CN" altLang="en-US" sz="3200" b="1" dirty="0" smtClean="0">
                 <a:ln w="1905"/>
                 <a:solidFill>
                   <a:schemeClr val="bg1"/>
@@ -10450,56 +10430,9 @@
                     </a:srgbClr>
                   </a:innerShdw>
                 </a:effectLst>
-              </a:rPr>
-              <a:t>PSP</a:t>
-            </a:r>
-            <a:r>
-              <a:rPr lang="zh-CN" altLang="en-US" sz="3200" b="1" dirty="0" smtClean="0">
-                <a:ln w="1905"/>
-                <a:solidFill>
-                  <a:schemeClr val="bg1"/>
-                </a:solidFill>
-                <a:effectLst>
-                  <a:innerShdw blurRad="69850" dist="43180" dir="5400000">
-                    <a:srgbClr val="000000">
-                      <a:alpha val="65000"/>
-                    </a:srgbClr>
-                  </a:innerShdw>
-                </a:effectLst>
-              </a:rPr>
-              <a:t>、</a:t>
-            </a:r>
-            <a:r>
-              <a:rPr lang="en-US" altLang="zh-CN" sz="3200" b="1" dirty="0" smtClean="0">
-                <a:ln w="1905"/>
-                <a:solidFill>
-                  <a:schemeClr val="bg1"/>
-                </a:solidFill>
-                <a:effectLst>
-                  <a:innerShdw blurRad="69850" dist="43180" dir="5400000">
-                    <a:srgbClr val="000000">
-                      <a:alpha val="65000"/>
-                    </a:srgbClr>
-                  </a:innerShdw>
-                </a:effectLst>
-              </a:rPr>
-              <a:t>TSP</a:t>
-            </a:r>
-            <a:r>
-              <a:rPr lang="zh-CN" altLang="en-US" sz="3200" b="1" dirty="0" smtClean="0">
-                <a:ln w="1905"/>
-                <a:solidFill>
-                  <a:schemeClr val="bg1"/>
-                </a:solidFill>
-                <a:effectLst>
-                  <a:innerShdw blurRad="69850" dist="43180" dir="5400000">
-                    <a:srgbClr val="000000">
-                      <a:alpha val="65000"/>
-                    </a:srgbClr>
-                  </a:innerShdw>
-                </a:effectLst>
-              </a:rPr>
-              <a:t>等配置项</a:t>
+                <a:hlinkClick r:id="rId2"/>
+              </a:rPr>
+              <a:t>系统展示</a:t>
             </a:r>
             <a:endParaRPr lang="en-US" altLang="zh-CN" sz="3200" b="1" dirty="0" smtClean="0">
               <a:ln w="1905"/>
@@ -10527,7 +10460,7 @@
               <a:buChar char="l"/>
             </a:pPr>
             <a:r>
-              <a:rPr lang="zh-CN" altLang="en-US" sz="3200" b="1" dirty="0" smtClean="0">
+              <a:rPr lang="en-US" altLang="zh-CN" sz="3200" b="1" dirty="0" smtClean="0">
                 <a:ln w="1905"/>
                 <a:solidFill>
                   <a:schemeClr val="bg1"/>
@@ -10555,8 +10488,42 @@
                     </a:srgbClr>
                   </a:innerShdw>
                 </a:effectLst>
-              </a:rPr>
-              <a:t>删除不需要的部分配置项</a:t>
+                <a:hlinkClick r:id="rId3" action="ppaction://hlinkfile" tooltip="打开项目计划"/>
+              </a:rPr>
+              <a:t>制定工作计划和安排</a:t>
+            </a:r>
+            <a:r>
+              <a:rPr lang="zh-CN" altLang="en-US" sz="3200" b="1" dirty="0" smtClean="0">
+                <a:ln w="1905"/>
+                <a:solidFill>
+                  <a:schemeClr val="bg1"/>
+                </a:solidFill>
+                <a:effectLst>
+                  <a:innerShdw blurRad="69850" dist="43180" dir="5400000">
+                    <a:srgbClr val="000000">
+                      <a:alpha val="65000"/>
+                    </a:srgbClr>
+                  </a:innerShdw>
+                </a:effectLst>
+              </a:rPr>
+              <a:t>    </a:t>
+            </a:r>
+            <a:r>
+              <a:rPr lang="zh-CN" altLang="en-US" sz="3200" b="1" dirty="0" smtClean="0">
+                <a:ln w="1905"/>
+                <a:solidFill>
+                  <a:schemeClr val="bg1"/>
+                </a:solidFill>
+                <a:effectLst>
+                  <a:innerShdw blurRad="69850" dist="43180" dir="5400000">
+                    <a:srgbClr val="000000">
+                      <a:alpha val="65000"/>
+                    </a:srgbClr>
+                  </a:innerShdw>
+                </a:effectLst>
+                <a:hlinkClick r:id="rId4" action="ppaction://hlinkfile" tooltip="打开甘特图"/>
+              </a:rPr>
+              <a:t>展示甘特图</a:t>
             </a:r>
             <a:endParaRPr lang="en-US" altLang="zh-CN" sz="3200" b="1" dirty="0" smtClean="0">
               <a:ln w="1905"/>
@@ -10609,8 +10576,42 @@
                     </a:srgbClr>
                   </a:innerShdw>
                 </a:effectLst>
-              </a:rPr>
-              <a:t>不断摸索，寻找适合我们的方式</a:t>
+                <a:hlinkClick r:id="rId5" action="ppaction://hlinkfile" tooltip="打开工程时间进度"/>
+              </a:rPr>
+              <a:t>不断调整并记录时间安排</a:t>
+            </a:r>
+            <a:r>
+              <a:rPr lang="zh-CN" altLang="en-US" sz="3200" b="1" dirty="0" smtClean="0">
+                <a:ln w="1905"/>
+                <a:solidFill>
+                  <a:schemeClr val="bg1"/>
+                </a:solidFill>
+                <a:effectLst>
+                  <a:innerShdw blurRad="69850" dist="43180" dir="5400000">
+                    <a:srgbClr val="000000">
+                      <a:alpha val="65000"/>
+                    </a:srgbClr>
+                  </a:innerShdw>
+                </a:effectLst>
+              </a:rPr>
+              <a:t>     </a:t>
+            </a:r>
+            <a:r>
+              <a:rPr lang="zh-CN" altLang="en-US" sz="3200" b="1" dirty="0" smtClean="0">
+                <a:ln w="1905"/>
+                <a:solidFill>
+                  <a:schemeClr val="bg1"/>
+                </a:solidFill>
+                <a:effectLst>
+                  <a:innerShdw blurRad="69850" dist="43180" dir="5400000">
+                    <a:srgbClr val="000000">
+                      <a:alpha val="65000"/>
+                    </a:srgbClr>
+                  </a:innerShdw>
+                </a:effectLst>
+                <a:hlinkClick r:id="rId6" action="ppaction://hlinkfile" tooltip="打开甘特图"/>
+              </a:rPr>
+              <a:t>展示甘特图</a:t>
             </a:r>
             <a:endParaRPr lang="en-US" altLang="zh-CN" sz="3200" b="1" dirty="0" smtClean="0">
               <a:ln w="1905"/>
@@ -10702,23 +10703,7 @@
                   <a:srgbClr val="FFC000"/>
                 </a:solidFill>
               </a:rPr>
-              <a:t>在</a:t>
-            </a:r>
-            <a:r>
-              <a:rPr lang="zh-CN" altLang="en-US" dirty="0" smtClean="0">
-                <a:solidFill>
-                  <a:srgbClr val="FFC000"/>
-                </a:solidFill>
-              </a:rPr>
-              <a:t>技术</a:t>
-            </a:r>
-            <a:r>
-              <a:rPr lang="zh-CN" altLang="en-US" dirty="0" smtClean="0">
-                <a:solidFill>
-                  <a:srgbClr val="FFC000"/>
-                </a:solidFill>
-              </a:rPr>
-              <a:t>方面不断学习</a:t>
+              <a:t>在技术方面不断学习</a:t>
             </a:r>
             <a:endParaRPr lang="zh-CN" altLang="en-US" dirty="0">
               <a:solidFill>
@@ -10821,23 +10806,7 @@
                   </a:innerShdw>
                 </a:effectLst>
               </a:rPr>
-              <a:t>东西相对多一点，尝试采用较高层次技术</a:t>
-            </a:r>
-            <a:r>
-              <a:rPr lang="zh-CN" altLang="en-US" sz="3200" b="1" dirty="0" smtClean="0">
-                <a:ln w="1905"/>
-                <a:solidFill>
-                  <a:schemeClr val="bg1"/>
-                </a:solidFill>
-                <a:effectLst>
-                  <a:innerShdw blurRad="69850" dist="43180" dir="5400000">
-                    <a:srgbClr val="000000">
-                      <a:alpha val="65000"/>
-                    </a:srgbClr>
-                  </a:innerShdw>
-                </a:effectLst>
-              </a:rPr>
-              <a:t>：</a:t>
+              <a:t>东西相对多一点，尝试采用较高层次技术：</a:t>
             </a:r>
             <a:endParaRPr lang="en-US" altLang="zh-CN" sz="3200" b="1" dirty="0" smtClean="0">
               <a:ln w="1905"/>
@@ -10933,23 +10902,7 @@
                   </a:innerShdw>
                 </a:effectLst>
               </a:rPr>
-              <a:t> </a:t>
-            </a:r>
-            <a:r>
-              <a:rPr lang="zh-CN" altLang="en-US" sz="3200" b="1" dirty="0" smtClean="0">
-                <a:ln w="1905"/>
-                <a:solidFill>
-                  <a:schemeClr val="bg1"/>
-                </a:solidFill>
-                <a:effectLst>
-                  <a:innerShdw blurRad="69850" dist="43180" dir="5400000">
-                    <a:srgbClr val="000000">
-                      <a:alpha val="65000"/>
-                    </a:srgbClr>
-                  </a:innerShdw>
-                </a:effectLst>
-              </a:rPr>
-              <a:t>使用</a:t>
+              <a:t> 使用</a:t>
             </a:r>
             <a:r>
               <a:rPr lang="en-US" altLang="zh-CN" sz="3200" b="1" dirty="0" err="1" smtClean="0">

--- a/trunk/项目相关文档/Sherry/项目监控/项目进展报告/项目答辩_2009-01-15_Forus.pptx
+++ b/trunk/项目相关文档/Sherry/项目监控/项目进展报告/项目答辩_2009-01-15_Forus.pptx
@@ -6,23 +6,27 @@
   </p:sldMasterIdLst>
   <p:sldIdLst>
     <p:sldId id="256" r:id="rId2"/>
-    <p:sldId id="257" r:id="rId3"/>
-    <p:sldId id="258" r:id="rId4"/>
-    <p:sldId id="259" r:id="rId5"/>
-    <p:sldId id="276" r:id="rId6"/>
-    <p:sldId id="260" r:id="rId7"/>
-    <p:sldId id="262" r:id="rId8"/>
-    <p:sldId id="261" r:id="rId9"/>
-    <p:sldId id="263" r:id="rId10"/>
-    <p:sldId id="264" r:id="rId11"/>
-    <p:sldId id="265" r:id="rId12"/>
-    <p:sldId id="266" r:id="rId13"/>
-    <p:sldId id="267" r:id="rId14"/>
-    <p:sldId id="268" r:id="rId15"/>
-    <p:sldId id="269" r:id="rId16"/>
-    <p:sldId id="270" r:id="rId17"/>
-    <p:sldId id="271" r:id="rId18"/>
-    <p:sldId id="273" r:id="rId19"/>
+    <p:sldId id="278" r:id="rId3"/>
+    <p:sldId id="277" r:id="rId4"/>
+    <p:sldId id="279" r:id="rId5"/>
+    <p:sldId id="280" r:id="rId6"/>
+    <p:sldId id="257" r:id="rId7"/>
+    <p:sldId id="258" r:id="rId8"/>
+    <p:sldId id="259" r:id="rId9"/>
+    <p:sldId id="276" r:id="rId10"/>
+    <p:sldId id="260" r:id="rId11"/>
+    <p:sldId id="262" r:id="rId12"/>
+    <p:sldId id="261" r:id="rId13"/>
+    <p:sldId id="263" r:id="rId14"/>
+    <p:sldId id="264" r:id="rId15"/>
+    <p:sldId id="265" r:id="rId16"/>
+    <p:sldId id="266" r:id="rId17"/>
+    <p:sldId id="267" r:id="rId18"/>
+    <p:sldId id="268" r:id="rId19"/>
+    <p:sldId id="269" r:id="rId20"/>
+    <p:sldId id="270" r:id="rId21"/>
+    <p:sldId id="271" r:id="rId22"/>
+    <p:sldId id="273" r:id="rId23"/>
   </p:sldIdLst>
   <p:sldSz cx="9144000" cy="6858000" type="screen4x3"/>
   <p:notesSz cx="6858000" cy="9144000"/>
@@ -2930,7 +2934,7 @@
             <a:fld id="{530820CF-B880-4189-942D-D702A7CBA730}" type="datetimeFigureOut">
               <a:rPr lang="zh-CN" altLang="en-US" smtClean="0"/>
               <a:pPr/>
-              <a:t>2010-1-16</a:t>
+              <a:t>2010-1-20</a:t>
             </a:fld>
             <a:endParaRPr lang="zh-CN" altLang="en-US"/>
           </a:p>
@@ -3097,7 +3101,7 @@
             <a:fld id="{530820CF-B880-4189-942D-D702A7CBA730}" type="datetimeFigureOut">
               <a:rPr lang="zh-CN" altLang="en-US" smtClean="0"/>
               <a:pPr/>
-              <a:t>2010-1-16</a:t>
+              <a:t>2010-1-20</a:t>
             </a:fld>
             <a:endParaRPr lang="zh-CN" altLang="en-US"/>
           </a:p>
@@ -3274,7 +3278,7 @@
             <a:fld id="{530820CF-B880-4189-942D-D702A7CBA730}" type="datetimeFigureOut">
               <a:rPr lang="zh-CN" altLang="en-US" smtClean="0"/>
               <a:pPr/>
-              <a:t>2010-1-16</a:t>
+              <a:t>2010-1-20</a:t>
             </a:fld>
             <a:endParaRPr lang="zh-CN" altLang="en-US"/>
           </a:p>
@@ -3441,7 +3445,7 @@
             <a:fld id="{530820CF-B880-4189-942D-D702A7CBA730}" type="datetimeFigureOut">
               <a:rPr lang="zh-CN" altLang="en-US" smtClean="0"/>
               <a:pPr/>
-              <a:t>2010-1-16</a:t>
+              <a:t>2010-1-20</a:t>
             </a:fld>
             <a:endParaRPr lang="zh-CN" altLang="en-US"/>
           </a:p>
@@ -3685,7 +3689,7 @@
             <a:fld id="{530820CF-B880-4189-942D-D702A7CBA730}" type="datetimeFigureOut">
               <a:rPr lang="zh-CN" altLang="en-US" smtClean="0"/>
               <a:pPr/>
-              <a:t>2010-1-16</a:t>
+              <a:t>2010-1-20</a:t>
             </a:fld>
             <a:endParaRPr lang="zh-CN" altLang="en-US"/>
           </a:p>
@@ -3951,7 +3955,7 @@
             <a:fld id="{530820CF-B880-4189-942D-D702A7CBA730}" type="datetimeFigureOut">
               <a:rPr lang="zh-CN" altLang="en-US" smtClean="0"/>
               <a:pPr/>
-              <a:t>2010-1-16</a:t>
+              <a:t>2010-1-20</a:t>
             </a:fld>
             <a:endParaRPr lang="zh-CN" altLang="en-US"/>
           </a:p>
@@ -4331,7 +4335,7 @@
             <a:fld id="{530820CF-B880-4189-942D-D702A7CBA730}" type="datetimeFigureOut">
               <a:rPr lang="zh-CN" altLang="en-US" smtClean="0"/>
               <a:pPr/>
-              <a:t>2010-1-16</a:t>
+              <a:t>2010-1-20</a:t>
             </a:fld>
             <a:endParaRPr lang="zh-CN" altLang="en-US"/>
           </a:p>
@@ -4483,7 +4487,7 @@
             <a:fld id="{530820CF-B880-4189-942D-D702A7CBA730}" type="datetimeFigureOut">
               <a:rPr lang="zh-CN" altLang="en-US" smtClean="0"/>
               <a:pPr/>
-              <a:t>2010-1-16</a:t>
+              <a:t>2010-1-20</a:t>
             </a:fld>
             <a:endParaRPr lang="zh-CN" altLang="en-US"/>
           </a:p>
@@ -4575,7 +4579,7 @@
             <a:fld id="{530820CF-B880-4189-942D-D702A7CBA730}" type="datetimeFigureOut">
               <a:rPr lang="zh-CN" altLang="en-US" smtClean="0"/>
               <a:pPr/>
-              <a:t>2010-1-16</a:t>
+              <a:t>2010-1-20</a:t>
             </a:fld>
             <a:endParaRPr lang="zh-CN" altLang="en-US"/>
           </a:p>
@@ -4838,7 +4842,7 @@
             <a:fld id="{530820CF-B880-4189-942D-D702A7CBA730}" type="datetimeFigureOut">
               <a:rPr lang="zh-CN" altLang="en-US" smtClean="0"/>
               <a:pPr/>
-              <a:t>2010-1-16</a:t>
+              <a:t>2010-1-20</a:t>
             </a:fld>
             <a:endParaRPr lang="zh-CN" altLang="en-US"/>
           </a:p>
@@ -5128,7 +5132,7 @@
             <a:fld id="{530820CF-B880-4189-942D-D702A7CBA730}" type="datetimeFigureOut">
               <a:rPr lang="zh-CN" altLang="en-US" smtClean="0"/>
               <a:pPr/>
-              <a:t>2010-1-16</a:t>
+              <a:t>2010-1-20</a:t>
             </a:fld>
             <a:endParaRPr lang="zh-CN" altLang="en-US"/>
           </a:p>
@@ -5901,7 +5905,7 @@
             <a:fld id="{530820CF-B880-4189-942D-D702A7CBA730}" type="datetimeFigureOut">
               <a:rPr lang="zh-CN" altLang="en-US" smtClean="0"/>
               <a:pPr/>
-              <a:t>2010-1-16</a:t>
+              <a:t>2010-1-20</a:t>
             </a:fld>
             <a:endParaRPr lang="zh-CN" altLang="en-US"/>
           </a:p>
@@ -6670,6 +6674,1460 @@
         </p:nvSpPr>
         <p:spPr>
           <a:xfrm>
+            <a:off x="500034" y="1214422"/>
+            <a:ext cx="7851648" cy="1057268"/>
+          </a:xfrm>
+        </p:spPr>
+        <p:txBody>
+          <a:bodyPr/>
+          <a:lstStyle/>
+          <a:p>
+            <a:pPr algn="l"/>
+            <a:r>
+              <a:rPr lang="zh-CN" altLang="en-US" dirty="0" smtClean="0">
+                <a:solidFill>
+                  <a:srgbClr val="FFC000"/>
+                </a:solidFill>
+              </a:rPr>
+              <a:t>建立配置管理库</a:t>
+            </a:r>
+            <a:endParaRPr lang="zh-CN" altLang="en-US" dirty="0">
+              <a:solidFill>
+                <a:srgbClr val="FFC000"/>
+              </a:solidFill>
+            </a:endParaRPr>
+          </a:p>
+        </p:txBody>
+      </p:sp>
+      <p:sp>
+        <p:nvSpPr>
+          <p:cNvPr id="4" name="矩形 3"/>
+          <p:cNvSpPr/>
+          <p:nvPr/>
+        </p:nvSpPr>
+        <p:spPr>
+          <a:xfrm>
+            <a:off x="642910" y="2428868"/>
+            <a:ext cx="6972743" cy="3539430"/>
+          </a:xfrm>
+          <a:prstGeom prst="rect">
+            <a:avLst/>
+          </a:prstGeom>
+          <a:noFill/>
+        </p:spPr>
+        <p:txBody>
+          <a:bodyPr wrap="none" lIns="91440" tIns="45720" rIns="91440" bIns="45720">
+            <a:spAutoFit/>
+          </a:bodyPr>
+          <a:lstStyle/>
+          <a:p>
+            <a:pPr algn="ctr">
+              <a:lnSpc>
+                <a:spcPct val="150000"/>
+              </a:lnSpc>
+            </a:pPr>
+            <a:r>
+              <a:rPr lang="zh-CN" altLang="en-US" sz="3200" b="1" dirty="0" smtClean="0">
+                <a:ln w="1905"/>
+                <a:solidFill>
+                  <a:schemeClr val="bg1"/>
+                </a:solidFill>
+                <a:effectLst>
+                  <a:innerShdw blurRad="69850" dist="43180" dir="5400000">
+                    <a:srgbClr val="000000">
+                      <a:alpha val="65000"/>
+                    </a:srgbClr>
+                  </a:innerShdw>
+                </a:effectLst>
+              </a:rPr>
+              <a:t>根据</a:t>
+            </a:r>
+            <a:r>
+              <a:rPr lang="en-US" altLang="zh-CN" sz="3200" b="1" dirty="0" smtClean="0">
+                <a:ln w="1905"/>
+                <a:solidFill>
+                  <a:schemeClr val="bg1"/>
+                </a:solidFill>
+                <a:effectLst>
+                  <a:innerShdw blurRad="69850" dist="43180" dir="5400000">
+                    <a:srgbClr val="000000">
+                      <a:alpha val="65000"/>
+                    </a:srgbClr>
+                  </a:innerShdw>
+                </a:effectLst>
+              </a:rPr>
+              <a:t>CMM</a:t>
+            </a:r>
+            <a:r>
+              <a:rPr lang="zh-CN" altLang="en-US" sz="3200" b="1" dirty="0" smtClean="0">
+                <a:ln w="1905"/>
+                <a:solidFill>
+                  <a:schemeClr val="bg1"/>
+                </a:solidFill>
+                <a:effectLst>
+                  <a:innerShdw blurRad="69850" dist="43180" dir="5400000">
+                    <a:srgbClr val="000000">
+                      <a:alpha val="65000"/>
+                    </a:srgbClr>
+                  </a:innerShdw>
+                </a:effectLst>
+              </a:rPr>
+              <a:t>的要求建立配置管理库：</a:t>
+            </a:r>
+            <a:endParaRPr lang="en-US" altLang="zh-CN" sz="3200" b="1" dirty="0" smtClean="0">
+              <a:ln w="1905"/>
+              <a:solidFill>
+                <a:schemeClr val="bg1"/>
+              </a:solidFill>
+              <a:effectLst>
+                <a:innerShdw blurRad="69850" dist="43180" dir="5400000">
+                  <a:srgbClr val="000000">
+                    <a:alpha val="65000"/>
+                  </a:srgbClr>
+                </a:innerShdw>
+              </a:effectLst>
+            </a:endParaRPr>
+          </a:p>
+          <a:p>
+            <a:pPr>
+              <a:lnSpc>
+                <a:spcPct val="150000"/>
+              </a:lnSpc>
+              <a:buFont typeface="Wingdings" pitchFamily="2" charset="2"/>
+              <a:buChar char="l"/>
+            </a:pPr>
+            <a:r>
+              <a:rPr lang="zh-CN" altLang="en-US" sz="3200" b="1" dirty="0" smtClean="0">
+                <a:ln w="1905"/>
+                <a:solidFill>
+                  <a:schemeClr val="bg1"/>
+                </a:solidFill>
+                <a:effectLst>
+                  <a:innerShdw blurRad="69850" dist="43180" dir="5400000">
+                    <a:srgbClr val="000000">
+                      <a:alpha val="65000"/>
+                    </a:srgbClr>
+                  </a:innerShdw>
+                </a:effectLst>
+              </a:rPr>
+              <a:t> </a:t>
+            </a:r>
+            <a:r>
+              <a:rPr lang="zh-CN" altLang="en-US" sz="3200" b="1" dirty="0" smtClean="0">
+                <a:ln w="1905"/>
+                <a:solidFill>
+                  <a:schemeClr val="bg1"/>
+                </a:solidFill>
+                <a:effectLst>
+                  <a:innerShdw blurRad="69850" dist="43180" dir="5400000">
+                    <a:srgbClr val="000000">
+                      <a:alpha val="65000"/>
+                    </a:srgbClr>
+                  </a:innerShdw>
+                </a:effectLst>
+                <a:hlinkClick r:id="rId2" action="ppaction://hlinkfile" tooltip="打开配置库目录"/>
+              </a:rPr>
+              <a:t>明确目录层次结构</a:t>
+            </a:r>
+            <a:endParaRPr lang="en-US" altLang="zh-CN" sz="3200" b="1" dirty="0" smtClean="0">
+              <a:ln w="1905"/>
+              <a:solidFill>
+                <a:schemeClr val="bg1">
+                  <a:lumMod val="95000"/>
+                  <a:lumOff val="5000"/>
+                </a:schemeClr>
+              </a:solidFill>
+              <a:effectLst>
+                <a:innerShdw blurRad="69850" dist="43180" dir="5400000">
+                  <a:srgbClr val="000000">
+                    <a:alpha val="65000"/>
+                  </a:srgbClr>
+                </a:innerShdw>
+              </a:effectLst>
+            </a:endParaRPr>
+          </a:p>
+          <a:p>
+            <a:pPr>
+              <a:lnSpc>
+                <a:spcPct val="150000"/>
+              </a:lnSpc>
+              <a:buFont typeface="Wingdings" pitchFamily="2" charset="2"/>
+              <a:buChar char="l"/>
+            </a:pPr>
+            <a:r>
+              <a:rPr lang="zh-CN" altLang="en-US" sz="3200" b="1" dirty="0" smtClean="0">
+                <a:ln w="1905"/>
+                <a:solidFill>
+                  <a:schemeClr val="bg1"/>
+                </a:solidFill>
+                <a:effectLst>
+                  <a:innerShdw blurRad="69850" dist="43180" dir="5400000">
+                    <a:srgbClr val="000000">
+                      <a:alpha val="65000"/>
+                    </a:srgbClr>
+                  </a:innerShdw>
+                </a:effectLst>
+                <a:hlinkClick r:id="rId3" action="ppaction://hlinkfile" tooltip="打开文档管理表"/>
+              </a:rPr>
+              <a:t> 注意文档管理记录</a:t>
+            </a:r>
+            <a:endParaRPr lang="en-US" altLang="zh-CN" sz="3200" b="1" dirty="0" smtClean="0">
+              <a:ln w="1905"/>
+              <a:solidFill>
+                <a:schemeClr val="bg1"/>
+              </a:solidFill>
+              <a:effectLst>
+                <a:innerShdw blurRad="69850" dist="43180" dir="5400000">
+                  <a:srgbClr val="000000">
+                    <a:alpha val="65000"/>
+                  </a:srgbClr>
+                </a:innerShdw>
+              </a:effectLst>
+            </a:endParaRPr>
+          </a:p>
+          <a:p>
+            <a:pPr>
+              <a:lnSpc>
+                <a:spcPct val="150000"/>
+              </a:lnSpc>
+              <a:buFont typeface="Wingdings" pitchFamily="2" charset="2"/>
+              <a:buChar char="l"/>
+            </a:pPr>
+            <a:r>
+              <a:rPr lang="en-US" altLang="zh-CN" sz="3200" b="1" dirty="0" smtClean="0">
+                <a:ln w="1905"/>
+                <a:solidFill>
+                  <a:schemeClr val="bg1"/>
+                </a:solidFill>
+                <a:effectLst>
+                  <a:innerShdw blurRad="69850" dist="43180" dir="5400000">
+                    <a:srgbClr val="000000">
+                      <a:alpha val="65000"/>
+                    </a:srgbClr>
+                  </a:innerShdw>
+                </a:effectLst>
+              </a:rPr>
+              <a:t> </a:t>
+            </a:r>
+            <a:r>
+              <a:rPr lang="zh-CN" altLang="en-US" sz="3200" b="1" dirty="0" smtClean="0">
+                <a:ln w="1905"/>
+                <a:solidFill>
+                  <a:schemeClr val="bg1"/>
+                </a:solidFill>
+                <a:effectLst>
+                  <a:innerShdw blurRad="69850" dist="43180" dir="5400000">
+                    <a:srgbClr val="000000">
+                      <a:alpha val="65000"/>
+                    </a:srgbClr>
+                  </a:innerShdw>
+                </a:effectLst>
+              </a:rPr>
+              <a:t>工作过程小组及时发现问题并讨论</a:t>
+            </a:r>
+            <a:endParaRPr lang="en-US" altLang="zh-CN" sz="3200" b="1" dirty="0" smtClean="0">
+              <a:ln w="1905"/>
+              <a:solidFill>
+                <a:schemeClr val="bg1"/>
+              </a:solidFill>
+              <a:effectLst>
+                <a:innerShdw blurRad="69850" dist="43180" dir="5400000">
+                  <a:srgbClr val="000000">
+                    <a:alpha val="65000"/>
+                  </a:srgbClr>
+                </a:innerShdw>
+              </a:effectLst>
+            </a:endParaRPr>
+          </a:p>
+          <a:p>
+            <a:endParaRPr lang="en-US" altLang="zh-CN" sz="3200" b="1" dirty="0" smtClean="0">
+              <a:ln w="1905"/>
+              <a:solidFill>
+                <a:srgbClr val="C7EB13"/>
+              </a:solidFill>
+              <a:effectLst>
+                <a:innerShdw blurRad="69850" dist="43180" dir="5400000">
+                  <a:srgbClr val="000000">
+                    <a:alpha val="65000"/>
+                  </a:srgbClr>
+                </a:innerShdw>
+              </a:effectLst>
+            </a:endParaRPr>
+          </a:p>
+        </p:txBody>
+      </p:sp>
+    </p:spTree>
+  </p:cSld>
+  <p:clrMapOvr>
+    <a:masterClrMapping/>
+  </p:clrMapOvr>
+  <p:timing>
+    <p:tnLst>
+      <p:par>
+        <p:cTn id="1" dur="indefinite" restart="never" nodeType="tmRoot"/>
+      </p:par>
+    </p:tnLst>
+  </p:timing>
+</p:sld>
+</file>
+
+<file path=ppt/slides/slide11.xml><?xml version="1.0" encoding="utf-8"?>
+<p:sld xmlns:a="http://schemas.openxmlformats.org/drawingml/2006/main" xmlns:r="http://schemas.openxmlformats.org/officeDocument/2006/relationships" xmlns:p="http://schemas.openxmlformats.org/presentationml/2006/main">
+  <p:cSld>
+    <p:spTree>
+      <p:nvGrpSpPr>
+        <p:cNvPr id="1" name=""/>
+        <p:cNvGrpSpPr/>
+        <p:nvPr/>
+      </p:nvGrpSpPr>
+      <p:grpSpPr>
+        <a:xfrm>
+          <a:off x="0" y="0"/>
+          <a:ext cx="0" cy="0"/>
+          <a:chOff x="0" y="0"/>
+          <a:chExt cx="0" cy="0"/>
+        </a:xfrm>
+      </p:grpSpPr>
+      <p:sp>
+        <p:nvSpPr>
+          <p:cNvPr id="2" name="标题 1"/>
+          <p:cNvSpPr>
+            <a:spLocks noGrp="1"/>
+          </p:cNvSpPr>
+          <p:nvPr>
+            <p:ph type="ctrTitle"/>
+          </p:nvPr>
+        </p:nvSpPr>
+        <p:spPr>
+          <a:xfrm>
+            <a:off x="500034" y="1214422"/>
+            <a:ext cx="7851648" cy="1057284"/>
+          </a:xfrm>
+        </p:spPr>
+        <p:txBody>
+          <a:bodyPr>
+            <a:normAutofit/>
+          </a:bodyPr>
+          <a:lstStyle/>
+          <a:p>
+            <a:pPr algn="l"/>
+            <a:r>
+              <a:rPr lang="zh-CN" altLang="en-US" dirty="0" smtClean="0">
+                <a:solidFill>
+                  <a:srgbClr val="FFC000"/>
+                </a:solidFill>
+              </a:rPr>
+              <a:t>项目进行过程不断调整</a:t>
+            </a:r>
+            <a:endParaRPr lang="zh-CN" altLang="en-US" dirty="0">
+              <a:solidFill>
+                <a:srgbClr val="FFC000"/>
+              </a:solidFill>
+            </a:endParaRPr>
+          </a:p>
+        </p:txBody>
+      </p:sp>
+      <p:sp>
+        <p:nvSpPr>
+          <p:cNvPr id="4" name="矩形 3"/>
+          <p:cNvSpPr/>
+          <p:nvPr/>
+        </p:nvSpPr>
+        <p:spPr>
+          <a:xfrm>
+            <a:off x="642910" y="2428868"/>
+            <a:ext cx="7600157" cy="3539430"/>
+          </a:xfrm>
+          <a:prstGeom prst="rect">
+            <a:avLst/>
+          </a:prstGeom>
+          <a:noFill/>
+        </p:spPr>
+        <p:txBody>
+          <a:bodyPr wrap="none" lIns="91440" tIns="45720" rIns="91440" bIns="45720">
+            <a:spAutoFit/>
+          </a:bodyPr>
+          <a:lstStyle/>
+          <a:p>
+            <a:pPr algn="ctr">
+              <a:lnSpc>
+                <a:spcPct val="150000"/>
+              </a:lnSpc>
+            </a:pPr>
+            <a:r>
+              <a:rPr lang="zh-CN" altLang="en-US" sz="3200" b="1" dirty="0" smtClean="0">
+                <a:ln w="1905"/>
+                <a:solidFill>
+                  <a:schemeClr val="bg1"/>
+                </a:solidFill>
+                <a:effectLst>
+                  <a:innerShdw blurRad="69850" dist="43180" dir="5400000">
+                    <a:srgbClr val="000000">
+                      <a:alpha val="65000"/>
+                    </a:srgbClr>
+                  </a:innerShdw>
+                </a:effectLst>
+              </a:rPr>
+              <a:t>随着项目和课程的进行，我们不断调整：</a:t>
+            </a:r>
+            <a:endParaRPr lang="en-US" altLang="zh-CN" sz="3200" b="1" dirty="0" smtClean="0">
+              <a:ln w="1905"/>
+              <a:solidFill>
+                <a:schemeClr val="bg1"/>
+              </a:solidFill>
+              <a:effectLst>
+                <a:innerShdw blurRad="69850" dist="43180" dir="5400000">
+                  <a:srgbClr val="000000">
+                    <a:alpha val="65000"/>
+                  </a:srgbClr>
+                </a:innerShdw>
+              </a:effectLst>
+            </a:endParaRPr>
+          </a:p>
+          <a:p>
+            <a:pPr>
+              <a:lnSpc>
+                <a:spcPct val="150000"/>
+              </a:lnSpc>
+              <a:buFont typeface="Wingdings" pitchFamily="2" charset="2"/>
+              <a:buChar char="l"/>
+            </a:pPr>
+            <a:r>
+              <a:rPr lang="zh-CN" altLang="en-US" sz="3200" b="1" dirty="0" smtClean="0">
+                <a:ln w="1905"/>
+                <a:solidFill>
+                  <a:schemeClr val="bg1"/>
+                </a:solidFill>
+                <a:effectLst>
+                  <a:innerShdw blurRad="69850" dist="43180" dir="5400000">
+                    <a:srgbClr val="000000">
+                      <a:alpha val="65000"/>
+                    </a:srgbClr>
+                  </a:innerShdw>
+                </a:effectLst>
+              </a:rPr>
+              <a:t> 增加</a:t>
+            </a:r>
+            <a:r>
+              <a:rPr lang="en-US" altLang="zh-CN" sz="3200" b="1" dirty="0" smtClean="0">
+                <a:ln w="1905"/>
+                <a:solidFill>
+                  <a:schemeClr val="bg1"/>
+                </a:solidFill>
+                <a:effectLst>
+                  <a:innerShdw blurRad="69850" dist="43180" dir="5400000">
+                    <a:srgbClr val="000000">
+                      <a:alpha val="65000"/>
+                    </a:srgbClr>
+                  </a:innerShdw>
+                </a:effectLst>
+              </a:rPr>
+              <a:t>PSP</a:t>
+            </a:r>
+            <a:r>
+              <a:rPr lang="zh-CN" altLang="en-US" sz="3200" b="1" dirty="0" smtClean="0">
+                <a:ln w="1905"/>
+                <a:solidFill>
+                  <a:schemeClr val="bg1"/>
+                </a:solidFill>
+                <a:effectLst>
+                  <a:innerShdw blurRad="69850" dist="43180" dir="5400000">
+                    <a:srgbClr val="000000">
+                      <a:alpha val="65000"/>
+                    </a:srgbClr>
+                  </a:innerShdw>
+                </a:effectLst>
+              </a:rPr>
+              <a:t>、</a:t>
+            </a:r>
+            <a:r>
+              <a:rPr lang="en-US" altLang="zh-CN" sz="3200" b="1" dirty="0" smtClean="0">
+                <a:ln w="1905"/>
+                <a:solidFill>
+                  <a:schemeClr val="bg1"/>
+                </a:solidFill>
+                <a:effectLst>
+                  <a:innerShdw blurRad="69850" dist="43180" dir="5400000">
+                    <a:srgbClr val="000000">
+                      <a:alpha val="65000"/>
+                    </a:srgbClr>
+                  </a:innerShdw>
+                </a:effectLst>
+              </a:rPr>
+              <a:t>TSP</a:t>
+            </a:r>
+            <a:r>
+              <a:rPr lang="zh-CN" altLang="en-US" sz="3200" b="1" dirty="0" smtClean="0">
+                <a:ln w="1905"/>
+                <a:solidFill>
+                  <a:schemeClr val="bg1"/>
+                </a:solidFill>
+                <a:effectLst>
+                  <a:innerShdw blurRad="69850" dist="43180" dir="5400000">
+                    <a:srgbClr val="000000">
+                      <a:alpha val="65000"/>
+                    </a:srgbClr>
+                  </a:innerShdw>
+                </a:effectLst>
+              </a:rPr>
+              <a:t>等配置项</a:t>
+            </a:r>
+            <a:endParaRPr lang="en-US" altLang="zh-CN" sz="3200" b="1" dirty="0" smtClean="0">
+              <a:ln w="1905"/>
+              <a:solidFill>
+                <a:schemeClr val="bg1">
+                  <a:lumMod val="95000"/>
+                  <a:lumOff val="5000"/>
+                </a:schemeClr>
+              </a:solidFill>
+              <a:effectLst>
+                <a:innerShdw blurRad="69850" dist="43180" dir="5400000">
+                  <a:srgbClr val="000000">
+                    <a:alpha val="65000"/>
+                  </a:srgbClr>
+                </a:innerShdw>
+              </a:effectLst>
+            </a:endParaRPr>
+          </a:p>
+          <a:p>
+            <a:pPr>
+              <a:lnSpc>
+                <a:spcPct val="150000"/>
+              </a:lnSpc>
+              <a:buFont typeface="Wingdings" pitchFamily="2" charset="2"/>
+              <a:buChar char="l"/>
+            </a:pPr>
+            <a:r>
+              <a:rPr lang="zh-CN" altLang="en-US" sz="3200" b="1" dirty="0" smtClean="0">
+                <a:ln w="1905"/>
+                <a:solidFill>
+                  <a:schemeClr val="bg1"/>
+                </a:solidFill>
+                <a:effectLst>
+                  <a:innerShdw blurRad="69850" dist="43180" dir="5400000">
+                    <a:srgbClr val="000000">
+                      <a:alpha val="65000"/>
+                    </a:srgbClr>
+                  </a:innerShdw>
+                </a:effectLst>
+              </a:rPr>
+              <a:t> 删除不需要的部分配置项</a:t>
+            </a:r>
+            <a:endParaRPr lang="en-US" altLang="zh-CN" sz="3200" b="1" dirty="0" smtClean="0">
+              <a:ln w="1905"/>
+              <a:solidFill>
+                <a:schemeClr val="bg1"/>
+              </a:solidFill>
+              <a:effectLst>
+                <a:innerShdw blurRad="69850" dist="43180" dir="5400000">
+                  <a:srgbClr val="000000">
+                    <a:alpha val="65000"/>
+                  </a:srgbClr>
+                </a:innerShdw>
+              </a:effectLst>
+            </a:endParaRPr>
+          </a:p>
+          <a:p>
+            <a:pPr>
+              <a:lnSpc>
+                <a:spcPct val="150000"/>
+              </a:lnSpc>
+              <a:buFont typeface="Wingdings" pitchFamily="2" charset="2"/>
+              <a:buChar char="l"/>
+            </a:pPr>
+            <a:r>
+              <a:rPr lang="en-US" altLang="zh-CN" sz="3200" b="1" dirty="0" smtClean="0">
+                <a:ln w="1905"/>
+                <a:solidFill>
+                  <a:schemeClr val="bg1"/>
+                </a:solidFill>
+                <a:effectLst>
+                  <a:innerShdw blurRad="69850" dist="43180" dir="5400000">
+                    <a:srgbClr val="000000">
+                      <a:alpha val="65000"/>
+                    </a:srgbClr>
+                  </a:innerShdw>
+                </a:effectLst>
+              </a:rPr>
+              <a:t> </a:t>
+            </a:r>
+            <a:r>
+              <a:rPr lang="zh-CN" altLang="en-US" sz="3200" b="1" dirty="0" smtClean="0">
+                <a:ln w="1905"/>
+                <a:solidFill>
+                  <a:schemeClr val="bg1"/>
+                </a:solidFill>
+                <a:effectLst>
+                  <a:innerShdw blurRad="69850" dist="43180" dir="5400000">
+                    <a:srgbClr val="000000">
+                      <a:alpha val="65000"/>
+                    </a:srgbClr>
+                  </a:innerShdw>
+                </a:effectLst>
+              </a:rPr>
+              <a:t>不断摸索，寻找适合我们的方式</a:t>
+            </a:r>
+            <a:endParaRPr lang="en-US" altLang="zh-CN" sz="3200" b="1" dirty="0" smtClean="0">
+              <a:ln w="1905"/>
+              <a:solidFill>
+                <a:schemeClr val="bg1"/>
+              </a:solidFill>
+              <a:effectLst>
+                <a:innerShdw blurRad="69850" dist="43180" dir="5400000">
+                  <a:srgbClr val="000000">
+                    <a:alpha val="65000"/>
+                  </a:srgbClr>
+                </a:innerShdw>
+              </a:effectLst>
+            </a:endParaRPr>
+          </a:p>
+          <a:p>
+            <a:endParaRPr lang="en-US" altLang="zh-CN" sz="3200" b="1" dirty="0" smtClean="0">
+              <a:ln w="1905"/>
+              <a:solidFill>
+                <a:srgbClr val="C7EB13"/>
+              </a:solidFill>
+              <a:effectLst>
+                <a:innerShdw blurRad="69850" dist="43180" dir="5400000">
+                  <a:srgbClr val="000000">
+                    <a:alpha val="65000"/>
+                  </a:srgbClr>
+                </a:innerShdw>
+              </a:effectLst>
+            </a:endParaRPr>
+          </a:p>
+        </p:txBody>
+      </p:sp>
+    </p:spTree>
+  </p:cSld>
+  <p:clrMapOvr>
+    <a:masterClrMapping/>
+  </p:clrMapOvr>
+  <p:timing>
+    <p:tnLst>
+      <p:par>
+        <p:cTn id="1" dur="indefinite" restart="never" nodeType="tmRoot"/>
+      </p:par>
+    </p:tnLst>
+  </p:timing>
+</p:sld>
+</file>
+
+<file path=ppt/slides/slide12.xml><?xml version="1.0" encoding="utf-8"?>
+<p:sld xmlns:a="http://schemas.openxmlformats.org/drawingml/2006/main" xmlns:r="http://schemas.openxmlformats.org/officeDocument/2006/relationships" xmlns:p="http://schemas.openxmlformats.org/presentationml/2006/main">
+  <p:cSld>
+    <p:spTree>
+      <p:nvGrpSpPr>
+        <p:cNvPr id="1" name=""/>
+        <p:cNvGrpSpPr/>
+        <p:nvPr/>
+      </p:nvGrpSpPr>
+      <p:grpSpPr>
+        <a:xfrm>
+          <a:off x="0" y="0"/>
+          <a:ext cx="0" cy="0"/>
+          <a:chOff x="0" y="0"/>
+          <a:chExt cx="0" cy="0"/>
+        </a:xfrm>
+      </p:grpSpPr>
+      <p:sp>
+        <p:nvSpPr>
+          <p:cNvPr id="2" name="标题 1"/>
+          <p:cNvSpPr>
+            <a:spLocks noGrp="1"/>
+          </p:cNvSpPr>
+          <p:nvPr>
+            <p:ph type="ctrTitle"/>
+          </p:nvPr>
+        </p:nvSpPr>
+        <p:spPr>
+          <a:xfrm>
+            <a:off x="500034" y="1071546"/>
+            <a:ext cx="7851648" cy="1057284"/>
+          </a:xfrm>
+        </p:spPr>
+        <p:txBody>
+          <a:bodyPr/>
+          <a:lstStyle/>
+          <a:p>
+            <a:pPr algn="l"/>
+            <a:r>
+              <a:rPr lang="zh-CN" altLang="en-US" dirty="0" smtClean="0">
+                <a:solidFill>
+                  <a:srgbClr val="FFC000"/>
+                </a:solidFill>
+              </a:rPr>
+              <a:t>建立工时管理系统</a:t>
+            </a:r>
+            <a:endParaRPr lang="zh-CN" altLang="en-US" dirty="0">
+              <a:solidFill>
+                <a:srgbClr val="FFC000"/>
+              </a:solidFill>
+            </a:endParaRPr>
+          </a:p>
+        </p:txBody>
+      </p:sp>
+      <p:sp>
+        <p:nvSpPr>
+          <p:cNvPr id="4" name="矩形 3"/>
+          <p:cNvSpPr/>
+          <p:nvPr/>
+        </p:nvSpPr>
+        <p:spPr>
+          <a:xfrm>
+            <a:off x="642910" y="2428868"/>
+            <a:ext cx="7746160" cy="3539430"/>
+          </a:xfrm>
+          <a:prstGeom prst="rect">
+            <a:avLst/>
+          </a:prstGeom>
+          <a:noFill/>
+        </p:spPr>
+        <p:txBody>
+          <a:bodyPr wrap="none" lIns="91440" tIns="45720" rIns="91440" bIns="45720">
+            <a:spAutoFit/>
+          </a:bodyPr>
+          <a:lstStyle/>
+          <a:p>
+            <a:pPr algn="ctr">
+              <a:lnSpc>
+                <a:spcPct val="150000"/>
+              </a:lnSpc>
+            </a:pPr>
+            <a:r>
+              <a:rPr lang="zh-CN" altLang="en-US" sz="3200" b="1" dirty="0" smtClean="0">
+                <a:ln w="1905"/>
+                <a:solidFill>
+                  <a:schemeClr val="bg1"/>
+                </a:solidFill>
+                <a:effectLst>
+                  <a:innerShdw blurRad="69850" dist="43180" dir="5400000">
+                    <a:srgbClr val="000000">
+                      <a:alpha val="65000"/>
+                    </a:srgbClr>
+                  </a:innerShdw>
+                </a:effectLst>
+              </a:rPr>
+              <a:t>架设</a:t>
+            </a:r>
+            <a:r>
+              <a:rPr lang="en-US" altLang="zh-CN" sz="3200" b="1" dirty="0" smtClean="0">
+                <a:ln w="1905"/>
+                <a:solidFill>
+                  <a:schemeClr val="bg1"/>
+                </a:solidFill>
+                <a:effectLst>
+                  <a:innerShdw blurRad="69850" dist="43180" dir="5400000">
+                    <a:srgbClr val="000000">
+                      <a:alpha val="65000"/>
+                    </a:srgbClr>
+                  </a:innerShdw>
+                </a:effectLst>
+              </a:rPr>
+              <a:t>One point Project</a:t>
+            </a:r>
+            <a:r>
+              <a:rPr lang="zh-CN" altLang="en-US" sz="3200" b="1" dirty="0" smtClean="0">
+                <a:ln w="1905"/>
+                <a:solidFill>
+                  <a:schemeClr val="bg1"/>
+                </a:solidFill>
+                <a:effectLst>
+                  <a:innerShdw blurRad="69850" dist="43180" dir="5400000">
+                    <a:srgbClr val="000000">
+                      <a:alpha val="65000"/>
+                    </a:srgbClr>
+                  </a:innerShdw>
+                </a:effectLst>
+              </a:rPr>
+              <a:t>系统进行管理：</a:t>
+            </a:r>
+            <a:endParaRPr lang="en-US" altLang="zh-CN" sz="3200" b="1" dirty="0" smtClean="0">
+              <a:ln w="1905"/>
+              <a:solidFill>
+                <a:schemeClr val="bg1"/>
+              </a:solidFill>
+              <a:effectLst>
+                <a:innerShdw blurRad="69850" dist="43180" dir="5400000">
+                  <a:srgbClr val="000000">
+                    <a:alpha val="65000"/>
+                  </a:srgbClr>
+                </a:innerShdw>
+              </a:effectLst>
+            </a:endParaRPr>
+          </a:p>
+          <a:p>
+            <a:pPr>
+              <a:lnSpc>
+                <a:spcPct val="150000"/>
+              </a:lnSpc>
+              <a:buFont typeface="Wingdings" pitchFamily="2" charset="2"/>
+              <a:buChar char="l"/>
+            </a:pPr>
+            <a:r>
+              <a:rPr lang="zh-CN" altLang="en-US" sz="3200" b="1" dirty="0" smtClean="0">
+                <a:ln w="1905"/>
+                <a:solidFill>
+                  <a:schemeClr val="bg1"/>
+                </a:solidFill>
+                <a:effectLst>
+                  <a:innerShdw blurRad="69850" dist="43180" dir="5400000">
+                    <a:srgbClr val="000000">
+                      <a:alpha val="65000"/>
+                    </a:srgbClr>
+                  </a:innerShdw>
+                </a:effectLst>
+              </a:rPr>
+              <a:t> </a:t>
+            </a:r>
+            <a:r>
+              <a:rPr lang="zh-CN" altLang="en-US" sz="3200" b="1" dirty="0" smtClean="0">
+                <a:ln w="1905"/>
+                <a:solidFill>
+                  <a:schemeClr val="bg1"/>
+                </a:solidFill>
+                <a:effectLst>
+                  <a:innerShdw blurRad="69850" dist="43180" dir="5400000">
+                    <a:srgbClr val="000000">
+                      <a:alpha val="65000"/>
+                    </a:srgbClr>
+                  </a:innerShdw>
+                </a:effectLst>
+                <a:hlinkClick r:id="rId2"/>
+              </a:rPr>
+              <a:t>系统展示</a:t>
+            </a:r>
+            <a:endParaRPr lang="en-US" altLang="zh-CN" sz="3200" b="1" dirty="0" smtClean="0">
+              <a:ln w="1905"/>
+              <a:solidFill>
+                <a:schemeClr val="bg1">
+                  <a:lumMod val="95000"/>
+                  <a:lumOff val="5000"/>
+                </a:schemeClr>
+              </a:solidFill>
+              <a:effectLst>
+                <a:innerShdw blurRad="69850" dist="43180" dir="5400000">
+                  <a:srgbClr val="000000">
+                    <a:alpha val="65000"/>
+                  </a:srgbClr>
+                </a:innerShdw>
+              </a:effectLst>
+            </a:endParaRPr>
+          </a:p>
+          <a:p>
+            <a:pPr>
+              <a:lnSpc>
+                <a:spcPct val="150000"/>
+              </a:lnSpc>
+              <a:buFont typeface="Wingdings" pitchFamily="2" charset="2"/>
+              <a:buChar char="l"/>
+            </a:pPr>
+            <a:r>
+              <a:rPr lang="en-US" altLang="zh-CN" sz="3200" b="1" dirty="0" smtClean="0">
+                <a:ln w="1905"/>
+                <a:solidFill>
+                  <a:schemeClr val="bg1"/>
+                </a:solidFill>
+                <a:effectLst>
+                  <a:innerShdw blurRad="69850" dist="43180" dir="5400000">
+                    <a:srgbClr val="000000">
+                      <a:alpha val="65000"/>
+                    </a:srgbClr>
+                  </a:innerShdw>
+                </a:effectLst>
+              </a:rPr>
+              <a:t> </a:t>
+            </a:r>
+            <a:r>
+              <a:rPr lang="zh-CN" altLang="en-US" sz="3200" b="1" dirty="0" smtClean="0">
+                <a:ln w="1905"/>
+                <a:solidFill>
+                  <a:schemeClr val="bg1"/>
+                </a:solidFill>
+                <a:effectLst>
+                  <a:innerShdw blurRad="69850" dist="43180" dir="5400000">
+                    <a:srgbClr val="000000">
+                      <a:alpha val="65000"/>
+                    </a:srgbClr>
+                  </a:innerShdw>
+                </a:effectLst>
+                <a:hlinkClick r:id="rId3" action="ppaction://hlinkfile" tooltip="打开项目计划"/>
+              </a:rPr>
+              <a:t>制定工作计划和安排</a:t>
+            </a:r>
+            <a:r>
+              <a:rPr lang="zh-CN" altLang="en-US" sz="3200" b="1" dirty="0" smtClean="0">
+                <a:ln w="1905"/>
+                <a:solidFill>
+                  <a:schemeClr val="bg1"/>
+                </a:solidFill>
+                <a:effectLst>
+                  <a:innerShdw blurRad="69850" dist="43180" dir="5400000">
+                    <a:srgbClr val="000000">
+                      <a:alpha val="65000"/>
+                    </a:srgbClr>
+                  </a:innerShdw>
+                </a:effectLst>
+              </a:rPr>
+              <a:t>    </a:t>
+            </a:r>
+            <a:r>
+              <a:rPr lang="zh-CN" altLang="en-US" sz="3200" b="1" dirty="0" smtClean="0">
+                <a:ln w="1905"/>
+                <a:solidFill>
+                  <a:schemeClr val="bg1"/>
+                </a:solidFill>
+                <a:effectLst>
+                  <a:innerShdw blurRad="69850" dist="43180" dir="5400000">
+                    <a:srgbClr val="000000">
+                      <a:alpha val="65000"/>
+                    </a:srgbClr>
+                  </a:innerShdw>
+                </a:effectLst>
+                <a:hlinkClick r:id="rId4" action="ppaction://hlinkfile" tooltip="打开甘特图"/>
+              </a:rPr>
+              <a:t>展示甘特图</a:t>
+            </a:r>
+            <a:endParaRPr lang="en-US" altLang="zh-CN" sz="3200" b="1" dirty="0" smtClean="0">
+              <a:ln w="1905"/>
+              <a:solidFill>
+                <a:schemeClr val="bg1"/>
+              </a:solidFill>
+              <a:effectLst>
+                <a:innerShdw blurRad="69850" dist="43180" dir="5400000">
+                  <a:srgbClr val="000000">
+                    <a:alpha val="65000"/>
+                  </a:srgbClr>
+                </a:innerShdw>
+              </a:effectLst>
+            </a:endParaRPr>
+          </a:p>
+          <a:p>
+            <a:pPr>
+              <a:lnSpc>
+                <a:spcPct val="150000"/>
+              </a:lnSpc>
+              <a:buFont typeface="Wingdings" pitchFamily="2" charset="2"/>
+              <a:buChar char="l"/>
+            </a:pPr>
+            <a:r>
+              <a:rPr lang="en-US" altLang="zh-CN" sz="3200" b="1" dirty="0" smtClean="0">
+                <a:ln w="1905"/>
+                <a:solidFill>
+                  <a:schemeClr val="bg1"/>
+                </a:solidFill>
+                <a:effectLst>
+                  <a:innerShdw blurRad="69850" dist="43180" dir="5400000">
+                    <a:srgbClr val="000000">
+                      <a:alpha val="65000"/>
+                    </a:srgbClr>
+                  </a:innerShdw>
+                </a:effectLst>
+              </a:rPr>
+              <a:t> </a:t>
+            </a:r>
+            <a:r>
+              <a:rPr lang="zh-CN" altLang="en-US" sz="3200" b="1" dirty="0" smtClean="0">
+                <a:ln w="1905"/>
+                <a:solidFill>
+                  <a:schemeClr val="bg1"/>
+                </a:solidFill>
+                <a:effectLst>
+                  <a:innerShdw blurRad="69850" dist="43180" dir="5400000">
+                    <a:srgbClr val="000000">
+                      <a:alpha val="65000"/>
+                    </a:srgbClr>
+                  </a:innerShdw>
+                </a:effectLst>
+                <a:hlinkClick r:id="rId5" action="ppaction://hlinkfile" tooltip="打开工程时间进度"/>
+              </a:rPr>
+              <a:t>不断调整并记录时间安排</a:t>
+            </a:r>
+            <a:r>
+              <a:rPr lang="zh-CN" altLang="en-US" sz="3200" b="1" dirty="0" smtClean="0">
+                <a:ln w="1905"/>
+                <a:solidFill>
+                  <a:schemeClr val="bg1"/>
+                </a:solidFill>
+                <a:effectLst>
+                  <a:innerShdw blurRad="69850" dist="43180" dir="5400000">
+                    <a:srgbClr val="000000">
+                      <a:alpha val="65000"/>
+                    </a:srgbClr>
+                  </a:innerShdw>
+                </a:effectLst>
+              </a:rPr>
+              <a:t>     </a:t>
+            </a:r>
+            <a:r>
+              <a:rPr lang="zh-CN" altLang="en-US" sz="3200" b="1" dirty="0" smtClean="0">
+                <a:ln w="1905"/>
+                <a:solidFill>
+                  <a:schemeClr val="bg1"/>
+                </a:solidFill>
+                <a:effectLst>
+                  <a:innerShdw blurRad="69850" dist="43180" dir="5400000">
+                    <a:srgbClr val="000000">
+                      <a:alpha val="65000"/>
+                    </a:srgbClr>
+                  </a:innerShdw>
+                </a:effectLst>
+                <a:hlinkClick r:id="rId6" action="ppaction://hlinkfile" tooltip="打开甘特图"/>
+              </a:rPr>
+              <a:t>展示甘特图</a:t>
+            </a:r>
+            <a:endParaRPr lang="en-US" altLang="zh-CN" sz="3200" b="1" dirty="0" smtClean="0">
+              <a:ln w="1905"/>
+              <a:solidFill>
+                <a:schemeClr val="bg1"/>
+              </a:solidFill>
+              <a:effectLst>
+                <a:innerShdw blurRad="69850" dist="43180" dir="5400000">
+                  <a:srgbClr val="000000">
+                    <a:alpha val="65000"/>
+                  </a:srgbClr>
+                </a:innerShdw>
+              </a:effectLst>
+            </a:endParaRPr>
+          </a:p>
+          <a:p>
+            <a:endParaRPr lang="en-US" altLang="zh-CN" sz="3200" b="1" dirty="0" smtClean="0">
+              <a:ln w="1905"/>
+              <a:solidFill>
+                <a:srgbClr val="C7EB13"/>
+              </a:solidFill>
+              <a:effectLst>
+                <a:innerShdw blurRad="69850" dist="43180" dir="5400000">
+                  <a:srgbClr val="000000">
+                    <a:alpha val="65000"/>
+                  </a:srgbClr>
+                </a:innerShdw>
+              </a:effectLst>
+            </a:endParaRPr>
+          </a:p>
+        </p:txBody>
+      </p:sp>
+    </p:spTree>
+  </p:cSld>
+  <p:clrMapOvr>
+    <a:masterClrMapping/>
+  </p:clrMapOvr>
+  <p:timing>
+    <p:tnLst>
+      <p:par>
+        <p:cTn id="1" dur="indefinite" restart="never" nodeType="tmRoot"/>
+      </p:par>
+    </p:tnLst>
+  </p:timing>
+</p:sld>
+</file>
+
+<file path=ppt/slides/slide13.xml><?xml version="1.0" encoding="utf-8"?>
+<p:sld xmlns:a="http://schemas.openxmlformats.org/drawingml/2006/main" xmlns:r="http://schemas.openxmlformats.org/officeDocument/2006/relationships" xmlns:p="http://schemas.openxmlformats.org/presentationml/2006/main">
+  <p:cSld>
+    <p:spTree>
+      <p:nvGrpSpPr>
+        <p:cNvPr id="1" name=""/>
+        <p:cNvGrpSpPr/>
+        <p:nvPr/>
+      </p:nvGrpSpPr>
+      <p:grpSpPr>
+        <a:xfrm>
+          <a:off x="0" y="0"/>
+          <a:ext cx="0" cy="0"/>
+          <a:chOff x="0" y="0"/>
+          <a:chExt cx="0" cy="0"/>
+        </a:xfrm>
+      </p:grpSpPr>
+      <p:sp>
+        <p:nvSpPr>
+          <p:cNvPr id="2" name="标题 1"/>
+          <p:cNvSpPr>
+            <a:spLocks noGrp="1"/>
+          </p:cNvSpPr>
+          <p:nvPr>
+            <p:ph type="ctrTitle"/>
+          </p:nvPr>
+        </p:nvSpPr>
+        <p:spPr>
+          <a:xfrm>
+            <a:off x="500034" y="1000108"/>
+            <a:ext cx="7851648" cy="985846"/>
+          </a:xfrm>
+        </p:spPr>
+        <p:txBody>
+          <a:bodyPr/>
+          <a:lstStyle/>
+          <a:p>
+            <a:pPr algn="l"/>
+            <a:r>
+              <a:rPr lang="zh-CN" altLang="en-US" dirty="0" smtClean="0">
+                <a:solidFill>
+                  <a:srgbClr val="FFC000"/>
+                </a:solidFill>
+              </a:rPr>
+              <a:t>在技术方面不断学习</a:t>
+            </a:r>
+            <a:endParaRPr lang="zh-CN" altLang="en-US" dirty="0">
+              <a:solidFill>
+                <a:srgbClr val="FFC000"/>
+              </a:solidFill>
+            </a:endParaRPr>
+          </a:p>
+        </p:txBody>
+      </p:sp>
+      <p:sp>
+        <p:nvSpPr>
+          <p:cNvPr id="4" name="矩形 3"/>
+          <p:cNvSpPr/>
+          <p:nvPr/>
+        </p:nvSpPr>
+        <p:spPr>
+          <a:xfrm>
+            <a:off x="642910" y="2428868"/>
+            <a:ext cx="8455263" cy="4278094"/>
+          </a:xfrm>
+          <a:prstGeom prst="rect">
+            <a:avLst/>
+          </a:prstGeom>
+          <a:noFill/>
+        </p:spPr>
+        <p:txBody>
+          <a:bodyPr wrap="none" lIns="91440" tIns="45720" rIns="91440" bIns="45720">
+            <a:spAutoFit/>
+          </a:bodyPr>
+          <a:lstStyle/>
+          <a:p>
+            <a:pPr algn="ctr">
+              <a:lnSpc>
+                <a:spcPct val="150000"/>
+              </a:lnSpc>
+            </a:pPr>
+            <a:r>
+              <a:rPr lang="en-US" altLang="zh-CN" sz="3200" b="1" dirty="0" smtClean="0">
+                <a:ln w="1905"/>
+                <a:solidFill>
+                  <a:schemeClr val="bg1"/>
+                </a:solidFill>
+                <a:effectLst>
+                  <a:innerShdw blurRad="69850" dist="43180" dir="5400000">
+                    <a:srgbClr val="000000">
+                      <a:alpha val="65000"/>
+                    </a:srgbClr>
+                  </a:innerShdw>
+                </a:effectLst>
+              </a:rPr>
+              <a:t>.NET </a:t>
+            </a:r>
+            <a:r>
+              <a:rPr lang="zh-CN" altLang="en-US" sz="3200" b="1" dirty="0" smtClean="0">
+                <a:ln w="1905"/>
+                <a:solidFill>
+                  <a:schemeClr val="bg1"/>
+                </a:solidFill>
+                <a:effectLst>
+                  <a:innerShdw blurRad="69850" dist="43180" dir="5400000">
+                    <a:srgbClr val="000000">
+                      <a:alpha val="65000"/>
+                    </a:srgbClr>
+                  </a:innerShdw>
+                </a:effectLst>
+              </a:rPr>
+              <a:t>是一种较成熟的技术，我们需要学习的</a:t>
+            </a:r>
+            <a:endParaRPr lang="en-US" altLang="zh-CN" sz="3200" b="1" dirty="0" smtClean="0">
+              <a:ln w="1905"/>
+              <a:solidFill>
+                <a:schemeClr val="bg1"/>
+              </a:solidFill>
+              <a:effectLst>
+                <a:innerShdw blurRad="69850" dist="43180" dir="5400000">
+                  <a:srgbClr val="000000">
+                    <a:alpha val="65000"/>
+                  </a:srgbClr>
+                </a:innerShdw>
+              </a:effectLst>
+            </a:endParaRPr>
+          </a:p>
+          <a:p>
+            <a:pPr>
+              <a:lnSpc>
+                <a:spcPct val="150000"/>
+              </a:lnSpc>
+            </a:pPr>
+            <a:r>
+              <a:rPr lang="zh-CN" altLang="en-US" sz="3200" b="1" dirty="0" smtClean="0">
+                <a:ln w="1905"/>
+                <a:solidFill>
+                  <a:schemeClr val="bg1"/>
+                </a:solidFill>
+                <a:effectLst>
+                  <a:innerShdw blurRad="69850" dist="43180" dir="5400000">
+                    <a:srgbClr val="000000">
+                      <a:alpha val="65000"/>
+                    </a:srgbClr>
+                  </a:innerShdw>
+                </a:effectLst>
+              </a:rPr>
+              <a:t>东西相对多一点，尝试采用较高层次技术：</a:t>
+            </a:r>
+            <a:endParaRPr lang="en-US" altLang="zh-CN" sz="3200" b="1" dirty="0" smtClean="0">
+              <a:ln w="1905"/>
+              <a:solidFill>
+                <a:schemeClr val="bg1"/>
+              </a:solidFill>
+              <a:effectLst>
+                <a:innerShdw blurRad="69850" dist="43180" dir="5400000">
+                  <a:srgbClr val="000000">
+                    <a:alpha val="65000"/>
+                  </a:srgbClr>
+                </a:innerShdw>
+              </a:effectLst>
+            </a:endParaRPr>
+          </a:p>
+          <a:p>
+            <a:pPr>
+              <a:lnSpc>
+                <a:spcPct val="150000"/>
+              </a:lnSpc>
+              <a:buFont typeface="Wingdings" pitchFamily="2" charset="2"/>
+              <a:buChar char="l"/>
+            </a:pPr>
+            <a:r>
+              <a:rPr lang="zh-CN" altLang="en-US" sz="3200" b="1" dirty="0" smtClean="0">
+                <a:ln w="1905"/>
+                <a:solidFill>
+                  <a:schemeClr val="bg1"/>
+                </a:solidFill>
+                <a:effectLst>
+                  <a:innerShdw blurRad="69850" dist="43180" dir="5400000">
+                    <a:srgbClr val="000000">
+                      <a:alpha val="65000"/>
+                    </a:srgbClr>
+                  </a:innerShdw>
+                </a:effectLst>
+              </a:rPr>
+              <a:t> </a:t>
+            </a:r>
+            <a:r>
+              <a:rPr lang="zh-CN" altLang="en-US" sz="3200" b="1" dirty="0" smtClean="0">
+                <a:ln w="1905"/>
+                <a:solidFill>
+                  <a:schemeClr val="bg1"/>
+                </a:solidFill>
+                <a:effectLst>
+                  <a:innerShdw blurRad="69850" dist="43180" dir="5400000">
+                    <a:srgbClr val="000000">
+                      <a:alpha val="65000"/>
+                    </a:srgbClr>
+                  </a:innerShdw>
+                </a:effectLst>
+                <a:hlinkClick r:id="rId2" action="ppaction://hlinkfile" tooltip="展示程序目录结构"/>
+              </a:rPr>
+              <a:t>设计一种比较好的架构</a:t>
+            </a:r>
+            <a:endParaRPr lang="en-US" altLang="zh-CN" sz="3200" b="1" dirty="0" smtClean="0">
+              <a:ln w="1905"/>
+              <a:solidFill>
+                <a:schemeClr val="bg1">
+                  <a:lumMod val="95000"/>
+                  <a:lumOff val="5000"/>
+                </a:schemeClr>
+              </a:solidFill>
+              <a:effectLst>
+                <a:innerShdw blurRad="69850" dist="43180" dir="5400000">
+                  <a:srgbClr val="000000">
+                    <a:alpha val="65000"/>
+                  </a:srgbClr>
+                </a:innerShdw>
+              </a:effectLst>
+            </a:endParaRPr>
+          </a:p>
+          <a:p>
+            <a:pPr>
+              <a:lnSpc>
+                <a:spcPct val="150000"/>
+              </a:lnSpc>
+              <a:buFont typeface="Wingdings" pitchFamily="2" charset="2"/>
+              <a:buChar char="l"/>
+            </a:pPr>
+            <a:r>
+              <a:rPr lang="zh-CN" altLang="en-US" sz="3200" b="1" dirty="0" smtClean="0">
+                <a:ln w="1905"/>
+                <a:solidFill>
+                  <a:schemeClr val="bg1"/>
+                </a:solidFill>
+                <a:effectLst>
+                  <a:innerShdw blurRad="69850" dist="43180" dir="5400000">
+                    <a:srgbClr val="000000">
+                      <a:alpha val="65000"/>
+                    </a:srgbClr>
+                  </a:innerShdw>
+                </a:effectLst>
+              </a:rPr>
+              <a:t> 使用</a:t>
+            </a:r>
+            <a:r>
+              <a:rPr lang="en-US" altLang="zh-CN" sz="3200" b="1" dirty="0" err="1" smtClean="0">
+                <a:ln w="1905"/>
+                <a:solidFill>
+                  <a:schemeClr val="bg1"/>
+                </a:solidFill>
+                <a:effectLst>
+                  <a:innerShdw blurRad="69850" dist="43180" dir="5400000">
+                    <a:srgbClr val="000000">
+                      <a:alpha val="65000"/>
+                    </a:srgbClr>
+                  </a:innerShdw>
+                </a:effectLst>
+              </a:rPr>
+              <a:t>MemberShip</a:t>
+            </a:r>
+            <a:r>
+              <a:rPr lang="zh-CN" altLang="en-US" sz="3200" b="1" dirty="0" smtClean="0">
+                <a:ln w="1905"/>
+                <a:solidFill>
+                  <a:schemeClr val="bg1"/>
+                </a:solidFill>
+                <a:effectLst>
+                  <a:innerShdw blurRad="69850" dist="43180" dir="5400000">
+                    <a:srgbClr val="000000">
+                      <a:alpha val="65000"/>
+                    </a:srgbClr>
+                  </a:innerShdw>
+                </a:effectLst>
+              </a:rPr>
+              <a:t>权限管理</a:t>
+            </a:r>
+            <a:endParaRPr lang="en-US" altLang="zh-CN" sz="3200" b="1" dirty="0" smtClean="0">
+              <a:ln w="1905"/>
+              <a:solidFill>
+                <a:schemeClr val="bg1"/>
+              </a:solidFill>
+              <a:effectLst>
+                <a:innerShdw blurRad="69850" dist="43180" dir="5400000">
+                  <a:srgbClr val="000000">
+                    <a:alpha val="65000"/>
+                  </a:srgbClr>
+                </a:innerShdw>
+              </a:effectLst>
+            </a:endParaRPr>
+          </a:p>
+          <a:p>
+            <a:pPr>
+              <a:lnSpc>
+                <a:spcPct val="150000"/>
+              </a:lnSpc>
+              <a:buFont typeface="Wingdings" pitchFamily="2" charset="2"/>
+              <a:buChar char="l"/>
+            </a:pPr>
+            <a:r>
+              <a:rPr lang="en-US" altLang="zh-CN" sz="3200" b="1" dirty="0" smtClean="0">
+                <a:ln w="1905"/>
+                <a:solidFill>
+                  <a:schemeClr val="bg1"/>
+                </a:solidFill>
+                <a:effectLst>
+                  <a:innerShdw blurRad="69850" dist="43180" dir="5400000">
+                    <a:srgbClr val="000000">
+                      <a:alpha val="65000"/>
+                    </a:srgbClr>
+                  </a:innerShdw>
+                </a:effectLst>
+              </a:rPr>
+              <a:t> </a:t>
+            </a:r>
+            <a:r>
+              <a:rPr lang="zh-CN" altLang="en-US" sz="3200" b="1" dirty="0" smtClean="0">
+                <a:ln w="1905"/>
+                <a:solidFill>
+                  <a:schemeClr val="bg1"/>
+                </a:solidFill>
+                <a:effectLst>
+                  <a:innerShdw blurRad="69850" dist="43180" dir="5400000">
+                    <a:srgbClr val="000000">
+                      <a:alpha val="65000"/>
+                    </a:srgbClr>
+                  </a:innerShdw>
+                </a:effectLst>
+              </a:rPr>
+              <a:t>采用映射机制进行数据显示</a:t>
+            </a:r>
+            <a:endParaRPr lang="en-US" altLang="zh-CN" sz="3200" b="1" dirty="0" smtClean="0">
+              <a:ln w="1905"/>
+              <a:solidFill>
+                <a:schemeClr val="bg1"/>
+              </a:solidFill>
+              <a:effectLst>
+                <a:innerShdw blurRad="69850" dist="43180" dir="5400000">
+                  <a:srgbClr val="000000">
+                    <a:alpha val="65000"/>
+                  </a:srgbClr>
+                </a:innerShdw>
+              </a:effectLst>
+            </a:endParaRPr>
+          </a:p>
+          <a:p>
+            <a:endParaRPr lang="en-US" altLang="zh-CN" sz="3200" b="1" dirty="0" smtClean="0">
+              <a:ln w="1905"/>
+              <a:solidFill>
+                <a:srgbClr val="C7EB13"/>
+              </a:solidFill>
+              <a:effectLst>
+                <a:innerShdw blurRad="69850" dist="43180" dir="5400000">
+                  <a:srgbClr val="000000">
+                    <a:alpha val="65000"/>
+                  </a:srgbClr>
+                </a:innerShdw>
+              </a:effectLst>
+            </a:endParaRPr>
+          </a:p>
+        </p:txBody>
+      </p:sp>
+    </p:spTree>
+  </p:cSld>
+  <p:clrMapOvr>
+    <a:masterClrMapping/>
+  </p:clrMapOvr>
+  <p:timing>
+    <p:tnLst>
+      <p:par>
+        <p:cTn id="1" dur="indefinite" restart="never" nodeType="tmRoot"/>
+      </p:par>
+    </p:tnLst>
+  </p:timing>
+</p:sld>
+</file>
+
+<file path=ppt/slides/slide14.xml><?xml version="1.0" encoding="utf-8"?>
+<p:sld xmlns:a="http://schemas.openxmlformats.org/drawingml/2006/main" xmlns:r="http://schemas.openxmlformats.org/officeDocument/2006/relationships" xmlns:p="http://schemas.openxmlformats.org/presentationml/2006/main">
+  <p:cSld>
+    <p:spTree>
+      <p:nvGrpSpPr>
+        <p:cNvPr id="1" name=""/>
+        <p:cNvGrpSpPr/>
+        <p:nvPr/>
+      </p:nvGrpSpPr>
+      <p:grpSpPr>
+        <a:xfrm>
+          <a:off x="0" y="0"/>
+          <a:ext cx="0" cy="0"/>
+          <a:chOff x="0" y="0"/>
+          <a:chExt cx="0" cy="0"/>
+        </a:xfrm>
+      </p:grpSpPr>
+      <p:sp>
+        <p:nvSpPr>
+          <p:cNvPr id="2" name="标题 1"/>
+          <p:cNvSpPr>
+            <a:spLocks noGrp="1"/>
+          </p:cNvSpPr>
+          <p:nvPr>
+            <p:ph type="ctrTitle"/>
+          </p:nvPr>
+        </p:nvSpPr>
+        <p:spPr>
+          <a:xfrm>
             <a:off x="500034" y="1071546"/>
             <a:ext cx="7851648" cy="914408"/>
           </a:xfrm>
@@ -6989,7 +8447,7 @@
 </p:sld>
 </file>
 
-<file path=ppt/slides/slide11.xml><?xml version="1.0" encoding="utf-8"?>
+<file path=ppt/slides/slide15.xml><?xml version="1.0" encoding="utf-8"?>
 <p:sld xmlns:a="http://schemas.openxmlformats.org/drawingml/2006/main" xmlns:r="http://schemas.openxmlformats.org/officeDocument/2006/relationships" xmlns:p="http://schemas.openxmlformats.org/presentationml/2006/main">
   <p:cSld>
     <p:spTree>
@@ -7097,7 +8555,7 @@
 </p:sld>
 </file>
 
-<file path=ppt/slides/slide12.xml><?xml version="1.0" encoding="utf-8"?>
+<file path=ppt/slides/slide16.xml><?xml version="1.0" encoding="utf-8"?>
 <p:sld xmlns:a="http://schemas.openxmlformats.org/drawingml/2006/main" xmlns:r="http://schemas.openxmlformats.org/officeDocument/2006/relationships" xmlns:p="http://schemas.openxmlformats.org/presentationml/2006/main">
   <p:cSld>
     <p:spTree>
@@ -7201,7 +8659,7 @@
 </p:sld>
 </file>
 
-<file path=ppt/slides/slide13.xml><?xml version="1.0" encoding="utf-8"?>
+<file path=ppt/slides/slide17.xml><?xml version="1.0" encoding="utf-8"?>
 <p:sld xmlns:a="http://schemas.openxmlformats.org/drawingml/2006/main" xmlns:r="http://schemas.openxmlformats.org/officeDocument/2006/relationships" xmlns:p="http://schemas.openxmlformats.org/presentationml/2006/main">
   <p:cSld>
     <p:spTree>
@@ -7309,7 +8767,7 @@
 </p:sld>
 </file>
 
-<file path=ppt/slides/slide14.xml><?xml version="1.0" encoding="utf-8"?>
+<file path=ppt/slides/slide18.xml><?xml version="1.0" encoding="utf-8"?>
 <p:sld xmlns:a="http://schemas.openxmlformats.org/drawingml/2006/main" xmlns:r="http://schemas.openxmlformats.org/officeDocument/2006/relationships" xmlns:p="http://schemas.openxmlformats.org/presentationml/2006/main">
   <p:cSld>
     <p:spTree>
@@ -7501,23 +8959,7 @@
                   </a:innerShdw>
                 </a:effectLst>
               </a:rPr>
-              <a:t>记录项目开发过程中问题，为以后</a:t>
-            </a:r>
-            <a:r>
-              <a:rPr lang="zh-CN" altLang="en-US" sz="3200" b="1" dirty="0" smtClean="0">
-                <a:ln w="1905"/>
-                <a:solidFill>
-                  <a:schemeClr val="bg1"/>
-                </a:solidFill>
-                <a:effectLst>
-                  <a:innerShdw blurRad="69850" dist="43180" dir="5400000">
-                    <a:srgbClr val="000000">
-                      <a:alpha val="65000"/>
-                    </a:srgbClr>
-                  </a:innerShdw>
-                </a:effectLst>
-              </a:rPr>
-              <a:t>参考</a:t>
+              <a:t>记录项目开发过程中问题，为以后参考</a:t>
             </a:r>
             <a:endParaRPr lang="en-US" altLang="zh-CN" sz="3200" b="1" dirty="0" smtClean="0">
               <a:ln w="1905"/>
@@ -7660,7 +9102,7 @@
 </p:sld>
 </file>
 
-<file path=ppt/slides/slide15.xml><?xml version="1.0" encoding="utf-8"?>
+<file path=ppt/slides/slide19.xml><?xml version="1.0" encoding="utf-8"?>
 <p:sld xmlns:a="http://schemas.openxmlformats.org/drawingml/2006/main" xmlns:r="http://schemas.openxmlformats.org/officeDocument/2006/relationships" xmlns:p="http://schemas.openxmlformats.org/presentationml/2006/main">
   <p:cSld>
     <p:spTree>
@@ -7866,548 +9308,6 @@
                   </a:srgbClr>
                 </a:innerShdw>
               </a:effectLst>
-            </a:endParaRPr>
-          </a:p>
-        </p:txBody>
-      </p:sp>
-    </p:spTree>
-  </p:cSld>
-  <p:clrMapOvr>
-    <a:masterClrMapping/>
-  </p:clrMapOvr>
-  <p:timing>
-    <p:tnLst>
-      <p:par>
-        <p:cTn id="1" dur="indefinite" restart="never" nodeType="tmRoot"/>
-      </p:par>
-    </p:tnLst>
-  </p:timing>
-</p:sld>
-</file>
-
-<file path=ppt/slides/slide16.xml><?xml version="1.0" encoding="utf-8"?>
-<p:sld xmlns:a="http://schemas.openxmlformats.org/drawingml/2006/main" xmlns:r="http://schemas.openxmlformats.org/officeDocument/2006/relationships" xmlns:p="http://schemas.openxmlformats.org/presentationml/2006/main">
-  <p:cSld>
-    <p:spTree>
-      <p:nvGrpSpPr>
-        <p:cNvPr id="1" name=""/>
-        <p:cNvGrpSpPr/>
-        <p:nvPr/>
-      </p:nvGrpSpPr>
-      <p:grpSpPr>
-        <a:xfrm>
-          <a:off x="0" y="0"/>
-          <a:ext cx="0" cy="0"/>
-          <a:chOff x="0" y="0"/>
-          <a:chExt cx="0" cy="0"/>
-        </a:xfrm>
-      </p:grpSpPr>
-      <p:sp>
-        <p:nvSpPr>
-          <p:cNvPr id="2" name="标题 1"/>
-          <p:cNvSpPr>
-            <a:spLocks noGrp="1"/>
-          </p:cNvSpPr>
-          <p:nvPr>
-            <p:ph type="ctrTitle"/>
-          </p:nvPr>
-        </p:nvSpPr>
-        <p:spPr>
-          <a:xfrm>
-            <a:off x="2857488" y="785794"/>
-            <a:ext cx="3681410" cy="1057284"/>
-          </a:xfrm>
-        </p:spPr>
-        <p:txBody>
-          <a:bodyPr/>
-          <a:lstStyle/>
-          <a:p>
-            <a:pPr algn="l"/>
-            <a:r>
-              <a:rPr lang="zh-CN" altLang="en-US" dirty="0" smtClean="0">
-                <a:solidFill>
-                  <a:srgbClr val="FFC000"/>
-                </a:solidFill>
-              </a:rPr>
-              <a:t>项目监控</a:t>
-            </a:r>
-            <a:endParaRPr lang="zh-CN" altLang="en-US" dirty="0">
-              <a:solidFill>
-                <a:srgbClr val="FFC000"/>
-              </a:solidFill>
-            </a:endParaRPr>
-          </a:p>
-        </p:txBody>
-      </p:sp>
-      <p:sp>
-        <p:nvSpPr>
-          <p:cNvPr id="4" name="矩形 3"/>
-          <p:cNvSpPr/>
-          <p:nvPr/>
-        </p:nvSpPr>
-        <p:spPr>
-          <a:xfrm>
-            <a:off x="642910" y="2428868"/>
-            <a:ext cx="7180171" cy="2308324"/>
-          </a:xfrm>
-          <a:prstGeom prst="rect">
-            <a:avLst/>
-          </a:prstGeom>
-          <a:noFill/>
-        </p:spPr>
-        <p:txBody>
-          <a:bodyPr wrap="none" lIns="91440" tIns="45720" rIns="91440" bIns="45720">
-            <a:spAutoFit/>
-          </a:bodyPr>
-          <a:lstStyle/>
-          <a:p>
-            <a:pPr>
-              <a:lnSpc>
-                <a:spcPct val="150000"/>
-              </a:lnSpc>
-              <a:buFont typeface="Wingdings" pitchFamily="2" charset="2"/>
-              <a:buChar char="l"/>
-            </a:pPr>
-            <a:r>
-              <a:rPr lang="zh-CN" altLang="en-US" sz="3200" b="1" dirty="0" smtClean="0">
-                <a:ln w="1905"/>
-                <a:solidFill>
-                  <a:schemeClr val="bg1"/>
-                </a:solidFill>
-                <a:effectLst>
-                  <a:innerShdw blurRad="69850" dist="43180" dir="5400000">
-                    <a:srgbClr val="000000">
-                      <a:alpha val="65000"/>
-                    </a:srgbClr>
-                  </a:innerShdw>
-                </a:effectLst>
-              </a:rPr>
-              <a:t> 每个阶段相应角色主要负责</a:t>
-            </a:r>
-            <a:endParaRPr lang="en-US" altLang="zh-CN" sz="3200" b="1" dirty="0" smtClean="0">
-              <a:ln w="1905"/>
-              <a:solidFill>
-                <a:schemeClr val="bg1">
-                  <a:lumMod val="95000"/>
-                  <a:lumOff val="5000"/>
-                </a:schemeClr>
-              </a:solidFill>
-              <a:effectLst>
-                <a:innerShdw blurRad="69850" dist="43180" dir="5400000">
-                  <a:srgbClr val="000000">
-                    <a:alpha val="65000"/>
-                  </a:srgbClr>
-                </a:innerShdw>
-              </a:effectLst>
-            </a:endParaRPr>
-          </a:p>
-          <a:p>
-            <a:pPr>
-              <a:lnSpc>
-                <a:spcPct val="150000"/>
-              </a:lnSpc>
-              <a:buFont typeface="Wingdings" pitchFamily="2" charset="2"/>
-              <a:buChar char="l"/>
-            </a:pPr>
-            <a:r>
-              <a:rPr lang="zh-CN" altLang="en-US" sz="3200" b="1" dirty="0" smtClean="0">
-                <a:ln w="1905"/>
-                <a:solidFill>
-                  <a:schemeClr val="bg1"/>
-                </a:solidFill>
-                <a:effectLst>
-                  <a:innerShdw blurRad="69850" dist="43180" dir="5400000">
-                    <a:srgbClr val="000000">
-                      <a:alpha val="65000"/>
-                    </a:srgbClr>
-                  </a:innerShdw>
-                </a:effectLst>
-              </a:rPr>
-              <a:t> 每周至少一次会议，总结并做小计划</a:t>
-            </a:r>
-            <a:endParaRPr lang="en-US" altLang="zh-CN" sz="3200" b="1" dirty="0" smtClean="0">
-              <a:ln w="1905"/>
-              <a:solidFill>
-                <a:schemeClr val="bg1"/>
-              </a:solidFill>
-              <a:effectLst>
-                <a:innerShdw blurRad="69850" dist="43180" dir="5400000">
-                  <a:srgbClr val="000000">
-                    <a:alpha val="65000"/>
-                  </a:srgbClr>
-                </a:innerShdw>
-              </a:effectLst>
-            </a:endParaRPr>
-          </a:p>
-          <a:p>
-            <a:pPr>
-              <a:lnSpc>
-                <a:spcPct val="150000"/>
-              </a:lnSpc>
-              <a:buFont typeface="Wingdings" pitchFamily="2" charset="2"/>
-              <a:buChar char="l"/>
-            </a:pPr>
-            <a:r>
-              <a:rPr lang="en-US" altLang="zh-CN" sz="3200" b="1" dirty="0" smtClean="0">
-                <a:ln w="1905"/>
-                <a:solidFill>
-                  <a:schemeClr val="bg1"/>
-                </a:solidFill>
-                <a:effectLst>
-                  <a:innerShdw blurRad="69850" dist="43180" dir="5400000">
-                    <a:srgbClr val="000000">
-                      <a:alpha val="65000"/>
-                    </a:srgbClr>
-                  </a:innerShdw>
-                </a:effectLst>
-              </a:rPr>
-              <a:t> </a:t>
-            </a:r>
-            <a:r>
-              <a:rPr lang="zh-CN" altLang="en-US" sz="3200" b="1" dirty="0" smtClean="0">
-                <a:ln w="1905"/>
-                <a:solidFill>
-                  <a:schemeClr val="bg1"/>
-                </a:solidFill>
-                <a:effectLst>
-                  <a:innerShdw blurRad="69850" dist="43180" dir="5400000">
-                    <a:srgbClr val="000000">
-                      <a:alpha val="65000"/>
-                    </a:srgbClr>
-                  </a:innerShdw>
-                </a:effectLst>
-              </a:rPr>
-              <a:t>及时发现问题并与组员讨论解决方案</a:t>
-            </a:r>
-            <a:endParaRPr lang="en-US" altLang="zh-CN" sz="3200" b="1" dirty="0" smtClean="0">
-              <a:ln w="1905"/>
-              <a:solidFill>
-                <a:schemeClr val="bg1"/>
-              </a:solidFill>
-              <a:effectLst>
-                <a:innerShdw blurRad="69850" dist="43180" dir="5400000">
-                  <a:srgbClr val="000000">
-                    <a:alpha val="65000"/>
-                  </a:srgbClr>
-                </a:innerShdw>
-              </a:effectLst>
-            </a:endParaRPr>
-          </a:p>
-        </p:txBody>
-      </p:sp>
-    </p:spTree>
-  </p:cSld>
-  <p:clrMapOvr>
-    <a:masterClrMapping/>
-  </p:clrMapOvr>
-  <p:timing>
-    <p:tnLst>
-      <p:par>
-        <p:cTn id="1" dur="indefinite" restart="never" nodeType="tmRoot"/>
-      </p:par>
-    </p:tnLst>
-  </p:timing>
-</p:sld>
-</file>
-
-<file path=ppt/slides/slide17.xml><?xml version="1.0" encoding="utf-8"?>
-<p:sld xmlns:a="http://schemas.openxmlformats.org/drawingml/2006/main" xmlns:r="http://schemas.openxmlformats.org/officeDocument/2006/relationships" xmlns:p="http://schemas.openxmlformats.org/presentationml/2006/main">
-  <p:cSld>
-    <p:spTree>
-      <p:nvGrpSpPr>
-        <p:cNvPr id="1" name=""/>
-        <p:cNvGrpSpPr/>
-        <p:nvPr/>
-      </p:nvGrpSpPr>
-      <p:grpSpPr>
-        <a:xfrm>
-          <a:off x="0" y="0"/>
-          <a:ext cx="0" cy="0"/>
-          <a:chOff x="0" y="0"/>
-          <a:chExt cx="0" cy="0"/>
-        </a:xfrm>
-      </p:grpSpPr>
-      <p:sp>
-        <p:nvSpPr>
-          <p:cNvPr id="2" name="标题 1"/>
-          <p:cNvSpPr>
-            <a:spLocks noGrp="1"/>
-          </p:cNvSpPr>
-          <p:nvPr>
-            <p:ph type="ctrTitle"/>
-          </p:nvPr>
-        </p:nvSpPr>
-        <p:spPr>
-          <a:xfrm>
-            <a:off x="2714612" y="714356"/>
-            <a:ext cx="3467096" cy="1057284"/>
-          </a:xfrm>
-        </p:spPr>
-        <p:txBody>
-          <a:bodyPr/>
-          <a:lstStyle/>
-          <a:p>
-            <a:pPr algn="l"/>
-            <a:r>
-              <a:rPr lang="zh-CN" altLang="en-US" dirty="0" smtClean="0">
-                <a:solidFill>
-                  <a:srgbClr val="FFC000"/>
-                </a:solidFill>
-              </a:rPr>
-              <a:t>注重积累</a:t>
-            </a:r>
-            <a:endParaRPr lang="zh-CN" altLang="en-US" dirty="0">
-              <a:solidFill>
-                <a:srgbClr val="FFC000"/>
-              </a:solidFill>
-            </a:endParaRPr>
-          </a:p>
-        </p:txBody>
-      </p:sp>
-      <p:sp>
-        <p:nvSpPr>
-          <p:cNvPr id="4" name="矩形 3"/>
-          <p:cNvSpPr/>
-          <p:nvPr/>
-        </p:nvSpPr>
-        <p:spPr>
-          <a:xfrm>
-            <a:off x="642910" y="2143116"/>
-            <a:ext cx="8004114" cy="2308324"/>
-          </a:xfrm>
-          <a:prstGeom prst="rect">
-            <a:avLst/>
-          </a:prstGeom>
-          <a:noFill/>
-        </p:spPr>
-        <p:txBody>
-          <a:bodyPr wrap="none" lIns="91440" tIns="45720" rIns="91440" bIns="45720">
-            <a:spAutoFit/>
-          </a:bodyPr>
-          <a:lstStyle/>
-          <a:p>
-            <a:pPr>
-              <a:lnSpc>
-                <a:spcPct val="150000"/>
-              </a:lnSpc>
-              <a:buFont typeface="Wingdings" pitchFamily="2" charset="2"/>
-              <a:buChar char="l"/>
-            </a:pPr>
-            <a:r>
-              <a:rPr lang="en-US" altLang="zh-CN" sz="3200" b="1" dirty="0" smtClean="0">
-                <a:ln w="1905"/>
-                <a:solidFill>
-                  <a:schemeClr val="bg1"/>
-                </a:solidFill>
-                <a:effectLst>
-                  <a:innerShdw blurRad="69850" dist="43180" dir="5400000">
-                    <a:srgbClr val="000000">
-                      <a:alpha val="65000"/>
-                    </a:srgbClr>
-                  </a:innerShdw>
-                </a:effectLst>
-              </a:rPr>
-              <a:t> </a:t>
-            </a:r>
-            <a:r>
-              <a:rPr lang="zh-CN" altLang="en-US" sz="3200" b="1" dirty="0" smtClean="0">
-                <a:ln w="1905"/>
-                <a:solidFill>
-                  <a:schemeClr val="bg1"/>
-                </a:solidFill>
-                <a:effectLst>
-                  <a:innerShdw blurRad="69850" dist="43180" dir="5400000">
-                    <a:srgbClr val="000000">
-                      <a:alpha val="65000"/>
-                    </a:srgbClr>
-                  </a:innerShdw>
-                </a:effectLst>
-              </a:rPr>
-              <a:t>制作文档模板，并在开发过程中不断维护</a:t>
-            </a:r>
-            <a:endParaRPr lang="en-US" altLang="zh-CN" sz="3200" b="1" dirty="0" smtClean="0">
-              <a:ln w="1905"/>
-              <a:solidFill>
-                <a:schemeClr val="bg1">
-                  <a:lumMod val="95000"/>
-                  <a:lumOff val="5000"/>
-                </a:schemeClr>
-              </a:solidFill>
-              <a:effectLst>
-                <a:innerShdw blurRad="69850" dist="43180" dir="5400000">
-                  <a:srgbClr val="000000">
-                    <a:alpha val="65000"/>
-                  </a:srgbClr>
-                </a:innerShdw>
-              </a:effectLst>
-            </a:endParaRPr>
-          </a:p>
-          <a:p>
-            <a:pPr>
-              <a:lnSpc>
-                <a:spcPct val="150000"/>
-              </a:lnSpc>
-              <a:buFont typeface="Wingdings" pitchFamily="2" charset="2"/>
-              <a:buChar char="l"/>
-            </a:pPr>
-            <a:r>
-              <a:rPr lang="zh-CN" altLang="en-US" sz="3200" b="1" dirty="0" smtClean="0">
-                <a:ln w="1905"/>
-                <a:solidFill>
-                  <a:schemeClr val="bg1"/>
-                </a:solidFill>
-                <a:effectLst>
-                  <a:innerShdw blurRad="69850" dist="43180" dir="5400000">
-                    <a:srgbClr val="000000">
-                      <a:alpha val="65000"/>
-                    </a:srgbClr>
-                  </a:innerShdw>
-                </a:effectLst>
-              </a:rPr>
-              <a:t> 将程序中的公共模块抽取并维护</a:t>
-            </a:r>
-            <a:endParaRPr lang="en-US" altLang="zh-CN" sz="3200" b="1" dirty="0" smtClean="0">
-              <a:ln w="1905"/>
-              <a:solidFill>
-                <a:schemeClr val="bg1"/>
-              </a:solidFill>
-              <a:effectLst>
-                <a:innerShdw blurRad="69850" dist="43180" dir="5400000">
-                  <a:srgbClr val="000000">
-                    <a:alpha val="65000"/>
-                  </a:srgbClr>
-                </a:innerShdw>
-              </a:effectLst>
-            </a:endParaRPr>
-          </a:p>
-          <a:p>
-            <a:pPr>
-              <a:lnSpc>
-                <a:spcPct val="150000"/>
-              </a:lnSpc>
-              <a:buFont typeface="Wingdings" pitchFamily="2" charset="2"/>
-              <a:buChar char="l"/>
-            </a:pPr>
-            <a:r>
-              <a:rPr lang="en-US" altLang="zh-CN" sz="3200" b="1" dirty="0" smtClean="0">
-                <a:ln w="1905"/>
-                <a:solidFill>
-                  <a:schemeClr val="bg1"/>
-                </a:solidFill>
-                <a:effectLst>
-                  <a:innerShdw blurRad="69850" dist="43180" dir="5400000">
-                    <a:srgbClr val="000000">
-                      <a:alpha val="65000"/>
-                    </a:srgbClr>
-                  </a:innerShdw>
-                </a:effectLst>
-              </a:rPr>
-              <a:t> CMM</a:t>
-            </a:r>
-            <a:r>
-              <a:rPr lang="zh-CN" altLang="en-US" sz="3200" b="1" dirty="0" smtClean="0">
-                <a:ln w="1905"/>
-                <a:solidFill>
-                  <a:schemeClr val="bg1"/>
-                </a:solidFill>
-                <a:effectLst>
-                  <a:innerShdw blurRad="69850" dist="43180" dir="5400000">
-                    <a:srgbClr val="000000">
-                      <a:alpha val="65000"/>
-                    </a:srgbClr>
-                  </a:innerShdw>
-                </a:effectLst>
-              </a:rPr>
-              <a:t>的标准基本符合可重复级的要求</a:t>
-            </a:r>
-            <a:endParaRPr lang="en-US" altLang="zh-CN" sz="3200" b="1" dirty="0" smtClean="0">
-              <a:ln w="1905"/>
-              <a:solidFill>
-                <a:schemeClr val="bg1"/>
-              </a:solidFill>
-              <a:effectLst>
-                <a:innerShdw blurRad="69850" dist="43180" dir="5400000">
-                  <a:srgbClr val="000000">
-                    <a:alpha val="65000"/>
-                  </a:srgbClr>
-                </a:innerShdw>
-              </a:effectLst>
-            </a:endParaRPr>
-          </a:p>
-        </p:txBody>
-      </p:sp>
-    </p:spTree>
-  </p:cSld>
-  <p:clrMapOvr>
-    <a:masterClrMapping/>
-  </p:clrMapOvr>
-  <p:timing>
-    <p:tnLst>
-      <p:par>
-        <p:cTn id="1" dur="indefinite" restart="never" nodeType="tmRoot"/>
-      </p:par>
-    </p:tnLst>
-  </p:timing>
-</p:sld>
-</file>
-
-<file path=ppt/slides/slide18.xml><?xml version="1.0" encoding="utf-8"?>
-<p:sld xmlns:a="http://schemas.openxmlformats.org/drawingml/2006/main" xmlns:r="http://schemas.openxmlformats.org/officeDocument/2006/relationships" xmlns:p="http://schemas.openxmlformats.org/presentationml/2006/main">
-  <p:cSld>
-    <p:spTree>
-      <p:nvGrpSpPr>
-        <p:cNvPr id="1" name=""/>
-        <p:cNvGrpSpPr/>
-        <p:nvPr/>
-      </p:nvGrpSpPr>
-      <p:grpSpPr>
-        <a:xfrm>
-          <a:off x="0" y="0"/>
-          <a:ext cx="0" cy="0"/>
-          <a:chOff x="0" y="0"/>
-          <a:chExt cx="0" cy="0"/>
-        </a:xfrm>
-      </p:grpSpPr>
-      <p:sp>
-        <p:nvSpPr>
-          <p:cNvPr id="2" name="标题 1"/>
-          <p:cNvSpPr>
-            <a:spLocks noGrp="1"/>
-          </p:cNvSpPr>
-          <p:nvPr>
-            <p:ph type="ctrTitle"/>
-          </p:nvPr>
-        </p:nvSpPr>
-        <p:spPr>
-          <a:xfrm>
-            <a:off x="0" y="1371600"/>
-            <a:ext cx="8858280" cy="1828800"/>
-          </a:xfrm>
-        </p:spPr>
-        <p:txBody>
-          <a:bodyPr/>
-          <a:lstStyle/>
-          <a:p>
-            <a:r>
-              <a:rPr lang="en-US" altLang="zh-CN" dirty="0" smtClean="0">
-                <a:solidFill>
-                  <a:srgbClr val="FFC000"/>
-                </a:solidFill>
-              </a:rPr>
-              <a:t>Sherry</a:t>
-            </a:r>
-            <a:r>
-              <a:rPr lang="zh-CN" altLang="en-US" dirty="0" smtClean="0">
-                <a:solidFill>
-                  <a:srgbClr val="FFC000"/>
-                </a:solidFill>
-              </a:rPr>
-              <a:t>化妆品销售系统展示</a:t>
-            </a:r>
-            <a:endParaRPr lang="zh-CN" altLang="en-US" dirty="0">
-              <a:solidFill>
-                <a:srgbClr val="FFC000"/>
-              </a:solidFill>
             </a:endParaRPr>
           </a:p>
         </p:txBody>
@@ -8471,7 +9371,23 @@
                   <a:srgbClr val="FFC000"/>
                 </a:solidFill>
               </a:rPr>
-              <a:t>我们的特色</a:t>
+              <a:t>我们</a:t>
+            </a:r>
+            <a:r>
+              <a:rPr lang="zh-CN" altLang="en-US" dirty="0" smtClean="0">
+                <a:solidFill>
+                  <a:srgbClr val="FFC000"/>
+                </a:solidFill>
+              </a:rPr>
+              <a:t>的</a:t>
+            </a:r>
+            <a:r>
+              <a:rPr lang="zh-CN" altLang="en-US" dirty="0" smtClean="0">
+                <a:solidFill>
+                  <a:srgbClr val="FFC000"/>
+                </a:solidFill>
+              </a:rPr>
+              <a:t>工作</a:t>
             </a:r>
             <a:endParaRPr lang="zh-CN" altLang="en-US" dirty="0">
               <a:solidFill>
@@ -8481,22 +9397,1071 @@
           </a:p>
         </p:txBody>
       </p:sp>
-      <p:graphicFrame>
-        <p:nvGraphicFramePr>
-          <p:cNvPr id="4" name="图示 3"/>
-          <p:cNvGraphicFramePr/>
+      <p:sp>
+        <p:nvSpPr>
+          <p:cNvPr id="5" name="矩形 4"/>
+          <p:cNvSpPr/>
           <p:nvPr/>
-        </p:nvGraphicFramePr>
-        <p:xfrm>
-          <a:off x="1142976" y="2214554"/>
-          <a:ext cx="6096000" cy="4064000"/>
-        </p:xfrm>
-        <a:graphic>
-          <a:graphicData uri="http://schemas.openxmlformats.org/drawingml/2006/diagram">
-            <dgm:relIds xmlns:dgm="http://schemas.openxmlformats.org/drawingml/2006/diagram" xmlns:r="http://schemas.openxmlformats.org/officeDocument/2006/relationships" r:dm="rId2" r:lo="rId3" r:qs="rId4" r:cs="rId5"/>
-          </a:graphicData>
-        </a:graphic>
-      </p:graphicFrame>
+        </p:nvSpPr>
+        <p:spPr>
+          <a:xfrm>
+            <a:off x="642910" y="2428868"/>
+            <a:ext cx="8416086" cy="3046988"/>
+          </a:xfrm>
+          <a:prstGeom prst="rect">
+            <a:avLst/>
+          </a:prstGeom>
+          <a:noFill/>
+        </p:spPr>
+        <p:txBody>
+          <a:bodyPr wrap="none" lIns="91440" tIns="45720" rIns="91440" bIns="45720">
+            <a:spAutoFit/>
+          </a:bodyPr>
+          <a:lstStyle/>
+          <a:p>
+            <a:pPr>
+              <a:buFont typeface="Wingdings" pitchFamily="2" charset="2"/>
+              <a:buChar char="l"/>
+            </a:pPr>
+            <a:r>
+              <a:rPr lang="zh-CN" altLang="en-US" sz="3200" b="1" dirty="0" smtClean="0">
+                <a:ln w="1905"/>
+                <a:solidFill>
+                  <a:schemeClr val="bg1">
+                    <a:lumMod val="95000"/>
+                    <a:lumOff val="5000"/>
+                  </a:schemeClr>
+                </a:solidFill>
+                <a:effectLst>
+                  <a:innerShdw blurRad="69850" dist="43180" dir="5400000">
+                    <a:srgbClr val="000000">
+                      <a:alpha val="65000"/>
+                    </a:srgbClr>
+                  </a:innerShdw>
+                </a:effectLst>
+              </a:rPr>
+              <a:t> 基</a:t>
+            </a:r>
+            <a:r>
+              <a:rPr lang="zh-CN" altLang="en-US" sz="3200" b="1" dirty="0" smtClean="0">
+                <a:ln w="1905"/>
+                <a:solidFill>
+                  <a:schemeClr val="bg1"/>
+                </a:solidFill>
+                <a:effectLst>
+                  <a:innerShdw blurRad="69850" dist="43180" dir="5400000">
+                    <a:srgbClr val="000000">
+                      <a:alpha val="65000"/>
+                    </a:srgbClr>
+                  </a:innerShdw>
+                </a:effectLst>
+              </a:rPr>
+              <a:t>本实现项目初期定义的全部需求，达到</a:t>
+            </a:r>
+            <a:endParaRPr lang="en-US" altLang="zh-CN" sz="3200" b="1" dirty="0" smtClean="0">
+              <a:ln w="1905"/>
+              <a:solidFill>
+                <a:schemeClr val="bg1"/>
+              </a:solidFill>
+              <a:effectLst>
+                <a:innerShdw blurRad="69850" dist="43180" dir="5400000">
+                  <a:srgbClr val="000000">
+                    <a:alpha val="65000"/>
+                  </a:srgbClr>
+                </a:innerShdw>
+              </a:effectLst>
+            </a:endParaRPr>
+          </a:p>
+          <a:p>
+            <a:r>
+              <a:rPr lang="en-US" altLang="zh-CN" sz="3200" b="1" dirty="0" smtClean="0">
+                <a:ln w="1905"/>
+                <a:solidFill>
+                  <a:schemeClr val="bg1"/>
+                </a:solidFill>
+                <a:effectLst>
+                  <a:innerShdw blurRad="69850" dist="43180" dir="5400000">
+                    <a:srgbClr val="000000">
+                      <a:alpha val="65000"/>
+                    </a:srgbClr>
+                  </a:innerShdw>
+                </a:effectLst>
+              </a:rPr>
+              <a:t> </a:t>
+            </a:r>
+            <a:r>
+              <a:rPr lang="en-US" altLang="zh-CN" sz="3200" b="1" dirty="0" smtClean="0">
+                <a:ln w="1905"/>
+                <a:solidFill>
+                  <a:schemeClr val="bg1"/>
+                </a:solidFill>
+                <a:effectLst>
+                  <a:innerShdw blurRad="69850" dist="43180" dir="5400000">
+                    <a:srgbClr val="000000">
+                      <a:alpha val="65000"/>
+                    </a:srgbClr>
+                  </a:innerShdw>
+                </a:effectLst>
+              </a:rPr>
+              <a:t>   </a:t>
+            </a:r>
+            <a:r>
+              <a:rPr lang="zh-CN" altLang="en-US" sz="3200" b="1" dirty="0" smtClean="0">
+                <a:ln w="1905"/>
+                <a:solidFill>
+                  <a:schemeClr val="bg1"/>
+                </a:solidFill>
+                <a:effectLst>
+                  <a:innerShdw blurRad="69850" dist="43180" dir="5400000">
+                    <a:srgbClr val="000000">
+                      <a:alpha val="65000"/>
+                    </a:srgbClr>
+                  </a:innerShdw>
+                </a:effectLst>
+              </a:rPr>
+              <a:t>预期的目标</a:t>
+            </a:r>
+            <a:endParaRPr lang="en-US" altLang="zh-CN" sz="3200" b="1" dirty="0" smtClean="0">
+              <a:ln w="1905"/>
+              <a:solidFill>
+                <a:schemeClr val="bg1"/>
+              </a:solidFill>
+              <a:effectLst>
+                <a:innerShdw blurRad="69850" dist="43180" dir="5400000">
+                  <a:srgbClr val="000000">
+                    <a:alpha val="65000"/>
+                  </a:srgbClr>
+                </a:innerShdw>
+              </a:effectLst>
+            </a:endParaRPr>
+          </a:p>
+          <a:p>
+            <a:pPr>
+              <a:buFont typeface="Wingdings" pitchFamily="2" charset="2"/>
+              <a:buChar char="l"/>
+            </a:pPr>
+            <a:r>
+              <a:rPr lang="zh-CN" altLang="en-US" sz="3200" b="1" dirty="0" smtClean="0">
+                <a:ln w="1905"/>
+                <a:solidFill>
+                  <a:schemeClr val="bg1"/>
+                </a:solidFill>
+                <a:effectLst>
+                  <a:innerShdw blurRad="69850" dist="43180" dir="5400000">
+                    <a:srgbClr val="000000">
+                      <a:alpha val="65000"/>
+                    </a:srgbClr>
+                  </a:innerShdw>
+                </a:effectLst>
+              </a:rPr>
+              <a:t> 实现电子商务基本要求（除银行接口部分）</a:t>
+            </a:r>
+            <a:endParaRPr lang="en-US" altLang="zh-CN" sz="3200" b="1" dirty="0" smtClean="0">
+              <a:ln w="1905"/>
+              <a:solidFill>
+                <a:schemeClr val="bg1"/>
+              </a:solidFill>
+              <a:effectLst>
+                <a:innerShdw blurRad="69850" dist="43180" dir="5400000">
+                  <a:srgbClr val="000000">
+                    <a:alpha val="65000"/>
+                  </a:srgbClr>
+                </a:innerShdw>
+              </a:effectLst>
+            </a:endParaRPr>
+          </a:p>
+          <a:p>
+            <a:pPr>
+              <a:buFont typeface="Wingdings" pitchFamily="2" charset="2"/>
+              <a:buChar char="l"/>
+            </a:pPr>
+            <a:r>
+              <a:rPr lang="en-US" altLang="zh-CN" sz="3200" b="1" dirty="0" smtClean="0">
+                <a:ln w="1905"/>
+                <a:solidFill>
+                  <a:schemeClr val="bg1"/>
+                </a:solidFill>
+                <a:effectLst>
+                  <a:innerShdw blurRad="69850" dist="43180" dir="5400000">
+                    <a:srgbClr val="000000">
+                      <a:alpha val="65000"/>
+                    </a:srgbClr>
+                  </a:innerShdw>
+                </a:effectLst>
+              </a:rPr>
+              <a:t> </a:t>
+            </a:r>
+            <a:r>
+              <a:rPr lang="zh-CN" altLang="en-US" sz="3200" b="1" dirty="0" smtClean="0">
+                <a:ln w="1905"/>
+                <a:solidFill>
+                  <a:schemeClr val="bg1"/>
+                </a:solidFill>
+                <a:effectLst>
+                  <a:innerShdw blurRad="69850" dist="43180" dir="5400000">
+                    <a:srgbClr val="000000">
+                      <a:alpha val="65000"/>
+                    </a:srgbClr>
+                  </a:innerShdw>
+                </a:effectLst>
+              </a:rPr>
+              <a:t>共实现</a:t>
+            </a:r>
+            <a:r>
+              <a:rPr lang="en-US" altLang="zh-CN" sz="3200" b="1" dirty="0" smtClean="0">
+                <a:ln w="1905"/>
+                <a:solidFill>
+                  <a:schemeClr val="bg1"/>
+                </a:solidFill>
+                <a:effectLst>
+                  <a:innerShdw blurRad="69850" dist="43180" dir="5400000">
+                    <a:srgbClr val="000000">
+                      <a:alpha val="65000"/>
+                    </a:srgbClr>
+                  </a:innerShdw>
+                </a:effectLst>
+              </a:rPr>
+              <a:t>8</a:t>
+            </a:r>
+            <a:r>
+              <a:rPr lang="zh-CN" altLang="en-US" sz="3200" b="1" dirty="0" smtClean="0">
+                <a:ln w="1905"/>
+                <a:solidFill>
+                  <a:schemeClr val="bg1"/>
+                </a:solidFill>
+                <a:effectLst>
+                  <a:innerShdw blurRad="69850" dist="43180" dir="5400000">
+                    <a:srgbClr val="000000">
+                      <a:alpha val="65000"/>
+                    </a:srgbClr>
+                  </a:innerShdw>
+                </a:effectLst>
+              </a:rPr>
+              <a:t>个模块，</a:t>
+            </a:r>
+            <a:r>
+              <a:rPr lang="en-US" altLang="zh-CN" sz="3200" b="1" dirty="0" smtClean="0">
+                <a:ln w="1905"/>
+                <a:solidFill>
+                  <a:schemeClr val="bg1"/>
+                </a:solidFill>
+                <a:effectLst>
+                  <a:innerShdw blurRad="69850" dist="43180" dir="5400000">
+                    <a:srgbClr val="000000">
+                      <a:alpha val="65000"/>
+                    </a:srgbClr>
+                  </a:innerShdw>
+                </a:effectLst>
+              </a:rPr>
+              <a:t>29</a:t>
+            </a:r>
+            <a:r>
+              <a:rPr lang="zh-CN" altLang="en-US" sz="3200" b="1" dirty="0" smtClean="0">
+                <a:ln w="1905"/>
+                <a:solidFill>
+                  <a:schemeClr val="bg1"/>
+                </a:solidFill>
+                <a:effectLst>
+                  <a:innerShdw blurRad="69850" dist="43180" dir="5400000">
+                    <a:srgbClr val="000000">
+                      <a:alpha val="65000"/>
+                    </a:srgbClr>
+                  </a:innerShdw>
+                </a:effectLst>
+              </a:rPr>
+              <a:t>个大功能点</a:t>
+            </a:r>
+            <a:endParaRPr lang="en-US" altLang="zh-CN" sz="3200" b="1" dirty="0" smtClean="0">
+              <a:ln w="1905"/>
+              <a:solidFill>
+                <a:schemeClr val="bg1"/>
+              </a:solidFill>
+              <a:effectLst>
+                <a:innerShdw blurRad="69850" dist="43180" dir="5400000">
+                  <a:srgbClr val="000000">
+                    <a:alpha val="65000"/>
+                  </a:srgbClr>
+                </a:innerShdw>
+              </a:effectLst>
+            </a:endParaRPr>
+          </a:p>
+          <a:p>
+            <a:pPr>
+              <a:buFont typeface="Wingdings" pitchFamily="2" charset="2"/>
+              <a:buChar char="l"/>
+            </a:pPr>
+            <a:r>
+              <a:rPr lang="en-US" altLang="zh-CN" sz="3200" b="1" dirty="0" smtClean="0">
+                <a:ln w="1905"/>
+                <a:solidFill>
+                  <a:schemeClr val="bg1"/>
+                </a:solidFill>
+                <a:effectLst>
+                  <a:innerShdw blurRad="69850" dist="43180" dir="5400000">
+                    <a:srgbClr val="000000">
+                      <a:alpha val="65000"/>
+                    </a:srgbClr>
+                  </a:innerShdw>
+                </a:effectLst>
+              </a:rPr>
+              <a:t> </a:t>
+            </a:r>
+            <a:r>
+              <a:rPr lang="zh-CN" altLang="en-US" sz="3200" b="1" dirty="0" smtClean="0">
+                <a:ln w="1905"/>
+                <a:solidFill>
+                  <a:schemeClr val="bg1"/>
+                </a:solidFill>
+                <a:effectLst>
+                  <a:innerShdw blurRad="69850" dist="43180" dir="5400000">
+                    <a:srgbClr val="000000">
+                      <a:alpha val="65000"/>
+                    </a:srgbClr>
+                  </a:innerShdw>
+                </a:effectLst>
+              </a:rPr>
+              <a:t>文档按性质装订成册</a:t>
+            </a:r>
+            <a:r>
+              <a:rPr lang="en-US" altLang="zh-CN" sz="3200" b="1" dirty="0" smtClean="0">
+                <a:ln w="1905"/>
+                <a:solidFill>
+                  <a:schemeClr val="bg1"/>
+                </a:solidFill>
+                <a:effectLst>
+                  <a:innerShdw blurRad="69850" dist="43180" dir="5400000">
+                    <a:srgbClr val="000000">
+                      <a:alpha val="65000"/>
+                    </a:srgbClr>
+                  </a:innerShdw>
+                </a:effectLst>
+              </a:rPr>
+              <a:t>11</a:t>
+            </a:r>
+            <a:r>
+              <a:rPr lang="zh-CN" altLang="en-US" sz="3200" b="1" dirty="0" smtClean="0">
+                <a:ln w="1905"/>
+                <a:solidFill>
+                  <a:schemeClr val="bg1"/>
+                </a:solidFill>
+                <a:effectLst>
+                  <a:innerShdw blurRad="69850" dist="43180" dir="5400000">
+                    <a:srgbClr val="000000">
+                      <a:alpha val="65000"/>
+                    </a:srgbClr>
+                  </a:innerShdw>
+                </a:effectLst>
+              </a:rPr>
+              <a:t>本，共</a:t>
+            </a:r>
+            <a:r>
+              <a:rPr lang="en-US" altLang="zh-CN" sz="3200" b="1" dirty="0" smtClean="0">
+                <a:ln w="1905"/>
+                <a:solidFill>
+                  <a:schemeClr val="bg1"/>
+                </a:solidFill>
+                <a:effectLst>
+                  <a:innerShdw blurRad="69850" dist="43180" dir="5400000">
+                    <a:srgbClr val="000000">
+                      <a:alpha val="65000"/>
+                    </a:srgbClr>
+                  </a:innerShdw>
+                </a:effectLst>
+              </a:rPr>
+              <a:t>743</a:t>
+            </a:r>
+            <a:r>
+              <a:rPr lang="zh-CN" altLang="en-US" sz="3200" b="1" dirty="0" smtClean="0">
+                <a:ln w="1905"/>
+                <a:solidFill>
+                  <a:schemeClr val="bg1"/>
+                </a:solidFill>
+                <a:effectLst>
+                  <a:innerShdw blurRad="69850" dist="43180" dir="5400000">
+                    <a:srgbClr val="000000">
+                      <a:alpha val="65000"/>
+                    </a:srgbClr>
+                  </a:innerShdw>
+                </a:effectLst>
+              </a:rPr>
+              <a:t>页</a:t>
+            </a:r>
+            <a:endParaRPr lang="en-US" altLang="zh-CN" sz="3200" b="1" dirty="0" smtClean="0">
+              <a:ln w="1905"/>
+              <a:solidFill>
+                <a:schemeClr val="bg1"/>
+              </a:solidFill>
+              <a:effectLst>
+                <a:innerShdw blurRad="69850" dist="43180" dir="5400000">
+                  <a:srgbClr val="000000">
+                    <a:alpha val="65000"/>
+                  </a:srgbClr>
+                </a:innerShdw>
+              </a:effectLst>
+            </a:endParaRPr>
+          </a:p>
+          <a:p>
+            <a:pPr>
+              <a:buFont typeface="Wingdings" pitchFamily="2" charset="2"/>
+              <a:buChar char="l"/>
+            </a:pPr>
+            <a:r>
+              <a:rPr lang="en-US" altLang="zh-CN" sz="3200" b="1" dirty="0" smtClean="0">
+                <a:ln w="1905"/>
+                <a:solidFill>
+                  <a:schemeClr val="bg1"/>
+                </a:solidFill>
+                <a:effectLst>
+                  <a:innerShdw blurRad="69850" dist="43180" dir="5400000">
+                    <a:srgbClr val="000000">
+                      <a:alpha val="65000"/>
+                    </a:srgbClr>
+                  </a:innerShdw>
+                </a:effectLst>
+              </a:rPr>
+              <a:t> </a:t>
+            </a:r>
+            <a:r>
+              <a:rPr lang="en-US" altLang="zh-CN" sz="3200" b="1" dirty="0" smtClean="0">
+                <a:ln w="1905"/>
+                <a:solidFill>
+                  <a:schemeClr val="bg1"/>
+                </a:solidFill>
+                <a:effectLst>
+                  <a:innerShdw blurRad="69850" dist="43180" dir="5400000">
+                    <a:srgbClr val="000000">
+                      <a:alpha val="65000"/>
+                    </a:srgbClr>
+                  </a:innerShdw>
+                </a:effectLst>
+              </a:rPr>
+              <a:t>SVN</a:t>
+            </a:r>
+            <a:r>
+              <a:rPr lang="zh-CN" altLang="en-US" sz="3200" b="1" dirty="0" smtClean="0">
+                <a:ln w="1905"/>
+                <a:solidFill>
+                  <a:schemeClr val="bg1"/>
+                </a:solidFill>
+                <a:effectLst>
+                  <a:innerShdw blurRad="69850" dist="43180" dir="5400000">
+                    <a:srgbClr val="000000">
+                      <a:alpha val="65000"/>
+                    </a:srgbClr>
+                  </a:innerShdw>
+                </a:effectLst>
+              </a:rPr>
+              <a:t>版本</a:t>
+            </a:r>
+            <a:r>
+              <a:rPr lang="zh-CN" altLang="en-US" sz="3200" b="1" dirty="0" smtClean="0">
+                <a:ln w="1905"/>
+                <a:solidFill>
+                  <a:schemeClr val="bg1"/>
+                </a:solidFill>
+                <a:effectLst>
+                  <a:innerShdw blurRad="69850" dist="43180" dir="5400000">
+                    <a:srgbClr val="000000">
+                      <a:alpha val="65000"/>
+                    </a:srgbClr>
+                  </a:innerShdw>
+                </a:effectLst>
+              </a:rPr>
+              <a:t>提交</a:t>
+            </a:r>
+            <a:r>
+              <a:rPr lang="zh-CN" altLang="en-US" sz="3200" b="1" dirty="0" smtClean="0">
+                <a:ln w="1905"/>
+                <a:solidFill>
+                  <a:schemeClr val="bg1"/>
+                </a:solidFill>
+                <a:effectLst>
+                  <a:innerShdw blurRad="69850" dist="43180" dir="5400000">
+                    <a:srgbClr val="000000">
+                      <a:alpha val="65000"/>
+                    </a:srgbClr>
+                  </a:innerShdw>
+                </a:effectLst>
+              </a:rPr>
+              <a:t>更新</a:t>
+            </a:r>
+            <a:r>
+              <a:rPr lang="en-US" altLang="zh-CN" sz="3200" b="1" dirty="0" smtClean="0">
+                <a:ln w="1905"/>
+                <a:solidFill>
+                  <a:schemeClr val="bg1"/>
+                </a:solidFill>
+                <a:effectLst>
+                  <a:innerShdw blurRad="69850" dist="43180" dir="5400000">
+                    <a:srgbClr val="000000">
+                      <a:alpha val="65000"/>
+                    </a:srgbClr>
+                  </a:innerShdw>
+                </a:effectLst>
+              </a:rPr>
+              <a:t>935</a:t>
+            </a:r>
+            <a:r>
+              <a:rPr lang="zh-CN" altLang="en-US" sz="3200" b="1" dirty="0" smtClean="0">
+                <a:ln w="1905"/>
+                <a:solidFill>
+                  <a:schemeClr val="bg1"/>
+                </a:solidFill>
+                <a:effectLst>
+                  <a:innerShdw blurRad="69850" dist="43180" dir="5400000">
+                    <a:srgbClr val="000000">
+                      <a:alpha val="65000"/>
+                    </a:srgbClr>
+                  </a:innerShdw>
+                </a:effectLst>
+              </a:rPr>
+              <a:t>次</a:t>
+            </a:r>
+          </a:p>
+        </p:txBody>
+      </p:sp>
+    </p:spTree>
+  </p:cSld>
+  <p:clrMapOvr>
+    <a:masterClrMapping/>
+  </p:clrMapOvr>
+  <p:timing>
+    <p:tnLst>
+      <p:par>
+        <p:cTn id="1" dur="indefinite" restart="never" nodeType="tmRoot"/>
+      </p:par>
+    </p:tnLst>
+  </p:timing>
+</p:sld>
+</file>
+
+<file path=ppt/slides/slide20.xml><?xml version="1.0" encoding="utf-8"?>
+<p:sld xmlns:a="http://schemas.openxmlformats.org/drawingml/2006/main" xmlns:r="http://schemas.openxmlformats.org/officeDocument/2006/relationships" xmlns:p="http://schemas.openxmlformats.org/presentationml/2006/main">
+  <p:cSld>
+    <p:spTree>
+      <p:nvGrpSpPr>
+        <p:cNvPr id="1" name=""/>
+        <p:cNvGrpSpPr/>
+        <p:nvPr/>
+      </p:nvGrpSpPr>
+      <p:grpSpPr>
+        <a:xfrm>
+          <a:off x="0" y="0"/>
+          <a:ext cx="0" cy="0"/>
+          <a:chOff x="0" y="0"/>
+          <a:chExt cx="0" cy="0"/>
+        </a:xfrm>
+      </p:grpSpPr>
+      <p:sp>
+        <p:nvSpPr>
+          <p:cNvPr id="2" name="标题 1"/>
+          <p:cNvSpPr>
+            <a:spLocks noGrp="1"/>
+          </p:cNvSpPr>
+          <p:nvPr>
+            <p:ph type="ctrTitle"/>
+          </p:nvPr>
+        </p:nvSpPr>
+        <p:spPr>
+          <a:xfrm>
+            <a:off x="2857488" y="785794"/>
+            <a:ext cx="3681410" cy="1057284"/>
+          </a:xfrm>
+        </p:spPr>
+        <p:txBody>
+          <a:bodyPr/>
+          <a:lstStyle/>
+          <a:p>
+            <a:pPr algn="l"/>
+            <a:r>
+              <a:rPr lang="zh-CN" altLang="en-US" dirty="0" smtClean="0">
+                <a:solidFill>
+                  <a:srgbClr val="FFC000"/>
+                </a:solidFill>
+              </a:rPr>
+              <a:t>项目监控</a:t>
+            </a:r>
+            <a:endParaRPr lang="zh-CN" altLang="en-US" dirty="0">
+              <a:solidFill>
+                <a:srgbClr val="FFC000"/>
+              </a:solidFill>
+            </a:endParaRPr>
+          </a:p>
+        </p:txBody>
+      </p:sp>
+      <p:sp>
+        <p:nvSpPr>
+          <p:cNvPr id="4" name="矩形 3"/>
+          <p:cNvSpPr/>
+          <p:nvPr/>
+        </p:nvSpPr>
+        <p:spPr>
+          <a:xfrm>
+            <a:off x="642910" y="2428868"/>
+            <a:ext cx="7180171" cy="2308324"/>
+          </a:xfrm>
+          <a:prstGeom prst="rect">
+            <a:avLst/>
+          </a:prstGeom>
+          <a:noFill/>
+        </p:spPr>
+        <p:txBody>
+          <a:bodyPr wrap="none" lIns="91440" tIns="45720" rIns="91440" bIns="45720">
+            <a:spAutoFit/>
+          </a:bodyPr>
+          <a:lstStyle/>
+          <a:p>
+            <a:pPr>
+              <a:lnSpc>
+                <a:spcPct val="150000"/>
+              </a:lnSpc>
+              <a:buFont typeface="Wingdings" pitchFamily="2" charset="2"/>
+              <a:buChar char="l"/>
+            </a:pPr>
+            <a:r>
+              <a:rPr lang="zh-CN" altLang="en-US" sz="3200" b="1" dirty="0" smtClean="0">
+                <a:ln w="1905"/>
+                <a:solidFill>
+                  <a:schemeClr val="bg1"/>
+                </a:solidFill>
+                <a:effectLst>
+                  <a:innerShdw blurRad="69850" dist="43180" dir="5400000">
+                    <a:srgbClr val="000000">
+                      <a:alpha val="65000"/>
+                    </a:srgbClr>
+                  </a:innerShdw>
+                </a:effectLst>
+              </a:rPr>
+              <a:t> 每个阶段相应角色主要负责</a:t>
+            </a:r>
+            <a:endParaRPr lang="en-US" altLang="zh-CN" sz="3200" b="1" dirty="0" smtClean="0">
+              <a:ln w="1905"/>
+              <a:solidFill>
+                <a:schemeClr val="bg1">
+                  <a:lumMod val="95000"/>
+                  <a:lumOff val="5000"/>
+                </a:schemeClr>
+              </a:solidFill>
+              <a:effectLst>
+                <a:innerShdw blurRad="69850" dist="43180" dir="5400000">
+                  <a:srgbClr val="000000">
+                    <a:alpha val="65000"/>
+                  </a:srgbClr>
+                </a:innerShdw>
+              </a:effectLst>
+            </a:endParaRPr>
+          </a:p>
+          <a:p>
+            <a:pPr>
+              <a:lnSpc>
+                <a:spcPct val="150000"/>
+              </a:lnSpc>
+              <a:buFont typeface="Wingdings" pitchFamily="2" charset="2"/>
+              <a:buChar char="l"/>
+            </a:pPr>
+            <a:r>
+              <a:rPr lang="zh-CN" altLang="en-US" sz="3200" b="1" dirty="0" smtClean="0">
+                <a:ln w="1905"/>
+                <a:solidFill>
+                  <a:schemeClr val="bg1"/>
+                </a:solidFill>
+                <a:effectLst>
+                  <a:innerShdw blurRad="69850" dist="43180" dir="5400000">
+                    <a:srgbClr val="000000">
+                      <a:alpha val="65000"/>
+                    </a:srgbClr>
+                  </a:innerShdw>
+                </a:effectLst>
+              </a:rPr>
+              <a:t> 每周至少一次会议，总结并做小计划</a:t>
+            </a:r>
+            <a:endParaRPr lang="en-US" altLang="zh-CN" sz="3200" b="1" dirty="0" smtClean="0">
+              <a:ln w="1905"/>
+              <a:solidFill>
+                <a:schemeClr val="bg1"/>
+              </a:solidFill>
+              <a:effectLst>
+                <a:innerShdw blurRad="69850" dist="43180" dir="5400000">
+                  <a:srgbClr val="000000">
+                    <a:alpha val="65000"/>
+                  </a:srgbClr>
+                </a:innerShdw>
+              </a:effectLst>
+            </a:endParaRPr>
+          </a:p>
+          <a:p>
+            <a:pPr>
+              <a:lnSpc>
+                <a:spcPct val="150000"/>
+              </a:lnSpc>
+              <a:buFont typeface="Wingdings" pitchFamily="2" charset="2"/>
+              <a:buChar char="l"/>
+            </a:pPr>
+            <a:r>
+              <a:rPr lang="en-US" altLang="zh-CN" sz="3200" b="1" dirty="0" smtClean="0">
+                <a:ln w="1905"/>
+                <a:solidFill>
+                  <a:schemeClr val="bg1"/>
+                </a:solidFill>
+                <a:effectLst>
+                  <a:innerShdw blurRad="69850" dist="43180" dir="5400000">
+                    <a:srgbClr val="000000">
+                      <a:alpha val="65000"/>
+                    </a:srgbClr>
+                  </a:innerShdw>
+                </a:effectLst>
+              </a:rPr>
+              <a:t> </a:t>
+            </a:r>
+            <a:r>
+              <a:rPr lang="zh-CN" altLang="en-US" sz="3200" b="1" dirty="0" smtClean="0">
+                <a:ln w="1905"/>
+                <a:solidFill>
+                  <a:schemeClr val="bg1"/>
+                </a:solidFill>
+                <a:effectLst>
+                  <a:innerShdw blurRad="69850" dist="43180" dir="5400000">
+                    <a:srgbClr val="000000">
+                      <a:alpha val="65000"/>
+                    </a:srgbClr>
+                  </a:innerShdw>
+                </a:effectLst>
+              </a:rPr>
+              <a:t>及时发现问题并与组员讨论解决方案</a:t>
+            </a:r>
+            <a:endParaRPr lang="en-US" altLang="zh-CN" sz="3200" b="1" dirty="0" smtClean="0">
+              <a:ln w="1905"/>
+              <a:solidFill>
+                <a:schemeClr val="bg1"/>
+              </a:solidFill>
+              <a:effectLst>
+                <a:innerShdw blurRad="69850" dist="43180" dir="5400000">
+                  <a:srgbClr val="000000">
+                    <a:alpha val="65000"/>
+                  </a:srgbClr>
+                </a:innerShdw>
+              </a:effectLst>
+            </a:endParaRPr>
+          </a:p>
+        </p:txBody>
+      </p:sp>
+    </p:spTree>
+  </p:cSld>
+  <p:clrMapOvr>
+    <a:masterClrMapping/>
+  </p:clrMapOvr>
+  <p:timing>
+    <p:tnLst>
+      <p:par>
+        <p:cTn id="1" dur="indefinite" restart="never" nodeType="tmRoot"/>
+      </p:par>
+    </p:tnLst>
+  </p:timing>
+</p:sld>
+</file>
+
+<file path=ppt/slides/slide21.xml><?xml version="1.0" encoding="utf-8"?>
+<p:sld xmlns:a="http://schemas.openxmlformats.org/drawingml/2006/main" xmlns:r="http://schemas.openxmlformats.org/officeDocument/2006/relationships" xmlns:p="http://schemas.openxmlformats.org/presentationml/2006/main">
+  <p:cSld>
+    <p:spTree>
+      <p:nvGrpSpPr>
+        <p:cNvPr id="1" name=""/>
+        <p:cNvGrpSpPr/>
+        <p:nvPr/>
+      </p:nvGrpSpPr>
+      <p:grpSpPr>
+        <a:xfrm>
+          <a:off x="0" y="0"/>
+          <a:ext cx="0" cy="0"/>
+          <a:chOff x="0" y="0"/>
+          <a:chExt cx="0" cy="0"/>
+        </a:xfrm>
+      </p:grpSpPr>
+      <p:sp>
+        <p:nvSpPr>
+          <p:cNvPr id="2" name="标题 1"/>
+          <p:cNvSpPr>
+            <a:spLocks noGrp="1"/>
+          </p:cNvSpPr>
+          <p:nvPr>
+            <p:ph type="ctrTitle"/>
+          </p:nvPr>
+        </p:nvSpPr>
+        <p:spPr>
+          <a:xfrm>
+            <a:off x="2714612" y="714356"/>
+            <a:ext cx="3467096" cy="1057284"/>
+          </a:xfrm>
+        </p:spPr>
+        <p:txBody>
+          <a:bodyPr/>
+          <a:lstStyle/>
+          <a:p>
+            <a:pPr algn="l"/>
+            <a:r>
+              <a:rPr lang="zh-CN" altLang="en-US" dirty="0" smtClean="0">
+                <a:solidFill>
+                  <a:srgbClr val="FFC000"/>
+                </a:solidFill>
+              </a:rPr>
+              <a:t>注重积累</a:t>
+            </a:r>
+            <a:endParaRPr lang="zh-CN" altLang="en-US" dirty="0">
+              <a:solidFill>
+                <a:srgbClr val="FFC000"/>
+              </a:solidFill>
+            </a:endParaRPr>
+          </a:p>
+        </p:txBody>
+      </p:sp>
+      <p:sp>
+        <p:nvSpPr>
+          <p:cNvPr id="4" name="矩形 3"/>
+          <p:cNvSpPr/>
+          <p:nvPr/>
+        </p:nvSpPr>
+        <p:spPr>
+          <a:xfrm>
+            <a:off x="642910" y="2143116"/>
+            <a:ext cx="8004114" cy="2308324"/>
+          </a:xfrm>
+          <a:prstGeom prst="rect">
+            <a:avLst/>
+          </a:prstGeom>
+          <a:noFill/>
+        </p:spPr>
+        <p:txBody>
+          <a:bodyPr wrap="none" lIns="91440" tIns="45720" rIns="91440" bIns="45720">
+            <a:spAutoFit/>
+          </a:bodyPr>
+          <a:lstStyle/>
+          <a:p>
+            <a:pPr>
+              <a:lnSpc>
+                <a:spcPct val="150000"/>
+              </a:lnSpc>
+              <a:buFont typeface="Wingdings" pitchFamily="2" charset="2"/>
+              <a:buChar char="l"/>
+            </a:pPr>
+            <a:r>
+              <a:rPr lang="en-US" altLang="zh-CN" sz="3200" b="1" dirty="0" smtClean="0">
+                <a:ln w="1905"/>
+                <a:solidFill>
+                  <a:schemeClr val="bg1"/>
+                </a:solidFill>
+                <a:effectLst>
+                  <a:innerShdw blurRad="69850" dist="43180" dir="5400000">
+                    <a:srgbClr val="000000">
+                      <a:alpha val="65000"/>
+                    </a:srgbClr>
+                  </a:innerShdw>
+                </a:effectLst>
+              </a:rPr>
+              <a:t> </a:t>
+            </a:r>
+            <a:r>
+              <a:rPr lang="zh-CN" altLang="en-US" sz="3200" b="1" dirty="0" smtClean="0">
+                <a:ln w="1905"/>
+                <a:solidFill>
+                  <a:schemeClr val="bg1"/>
+                </a:solidFill>
+                <a:effectLst>
+                  <a:innerShdw blurRad="69850" dist="43180" dir="5400000">
+                    <a:srgbClr val="000000">
+                      <a:alpha val="65000"/>
+                    </a:srgbClr>
+                  </a:innerShdw>
+                </a:effectLst>
+              </a:rPr>
+              <a:t>制作文档模板，并在开发过程中不断维护</a:t>
+            </a:r>
+            <a:endParaRPr lang="en-US" altLang="zh-CN" sz="3200" b="1" dirty="0" smtClean="0">
+              <a:ln w="1905"/>
+              <a:solidFill>
+                <a:schemeClr val="bg1">
+                  <a:lumMod val="95000"/>
+                  <a:lumOff val="5000"/>
+                </a:schemeClr>
+              </a:solidFill>
+              <a:effectLst>
+                <a:innerShdw blurRad="69850" dist="43180" dir="5400000">
+                  <a:srgbClr val="000000">
+                    <a:alpha val="65000"/>
+                  </a:srgbClr>
+                </a:innerShdw>
+              </a:effectLst>
+            </a:endParaRPr>
+          </a:p>
+          <a:p>
+            <a:pPr>
+              <a:lnSpc>
+                <a:spcPct val="150000"/>
+              </a:lnSpc>
+              <a:buFont typeface="Wingdings" pitchFamily="2" charset="2"/>
+              <a:buChar char="l"/>
+            </a:pPr>
+            <a:r>
+              <a:rPr lang="zh-CN" altLang="en-US" sz="3200" b="1" dirty="0" smtClean="0">
+                <a:ln w="1905"/>
+                <a:solidFill>
+                  <a:schemeClr val="bg1"/>
+                </a:solidFill>
+                <a:effectLst>
+                  <a:innerShdw blurRad="69850" dist="43180" dir="5400000">
+                    <a:srgbClr val="000000">
+                      <a:alpha val="65000"/>
+                    </a:srgbClr>
+                  </a:innerShdw>
+                </a:effectLst>
+              </a:rPr>
+              <a:t> 将程序中的公共模块抽取并维护</a:t>
+            </a:r>
+            <a:endParaRPr lang="en-US" altLang="zh-CN" sz="3200" b="1" dirty="0" smtClean="0">
+              <a:ln w="1905"/>
+              <a:solidFill>
+                <a:schemeClr val="bg1"/>
+              </a:solidFill>
+              <a:effectLst>
+                <a:innerShdw blurRad="69850" dist="43180" dir="5400000">
+                  <a:srgbClr val="000000">
+                    <a:alpha val="65000"/>
+                  </a:srgbClr>
+                </a:innerShdw>
+              </a:effectLst>
+            </a:endParaRPr>
+          </a:p>
+          <a:p>
+            <a:pPr>
+              <a:lnSpc>
+                <a:spcPct val="150000"/>
+              </a:lnSpc>
+              <a:buFont typeface="Wingdings" pitchFamily="2" charset="2"/>
+              <a:buChar char="l"/>
+            </a:pPr>
+            <a:r>
+              <a:rPr lang="en-US" altLang="zh-CN" sz="3200" b="1" dirty="0" smtClean="0">
+                <a:ln w="1905"/>
+                <a:solidFill>
+                  <a:schemeClr val="bg1"/>
+                </a:solidFill>
+                <a:effectLst>
+                  <a:innerShdw blurRad="69850" dist="43180" dir="5400000">
+                    <a:srgbClr val="000000">
+                      <a:alpha val="65000"/>
+                    </a:srgbClr>
+                  </a:innerShdw>
+                </a:effectLst>
+              </a:rPr>
+              <a:t> CMM</a:t>
+            </a:r>
+            <a:r>
+              <a:rPr lang="zh-CN" altLang="en-US" sz="3200" b="1" dirty="0" smtClean="0">
+                <a:ln w="1905"/>
+                <a:solidFill>
+                  <a:schemeClr val="bg1"/>
+                </a:solidFill>
+                <a:effectLst>
+                  <a:innerShdw blurRad="69850" dist="43180" dir="5400000">
+                    <a:srgbClr val="000000">
+                      <a:alpha val="65000"/>
+                    </a:srgbClr>
+                  </a:innerShdw>
+                </a:effectLst>
+              </a:rPr>
+              <a:t>的标准基本符合可重复级的要求</a:t>
+            </a:r>
+            <a:endParaRPr lang="en-US" altLang="zh-CN" sz="3200" b="1" dirty="0" smtClean="0">
+              <a:ln w="1905"/>
+              <a:solidFill>
+                <a:schemeClr val="bg1"/>
+              </a:solidFill>
+              <a:effectLst>
+                <a:innerShdw blurRad="69850" dist="43180" dir="5400000">
+                  <a:srgbClr val="000000">
+                    <a:alpha val="65000"/>
+                  </a:srgbClr>
+                </a:innerShdw>
+              </a:effectLst>
+            </a:endParaRPr>
+          </a:p>
+        </p:txBody>
+      </p:sp>
+    </p:spTree>
+  </p:cSld>
+  <p:clrMapOvr>
+    <a:masterClrMapping/>
+  </p:clrMapOvr>
+  <p:timing>
+    <p:tnLst>
+      <p:par>
+        <p:cTn id="1" dur="indefinite" restart="never" nodeType="tmRoot"/>
+      </p:par>
+    </p:tnLst>
+  </p:timing>
+</p:sld>
+</file>
+
+<file path=ppt/slides/slide22.xml><?xml version="1.0" encoding="utf-8"?>
+<p:sld xmlns:a="http://schemas.openxmlformats.org/drawingml/2006/main" xmlns:r="http://schemas.openxmlformats.org/officeDocument/2006/relationships" xmlns:p="http://schemas.openxmlformats.org/presentationml/2006/main">
+  <p:cSld>
+    <p:spTree>
+      <p:nvGrpSpPr>
+        <p:cNvPr id="1" name=""/>
+        <p:cNvGrpSpPr/>
+        <p:nvPr/>
+      </p:nvGrpSpPr>
+      <p:grpSpPr>
+        <a:xfrm>
+          <a:off x="0" y="0"/>
+          <a:ext cx="0" cy="0"/>
+          <a:chOff x="0" y="0"/>
+          <a:chExt cx="0" cy="0"/>
+        </a:xfrm>
+      </p:grpSpPr>
+      <p:sp>
+        <p:nvSpPr>
+          <p:cNvPr id="2" name="标题 1"/>
+          <p:cNvSpPr>
+            <a:spLocks noGrp="1"/>
+          </p:cNvSpPr>
+          <p:nvPr>
+            <p:ph type="ctrTitle"/>
+          </p:nvPr>
+        </p:nvSpPr>
+        <p:spPr>
+          <a:xfrm>
+            <a:off x="0" y="1371600"/>
+            <a:ext cx="8858280" cy="1828800"/>
+          </a:xfrm>
+        </p:spPr>
+        <p:txBody>
+          <a:bodyPr/>
+          <a:lstStyle/>
+          <a:p>
+            <a:r>
+              <a:rPr lang="en-US" altLang="zh-CN" dirty="0" smtClean="0">
+                <a:solidFill>
+                  <a:srgbClr val="FFC000"/>
+                </a:solidFill>
+              </a:rPr>
+              <a:t>Sherry</a:t>
+            </a:r>
+            <a:r>
+              <a:rPr lang="zh-CN" altLang="en-US" dirty="0" smtClean="0">
+                <a:solidFill>
+                  <a:srgbClr val="FFC000"/>
+                </a:solidFill>
+              </a:rPr>
+              <a:t>化妆品销售系统展示</a:t>
+            </a:r>
+            <a:endParaRPr lang="zh-CN" altLang="en-US" dirty="0">
+              <a:solidFill>
+                <a:srgbClr val="FFC000"/>
+              </a:solidFill>
+            </a:endParaRPr>
+          </a:p>
+        </p:txBody>
+      </p:sp>
     </p:spTree>
   </p:cSld>
   <p:clrMapOvr>
@@ -8541,21 +10506,22 @@
         </p:nvSpPr>
         <p:spPr>
           <a:xfrm>
-            <a:off x="285720" y="285728"/>
-            <a:ext cx="8099328" cy="1828800"/>
+            <a:off x="500034" y="214290"/>
+            <a:ext cx="7851648" cy="1828800"/>
           </a:xfrm>
         </p:spPr>
         <p:txBody>
           <a:bodyPr/>
           <a:lstStyle/>
           <a:p>
-            <a:r>
-              <a:rPr lang="en-US" altLang="zh-CN" dirty="0" err="1" smtClean="0">
+            <a:pPr algn="l"/>
+            <a:r>
+              <a:rPr lang="zh-CN" altLang="en-US" dirty="0" smtClean="0">
                 <a:solidFill>
                   <a:srgbClr val="FFC000"/>
                 </a:solidFill>
               </a:rPr>
-              <a:t>Frous</a:t>
+              <a:t>我们</a:t>
             </a:r>
             <a:r>
               <a:rPr lang="zh-CN" altLang="en-US" dirty="0" smtClean="0">
@@ -8563,7 +10529,15 @@
                   <a:srgbClr val="FFC000"/>
                 </a:solidFill>
               </a:rPr>
-              <a:t>项目小组成立及立项</a:t>
+              <a:t>的</a:t>
+            </a:r>
+            <a:r>
+              <a:rPr lang="zh-CN" altLang="en-US" dirty="0" smtClean="0">
+                <a:solidFill>
+                  <a:srgbClr val="FFC000"/>
+                </a:solidFill>
+              </a:rPr>
+              <a:t>工作</a:t>
             </a:r>
             <a:endParaRPr lang="zh-CN" altLang="en-US" dirty="0">
               <a:solidFill>
@@ -8582,7 +10556,7 @@
         <p:spPr>
           <a:xfrm>
             <a:off x="642910" y="2428868"/>
-            <a:ext cx="8089843" cy="3539430"/>
+            <a:ext cx="7984878" cy="3046988"/>
           </a:xfrm>
           <a:prstGeom prst="rect">
             <a:avLst/>
@@ -8595,11 +10569,6 @@
           </a:bodyPr>
           <a:lstStyle/>
           <a:p>
-            <a:pPr algn="ctr">
-              <a:lnSpc>
-                <a:spcPct val="150000"/>
-              </a:lnSpc>
-            </a:pPr>
             <a:r>
               <a:rPr lang="zh-CN" altLang="en-US" sz="3200" b="1" dirty="0" smtClean="0">
                 <a:ln w="1905"/>
@@ -8614,9 +10583,42 @@
                   </a:innerShdw>
                 </a:effectLst>
               </a:rPr>
-              <a:t>项目小组成立伊始便着手制定自己的规范：</a:t>
-            </a:r>
-            <a:endParaRPr lang="en-US" altLang="zh-CN" sz="3200" b="1" dirty="0" smtClean="0">
+              <a:t>代码量</a:t>
+            </a:r>
+            <a:r>
+              <a:rPr lang="zh-CN" altLang="en-US" sz="3200" b="1" dirty="0" smtClean="0">
+                <a:ln w="1905"/>
+                <a:solidFill>
+                  <a:schemeClr val="bg1"/>
+                </a:solidFill>
+                <a:effectLst>
+                  <a:innerShdw blurRad="69850" dist="43180" dir="5400000">
+                    <a:srgbClr val="000000">
+                      <a:alpha val="65000"/>
+                    </a:srgbClr>
+                  </a:innerShdw>
+                </a:effectLst>
+              </a:rPr>
+              <a:t>统计                         </a:t>
+            </a:r>
+            <a:r>
+              <a:rPr lang="zh-CN" altLang="en-US" sz="3200" b="1" dirty="0" smtClean="0">
+                <a:ln w="1905"/>
+                <a:solidFill>
+                  <a:schemeClr val="bg1"/>
+                </a:solidFill>
+                <a:effectLst>
+                  <a:innerShdw blurRad="69850" dist="43180" dir="5400000">
+                    <a:srgbClr val="000000">
+                      <a:alpha val="65000"/>
+                    </a:srgbClr>
+                  </a:innerShdw>
+                </a:effectLst>
+                <a:hlinkClick r:id="rId2" action="ppaction://hlinkfile" tooltip="打开数据统计文档"/>
+              </a:rPr>
+              <a:t>查看详细数据信息</a:t>
+            </a:r>
+            <a:endParaRPr lang="zh-CN" altLang="en-US" sz="3200" b="1" dirty="0" smtClean="0">
               <a:ln w="1905"/>
               <a:solidFill>
                 <a:schemeClr val="bg1"/>
@@ -8631,13 +10633,6 @@
             </a:endParaRPr>
           </a:p>
           <a:p>
-            <a:pPr>
-              <a:lnSpc>
-                <a:spcPct val="150000"/>
-              </a:lnSpc>
-              <a:buFont typeface="Wingdings" pitchFamily="2" charset="2"/>
-              <a:buChar char="l"/>
-            </a:pPr>
             <a:r>
               <a:rPr lang="zh-CN" altLang="en-US" sz="3200" b="1" dirty="0" smtClean="0">
                 <a:ln w="1905"/>
@@ -8651,9 +10646,8 @@
                     </a:srgbClr>
                   </a:innerShdw>
                 </a:effectLst>
-                <a:hlinkClick r:id="rId2" action="ppaction://hlinkfile"/>
-              </a:rPr>
-              <a:t> </a:t>
+              </a:rPr>
+              <a:t>项目代码</a:t>
             </a:r>
             <a:r>
               <a:rPr lang="zh-CN" altLang="en-US" sz="3200" b="1" dirty="0" smtClean="0">
@@ -8668,50 +10662,8 @@
                     </a:srgbClr>
                   </a:innerShdw>
                 </a:effectLst>
-                <a:hlinkClick r:id="rId2" action="ppaction://hlinkfile" tooltip="打开人员角色分工表"/>
-              </a:rPr>
-              <a:t>明确人员角色分工</a:t>
-            </a:r>
-            <a:endParaRPr lang="en-US" altLang="zh-CN" sz="3200" b="1" dirty="0" smtClean="0">
-              <a:ln w="1905"/>
-              <a:solidFill>
-                <a:schemeClr val="bg1">
-                  <a:lumMod val="95000"/>
-                  <a:lumOff val="5000"/>
-                </a:schemeClr>
-              </a:solidFill>
-              <a:effectLst>
-                <a:innerShdw blurRad="69850" dist="43180" dir="5400000">
-                  <a:srgbClr val="000000">
-                    <a:alpha val="65000"/>
-                  </a:srgbClr>
-                </a:innerShdw>
-              </a:effectLst>
-            </a:endParaRPr>
-          </a:p>
-          <a:p>
-            <a:pPr>
-              <a:lnSpc>
-                <a:spcPct val="150000"/>
-              </a:lnSpc>
-              <a:buFont typeface="Wingdings" pitchFamily="2" charset="2"/>
-              <a:buChar char="l"/>
-            </a:pPr>
-            <a:r>
-              <a:rPr lang="en-US" altLang="zh-CN" sz="3200" b="1" dirty="0" smtClean="0">
-                <a:ln w="1905"/>
-                <a:solidFill>
-                  <a:schemeClr val="bg1"/>
-                </a:solidFill>
-                <a:effectLst>
-                  <a:innerShdw blurRad="69850" dist="43180" dir="5400000">
-                    <a:srgbClr val="000000">
-                      <a:alpha val="65000"/>
-                    </a:srgbClr>
-                  </a:innerShdw>
-                </a:effectLst>
-              </a:rPr>
-              <a:t> </a:t>
+              </a:rPr>
+              <a:t>行数</a:t>
             </a:r>
             <a:r>
               <a:rPr lang="zh-CN" altLang="en-US" sz="3200" b="1" dirty="0" smtClean="0">
@@ -8727,9 +10679,41 @@
                   </a:innerShdw>
                 </a:effectLst>
               </a:rPr>
-              <a:t>明确文档命名规范</a:t>
-            </a:r>
-            <a:endParaRPr lang="en-US" altLang="zh-CN" sz="3200" b="1" dirty="0" smtClean="0">
+              <a:t>（</a:t>
+            </a:r>
+            <a:r>
+              <a:rPr lang="zh-CN" altLang="en-US" sz="3200" b="1" dirty="0" smtClean="0">
+                <a:ln w="1905"/>
+                <a:solidFill>
+                  <a:schemeClr val="bg1"/>
+                </a:solidFill>
+                <a:effectLst>
+                  <a:innerShdw blurRad="69850" dist="43180" dir="5400000">
+                    <a:srgbClr val="000000">
+                      <a:alpha val="65000"/>
+                    </a:srgbClr>
+                  </a:innerShdw>
+                </a:effectLst>
+              </a:rPr>
+              <a:t>不包含测试）</a:t>
+            </a:r>
+            <a:r>
+              <a:rPr lang="zh-CN" altLang="en-US" sz="3200" b="1" dirty="0" smtClean="0">
+                <a:ln w="1905"/>
+                <a:solidFill>
+                  <a:schemeClr val="bg1"/>
+                </a:solidFill>
+                <a:effectLst>
+                  <a:innerShdw blurRad="69850" dist="43180" dir="5400000">
+                    <a:srgbClr val="000000">
+                      <a:alpha val="65000"/>
+                    </a:srgbClr>
+                  </a:innerShdw>
+                </a:effectLst>
+              </a:rPr>
+              <a:t>：</a:t>
+            </a:r>
+            <a:endParaRPr lang="zh-CN" altLang="en-US" sz="3200" b="1" dirty="0" smtClean="0">
               <a:ln w="1905"/>
               <a:solidFill>
                 <a:schemeClr val="bg1"/>
@@ -8744,13 +10728,22 @@
             </a:endParaRPr>
           </a:p>
           <a:p>
-            <a:pPr>
-              <a:lnSpc>
-                <a:spcPct val="150000"/>
-              </a:lnSpc>
-              <a:buFont typeface="Wingdings" pitchFamily="2" charset="2"/>
-              <a:buChar char="l"/>
-            </a:pPr>
+            <a:r>
+              <a:rPr lang="zh-CN" altLang="en-US" sz="3200" b="1" dirty="0" smtClean="0">
+                <a:ln w="1905"/>
+                <a:solidFill>
+                  <a:schemeClr val="bg1"/>
+                </a:solidFill>
+                <a:effectLst>
+                  <a:innerShdw blurRad="69850" dist="43180" dir="5400000">
+                    <a:srgbClr val="000000">
+                      <a:alpha val="65000"/>
+                    </a:srgbClr>
+                  </a:innerShdw>
+                </a:effectLst>
+              </a:rPr>
+              <a:t>程序行总数： </a:t>
+            </a:r>
             <a:r>
               <a:rPr lang="en-US" altLang="zh-CN" sz="3200" b="1" dirty="0" smtClean="0">
                 <a:ln w="1905"/>
@@ -8765,7 +10758,7 @@
                   </a:innerShdw>
                 </a:effectLst>
               </a:rPr>
-              <a:t> </a:t>
+              <a:t>29002 (</a:t>
             </a:r>
             <a:r>
               <a:rPr lang="zh-CN" altLang="en-US" sz="3200" b="1" dirty="0" smtClean="0">
@@ -8781,7 +10774,7 @@
                   </a:innerShdw>
                 </a:effectLst>
               </a:rPr>
-              <a:t>确定</a:t>
+              <a:t>共</a:t>
             </a:r>
             <a:r>
               <a:rPr lang="en-US" altLang="zh-CN" sz="3200" b="1" dirty="0" smtClean="0">
@@ -8797,7 +10790,7 @@
                   </a:innerShdw>
                 </a:effectLst>
               </a:rPr>
-              <a:t>CMM</a:t>
+              <a:t>163</a:t>
             </a:r>
             <a:r>
               <a:rPr lang="zh-CN" altLang="en-US" sz="3200" b="1" dirty="0" smtClean="0">
@@ -8813,23 +10806,142 @@
                   </a:innerShdw>
                 </a:effectLst>
               </a:rPr>
-              <a:t>能力成熟度模型</a:t>
-            </a:r>
-            <a:endParaRPr lang="en-US" altLang="zh-CN" sz="3200" b="1" dirty="0" smtClean="0">
-              <a:ln w="1905"/>
-              <a:solidFill>
-                <a:schemeClr val="bg1"/>
-              </a:solidFill>
-              <a:effectLst>
-                <a:innerShdw blurRad="69850" dist="43180" dir="5400000">
-                  <a:srgbClr val="000000">
-                    <a:alpha val="65000"/>
-                  </a:srgbClr>
-                </a:innerShdw>
-              </a:effectLst>
-            </a:endParaRPr>
-          </a:p>
-          <a:p>
+              <a:t>个文件</a:t>
+            </a:r>
+            <a:r>
+              <a:rPr lang="en-US" altLang="zh-CN" sz="3200" b="1" dirty="0" smtClean="0">
+                <a:ln w="1905"/>
+                <a:solidFill>
+                  <a:schemeClr val="bg1"/>
+                </a:solidFill>
+                <a:effectLst>
+                  <a:innerShdw blurRad="69850" dist="43180" dir="5400000">
+                    <a:srgbClr val="000000">
+                      <a:alpha val="65000"/>
+                    </a:srgbClr>
+                  </a:innerShdw>
+                </a:effectLst>
+              </a:rPr>
+              <a:t>)</a:t>
+            </a:r>
+          </a:p>
+          <a:p>
+            <a:r>
+              <a:rPr lang="zh-CN" altLang="en-US" sz="3200" b="1" dirty="0" smtClean="0">
+                <a:ln w="1905"/>
+                <a:solidFill>
+                  <a:schemeClr val="bg1"/>
+                </a:solidFill>
+                <a:effectLst>
+                  <a:innerShdw blurRad="69850" dist="43180" dir="5400000">
+                    <a:srgbClr val="000000">
+                      <a:alpha val="65000"/>
+                    </a:srgbClr>
+                  </a:innerShdw>
+                </a:effectLst>
+              </a:rPr>
+              <a:t>代码行总数： </a:t>
+            </a:r>
+            <a:r>
+              <a:rPr lang="en-US" altLang="zh-CN" sz="3200" b="1" dirty="0" smtClean="0">
+                <a:ln w="1905"/>
+                <a:solidFill>
+                  <a:schemeClr val="bg1"/>
+                </a:solidFill>
+                <a:effectLst>
+                  <a:innerShdw blurRad="69850" dist="43180" dir="5400000">
+                    <a:srgbClr val="000000">
+                      <a:alpha val="65000"/>
+                    </a:srgbClr>
+                  </a:innerShdw>
+                </a:effectLst>
+              </a:rPr>
+              <a:t>23555 (80.77%)</a:t>
+            </a:r>
+          </a:p>
+          <a:p>
+            <a:r>
+              <a:rPr lang="zh-CN" altLang="en-US" sz="3200" b="1" dirty="0" smtClean="0">
+                <a:ln w="1905"/>
+                <a:solidFill>
+                  <a:schemeClr val="bg1"/>
+                </a:solidFill>
+                <a:effectLst>
+                  <a:innerShdw blurRad="69850" dist="43180" dir="5400000">
+                    <a:srgbClr val="000000">
+                      <a:alpha val="65000"/>
+                    </a:srgbClr>
+                  </a:innerShdw>
+                </a:effectLst>
+              </a:rPr>
+              <a:t>注释行总数： </a:t>
+            </a:r>
+            <a:r>
+              <a:rPr lang="en-US" altLang="zh-CN" sz="3200" b="1" dirty="0" smtClean="0">
+                <a:ln w="1905"/>
+                <a:solidFill>
+                  <a:schemeClr val="bg1"/>
+                </a:solidFill>
+                <a:effectLst>
+                  <a:innerShdw blurRad="69850" dist="43180" dir="5400000">
+                    <a:srgbClr val="000000">
+                      <a:alpha val="65000"/>
+                    </a:srgbClr>
+                  </a:innerShdw>
+                </a:effectLst>
+              </a:rPr>
+              <a:t>2564 (8.79%)</a:t>
+            </a:r>
+          </a:p>
+          <a:p>
+            <a:r>
+              <a:rPr lang="zh-CN" altLang="en-US" sz="3200" b="1" dirty="0" smtClean="0">
+                <a:ln w="1905"/>
+                <a:solidFill>
+                  <a:schemeClr val="bg1"/>
+                </a:solidFill>
+                <a:effectLst>
+                  <a:innerShdw blurRad="69850" dist="43180" dir="5400000">
+                    <a:srgbClr val="000000">
+                      <a:alpha val="65000"/>
+                    </a:srgbClr>
+                  </a:innerShdw>
+                </a:effectLst>
+              </a:rPr>
+              <a:t>空白行总数： </a:t>
+            </a:r>
+            <a:r>
+              <a:rPr lang="en-US" altLang="zh-CN" sz="3200" b="1" dirty="0" smtClean="0">
+                <a:ln w="1905"/>
+                <a:solidFill>
+                  <a:schemeClr val="bg1"/>
+                </a:solidFill>
+                <a:effectLst>
+                  <a:innerShdw blurRad="69850" dist="43180" dir="5400000">
+                    <a:srgbClr val="000000">
+                      <a:alpha val="65000"/>
+                    </a:srgbClr>
+                  </a:innerShdw>
+                </a:effectLst>
+              </a:rPr>
+              <a:t>3045 (10.44</a:t>
+            </a:r>
+            <a:r>
+              <a:rPr lang="en-US" altLang="zh-CN" sz="3200" b="1" dirty="0" smtClean="0">
+                <a:ln w="1905"/>
+                <a:solidFill>
+                  <a:schemeClr val="bg1"/>
+                </a:solidFill>
+                <a:effectLst>
+                  <a:innerShdw blurRad="69850" dist="43180" dir="5400000">
+                    <a:srgbClr val="000000">
+                      <a:alpha val="65000"/>
+                    </a:srgbClr>
+                  </a:innerShdw>
+                </a:effectLst>
+              </a:rPr>
+              <a:t>%)</a:t>
+            </a:r>
             <a:endParaRPr lang="en-US" altLang="zh-CN" sz="3200" b="1" dirty="0" smtClean="0">
               <a:ln w="1905"/>
               <a:solidFill>
@@ -8890,8 +11002,8 @@
         </p:nvSpPr>
         <p:spPr>
           <a:xfrm>
-            <a:off x="428596" y="928670"/>
-            <a:ext cx="8215370" cy="1114420"/>
+            <a:off x="500034" y="214290"/>
+            <a:ext cx="7851648" cy="1828800"/>
           </a:xfrm>
         </p:spPr>
         <p:txBody>
@@ -8905,15 +11017,15 @@
                   <a:srgbClr val="FFC000"/>
                 </a:solidFill>
               </a:rPr>
-              <a:t>确定</a:t>
-            </a:r>
-            <a:r>
-              <a:rPr lang="en-US" altLang="zh-CN" dirty="0" smtClean="0">
+              <a:t>我们</a:t>
+            </a:r>
+            <a:r>
+              <a:rPr lang="zh-CN" altLang="en-US" dirty="0" smtClean="0">
                 <a:solidFill>
                   <a:srgbClr val="FFC000"/>
                 </a:solidFill>
               </a:rPr>
-              <a:t>CMM</a:t>
+              <a:t>的</a:t>
             </a:r>
             <a:r>
               <a:rPr lang="zh-CN" altLang="en-US" dirty="0" smtClean="0">
@@ -8921,7 +11033,7 @@
                   <a:srgbClr val="FFC000"/>
                 </a:solidFill>
               </a:rPr>
-              <a:t>能力成熟度模型</a:t>
+              <a:t>工作</a:t>
             </a:r>
             <a:endParaRPr lang="zh-CN" altLang="en-US" dirty="0">
               <a:solidFill>
@@ -8933,14 +11045,14 @@
       </p:sp>
       <p:sp>
         <p:nvSpPr>
-          <p:cNvPr id="4" name="矩形 3"/>
+          <p:cNvPr id="5" name="矩形 4"/>
           <p:cNvSpPr/>
           <p:nvPr/>
         </p:nvSpPr>
         <p:spPr>
           <a:xfrm>
-            <a:off x="428596" y="2500306"/>
-            <a:ext cx="8215370" cy="2308324"/>
+            <a:off x="642910" y="2428868"/>
+            <a:ext cx="5977470" cy="3046988"/>
           </a:xfrm>
           <a:prstGeom prst="rect">
             <a:avLst/>
@@ -8948,175 +11060,330 @@
           <a:noFill/>
         </p:spPr>
         <p:txBody>
-          <a:bodyPr wrap="square" lIns="91440" tIns="45720" rIns="91440" bIns="45720">
+          <a:bodyPr wrap="none" lIns="91440" tIns="45720" rIns="91440" bIns="45720">
             <a:spAutoFit/>
           </a:bodyPr>
           <a:lstStyle/>
           <a:p>
             <a:r>
-              <a:rPr lang="zh-CN" altLang="en-US" sz="3200" dirty="0" smtClean="0">
-                <a:latin typeface="Calibri" pitchFamily="34" charset="0"/>
-              </a:rPr>
-              <a:t>        </a:t>
-            </a:r>
-            <a:r>
-              <a:rPr lang="zh-CN" altLang="en-US" sz="2800" b="1" dirty="0" smtClean="0">
-                <a:solidFill>
-                  <a:schemeClr val="bg1"/>
-                </a:solidFill>
-                <a:latin typeface="Calibri" pitchFamily="34" charset="0"/>
-              </a:rPr>
-              <a:t>在我们看来，</a:t>
-            </a:r>
-            <a:r>
-              <a:rPr lang="en-US" altLang="zh-CN" sz="2800" b="1" dirty="0" smtClean="0">
-                <a:solidFill>
-                  <a:schemeClr val="bg1"/>
-                </a:solidFill>
-                <a:latin typeface="Calibri" pitchFamily="34" charset="0"/>
-              </a:rPr>
-              <a:t>1</a:t>
-            </a:r>
-            <a:r>
-              <a:rPr lang="zh-CN" altLang="en-US" sz="2800" b="1" dirty="0" smtClean="0">
-                <a:solidFill>
-                  <a:schemeClr val="bg1"/>
-                </a:solidFill>
-                <a:latin typeface="Calibri" pitchFamily="34" charset="0"/>
-              </a:rPr>
-              <a:t>级的组织经常碰壁，</a:t>
-            </a:r>
-            <a:r>
-              <a:rPr lang="en-US" altLang="zh-CN" sz="2800" b="1" dirty="0" smtClean="0">
-                <a:solidFill>
-                  <a:schemeClr val="bg1"/>
-                </a:solidFill>
-                <a:latin typeface="Calibri" pitchFamily="34" charset="0"/>
-              </a:rPr>
-              <a:t>2</a:t>
-            </a:r>
-            <a:r>
-              <a:rPr lang="zh-CN" altLang="en-US" sz="2800" b="1" dirty="0" smtClean="0">
-                <a:solidFill>
-                  <a:schemeClr val="bg1"/>
-                </a:solidFill>
-                <a:latin typeface="Calibri" pitchFamily="34" charset="0"/>
-              </a:rPr>
-              <a:t>级和</a:t>
-            </a:r>
-            <a:r>
-              <a:rPr lang="en-US" altLang="zh-CN" sz="2800" b="1" dirty="0" smtClean="0">
-                <a:solidFill>
-                  <a:schemeClr val="bg1"/>
-                </a:solidFill>
-                <a:latin typeface="Calibri" pitchFamily="34" charset="0"/>
-              </a:rPr>
-              <a:t>3</a:t>
-            </a:r>
-            <a:r>
-              <a:rPr lang="zh-CN" altLang="en-US" sz="2800" b="1" dirty="0" smtClean="0">
-                <a:solidFill>
-                  <a:schemeClr val="bg1"/>
-                </a:solidFill>
-                <a:latin typeface="Calibri" pitchFamily="34" charset="0"/>
-              </a:rPr>
-              <a:t>级</a:t>
-            </a:r>
-            <a:endParaRPr lang="en-US" altLang="zh-CN" sz="2800" b="1" dirty="0" smtClean="0">
+              <a:rPr lang="zh-CN" altLang="en-US" sz="3200" b="1" dirty="0" smtClean="0">
+                <a:ln w="1905"/>
+                <a:solidFill>
+                  <a:schemeClr val="bg1"/>
+                </a:solidFill>
+                <a:effectLst>
+                  <a:innerShdw blurRad="69850" dist="43180" dir="5400000">
+                    <a:srgbClr val="000000">
+                      <a:alpha val="65000"/>
+                    </a:srgbClr>
+                  </a:innerShdw>
+                </a:effectLst>
+              </a:rPr>
+              <a:t>代码量统计</a:t>
+            </a:r>
+          </a:p>
+          <a:p>
+            <a:r>
+              <a:rPr lang="zh-CN" altLang="en-US" sz="3200" b="1" dirty="0" smtClean="0">
+                <a:ln w="1905"/>
+                <a:solidFill>
+                  <a:schemeClr val="bg1"/>
+                </a:solidFill>
+                <a:effectLst>
+                  <a:innerShdw blurRad="69850" dist="43180" dir="5400000">
+                    <a:srgbClr val="000000">
+                      <a:alpha val="65000"/>
+                    </a:srgbClr>
+                  </a:innerShdw>
+                </a:effectLst>
+              </a:rPr>
+              <a:t>测试代码</a:t>
+            </a:r>
+            <a:endParaRPr lang="zh-CN" altLang="en-US" sz="3200" b="1" dirty="0" smtClean="0">
+              <a:ln w="1905"/>
               <a:solidFill>
                 <a:schemeClr val="bg1"/>
               </a:solidFill>
-              <a:latin typeface="Calibri" pitchFamily="34" charset="0"/>
+              <a:effectLst>
+                <a:innerShdw blurRad="69850" dist="43180" dir="5400000">
+                  <a:srgbClr val="000000">
+                    <a:alpha val="65000"/>
+                  </a:srgbClr>
+                </a:innerShdw>
+              </a:effectLst>
             </a:endParaRPr>
           </a:p>
           <a:p>
             <a:r>
-              <a:rPr lang="zh-CN" altLang="en-US" sz="2800" b="1" dirty="0" smtClean="0">
-                <a:solidFill>
-                  <a:schemeClr val="bg1"/>
-                </a:solidFill>
-                <a:latin typeface="Calibri" pitchFamily="34" charset="0"/>
-              </a:rPr>
-              <a:t>的组织开始知道壁垒在哪里，而</a:t>
-            </a:r>
-            <a:r>
-              <a:rPr lang="en-US" altLang="zh-CN" sz="2800" b="1" dirty="0" smtClean="0">
-                <a:solidFill>
-                  <a:schemeClr val="bg1"/>
-                </a:solidFill>
-                <a:latin typeface="Calibri" pitchFamily="34" charset="0"/>
-              </a:rPr>
-              <a:t>4</a:t>
-            </a:r>
-            <a:r>
-              <a:rPr lang="zh-CN" altLang="en-US" sz="2800" b="1" dirty="0" smtClean="0">
-                <a:solidFill>
-                  <a:schemeClr val="bg1"/>
-                </a:solidFill>
-                <a:latin typeface="Calibri" pitchFamily="34" charset="0"/>
-              </a:rPr>
-              <a:t>级和</a:t>
-            </a:r>
-            <a:r>
-              <a:rPr lang="en-US" altLang="zh-CN" sz="2800" b="1" dirty="0" smtClean="0">
-                <a:solidFill>
-                  <a:schemeClr val="bg1"/>
-                </a:solidFill>
-                <a:latin typeface="Calibri" pitchFamily="34" charset="0"/>
-              </a:rPr>
-              <a:t>5</a:t>
-            </a:r>
-            <a:r>
-              <a:rPr lang="zh-CN" altLang="en-US" sz="2800" b="1" dirty="0" smtClean="0">
-                <a:solidFill>
-                  <a:schemeClr val="bg1"/>
-                </a:solidFill>
-                <a:latin typeface="Calibri" pitchFamily="34" charset="0"/>
-              </a:rPr>
-              <a:t>级的组织</a:t>
-            </a:r>
-            <a:endParaRPr lang="en-US" altLang="zh-CN" sz="2800" b="1" dirty="0" smtClean="0">
+              <a:rPr lang="zh-CN" altLang="en-US" sz="3200" b="1" dirty="0" smtClean="0">
+                <a:ln w="1905"/>
+                <a:solidFill>
+                  <a:schemeClr val="bg1"/>
+                </a:solidFill>
+                <a:effectLst>
+                  <a:innerShdw blurRad="69850" dist="43180" dir="5400000">
+                    <a:srgbClr val="000000">
+                      <a:alpha val="65000"/>
+                    </a:srgbClr>
+                  </a:innerShdw>
+                </a:effectLst>
+              </a:rPr>
+              <a:t>程序行总数：</a:t>
+            </a:r>
+            <a:r>
+              <a:rPr lang="en-US" altLang="en-US" sz="3200" b="1" dirty="0" smtClean="0">
+                <a:ln w="1905"/>
+                <a:solidFill>
+                  <a:schemeClr val="bg1"/>
+                </a:solidFill>
+                <a:effectLst>
+                  <a:innerShdw blurRad="69850" dist="43180" dir="5400000">
+                    <a:srgbClr val="000000">
+                      <a:alpha val="65000"/>
+                    </a:srgbClr>
+                  </a:innerShdw>
+                </a:effectLst>
+              </a:rPr>
+              <a:t> </a:t>
+            </a:r>
+            <a:r>
+              <a:rPr lang="en-US" altLang="en-US" sz="3200" b="1" dirty="0" smtClean="0">
+                <a:ln w="1905"/>
+                <a:solidFill>
+                  <a:schemeClr val="bg1"/>
+                </a:solidFill>
+                <a:effectLst>
+                  <a:innerShdw blurRad="69850" dist="43180" dir="5400000">
+                    <a:srgbClr val="000000">
+                      <a:alpha val="65000"/>
+                    </a:srgbClr>
+                  </a:innerShdw>
+                </a:effectLst>
+              </a:rPr>
+              <a:t>2077 </a:t>
+            </a:r>
+            <a:r>
+              <a:rPr lang="en-US" altLang="en-US" sz="3200" b="1" dirty="0" smtClean="0">
+                <a:ln w="1905"/>
+                <a:solidFill>
+                  <a:schemeClr val="bg1"/>
+                </a:solidFill>
+                <a:effectLst>
+                  <a:innerShdw blurRad="69850" dist="43180" dir="5400000">
+                    <a:srgbClr val="000000">
+                      <a:alpha val="65000"/>
+                    </a:srgbClr>
+                  </a:innerShdw>
+                </a:effectLst>
+              </a:rPr>
+              <a:t>(</a:t>
+            </a:r>
+            <a:r>
+              <a:rPr lang="zh-CN" altLang="en-US" sz="3200" b="1" dirty="0" smtClean="0">
+                <a:ln w="1905"/>
+                <a:solidFill>
+                  <a:schemeClr val="bg1"/>
+                </a:solidFill>
+                <a:effectLst>
+                  <a:innerShdw blurRad="69850" dist="43180" dir="5400000">
+                    <a:srgbClr val="000000">
+                      <a:alpha val="65000"/>
+                    </a:srgbClr>
+                  </a:innerShdw>
+                </a:effectLst>
+              </a:rPr>
+              <a:t>共</a:t>
+            </a:r>
+            <a:r>
+              <a:rPr lang="en-US" altLang="en-US" sz="3200" b="1" dirty="0" smtClean="0">
+                <a:ln w="1905"/>
+                <a:solidFill>
+                  <a:schemeClr val="bg1"/>
+                </a:solidFill>
+                <a:effectLst>
+                  <a:innerShdw blurRad="69850" dist="43180" dir="5400000">
+                    <a:srgbClr val="000000">
+                      <a:alpha val="65000"/>
+                    </a:srgbClr>
+                  </a:innerShdw>
+                </a:effectLst>
+              </a:rPr>
+              <a:t>13</a:t>
+            </a:r>
+            <a:r>
+              <a:rPr lang="zh-CN" altLang="en-US" sz="3200" b="1" dirty="0" smtClean="0">
+                <a:ln w="1905"/>
+                <a:solidFill>
+                  <a:schemeClr val="bg1"/>
+                </a:solidFill>
+                <a:effectLst>
+                  <a:innerShdw blurRad="69850" dist="43180" dir="5400000">
+                    <a:srgbClr val="000000">
+                      <a:alpha val="65000"/>
+                    </a:srgbClr>
+                  </a:innerShdw>
+                </a:effectLst>
+              </a:rPr>
+              <a:t>个文件</a:t>
+            </a:r>
+            <a:r>
+              <a:rPr lang="en-US" altLang="en-US" sz="3200" b="1" dirty="0" smtClean="0">
+                <a:ln w="1905"/>
+                <a:solidFill>
+                  <a:schemeClr val="bg1"/>
+                </a:solidFill>
+                <a:effectLst>
+                  <a:innerShdw blurRad="69850" dist="43180" dir="5400000">
+                    <a:srgbClr val="000000">
+                      <a:alpha val="65000"/>
+                    </a:srgbClr>
+                  </a:innerShdw>
+                </a:effectLst>
+              </a:rPr>
+              <a:t>)</a:t>
+            </a:r>
+            <a:endParaRPr lang="zh-CN" altLang="en-US" sz="3200" b="1" dirty="0" smtClean="0">
+              <a:ln w="1905"/>
               <a:solidFill>
                 <a:schemeClr val="bg1"/>
               </a:solidFill>
-              <a:latin typeface="Calibri" pitchFamily="34" charset="0"/>
+              <a:effectLst>
+                <a:innerShdw blurRad="69850" dist="43180" dir="5400000">
+                  <a:srgbClr val="000000">
+                    <a:alpha val="65000"/>
+                  </a:srgbClr>
+                </a:innerShdw>
+              </a:effectLst>
             </a:endParaRPr>
           </a:p>
           <a:p>
             <a:r>
-              <a:rPr lang="zh-CN" altLang="en-US" sz="2800" b="1" dirty="0" smtClean="0">
-                <a:solidFill>
-                  <a:schemeClr val="bg1"/>
-                </a:solidFill>
-                <a:latin typeface="Calibri" pitchFamily="34" charset="0"/>
-              </a:rPr>
-              <a:t>开始在为他们的竞争对手设置壁垒。</a:t>
-            </a:r>
-          </a:p>
-          <a:p>
-            <a:pPr algn="r"/>
-            <a:r>
-              <a:rPr lang="en-US" altLang="zh-CN" sz="2800" b="1" dirty="0" smtClean="0">
-                <a:solidFill>
-                  <a:schemeClr val="bg1"/>
-                </a:solidFill>
-                <a:latin typeface="Calibri" pitchFamily="34" charset="0"/>
-              </a:rPr>
-              <a:t>——John Major</a:t>
-            </a:r>
-          </a:p>
-          <a:p>
-            <a:pPr algn="r"/>
-            <a:r>
-              <a:rPr lang="zh-CN" altLang="en-US" sz="2800" b="1" dirty="0" smtClean="0">
-                <a:solidFill>
-                  <a:schemeClr val="bg1"/>
-                </a:solidFill>
-                <a:latin typeface="Calibri" pitchFamily="34" charset="0"/>
-              </a:rPr>
-              <a:t>（摩托罗拉软件方案部前高级副总裁）</a:t>
-            </a:r>
-            <a:endParaRPr lang="en-US" altLang="zh-CN" sz="2800" b="1" dirty="0" smtClean="0">
+              <a:rPr lang="zh-CN" altLang="en-US" sz="3200" b="1" dirty="0" smtClean="0">
+                <a:ln w="1905"/>
+                <a:solidFill>
+                  <a:schemeClr val="bg1"/>
+                </a:solidFill>
+                <a:effectLst>
+                  <a:innerShdw blurRad="69850" dist="43180" dir="5400000">
+                    <a:srgbClr val="000000">
+                      <a:alpha val="65000"/>
+                    </a:srgbClr>
+                  </a:innerShdw>
+                </a:effectLst>
+              </a:rPr>
+              <a:t>代码行总数：</a:t>
+            </a:r>
+            <a:r>
+              <a:rPr lang="en-US" altLang="en-US" sz="3200" b="1" dirty="0" smtClean="0">
+                <a:ln w="1905"/>
+                <a:solidFill>
+                  <a:schemeClr val="bg1"/>
+                </a:solidFill>
+                <a:effectLst>
+                  <a:innerShdw blurRad="69850" dist="43180" dir="5400000">
+                    <a:srgbClr val="000000">
+                      <a:alpha val="65000"/>
+                    </a:srgbClr>
+                  </a:innerShdw>
+                </a:effectLst>
+              </a:rPr>
+              <a:t> 1087 (52.34%)</a:t>
+            </a:r>
+            <a:endParaRPr lang="zh-CN" altLang="en-US" sz="3200" b="1" dirty="0" smtClean="0">
+              <a:ln w="1905"/>
+              <a:solidFill>
+                <a:schemeClr val="bg1"/>
+              </a:solidFill>
+              <a:effectLst>
+                <a:innerShdw blurRad="69850" dist="43180" dir="5400000">
+                  <a:srgbClr val="000000">
+                    <a:alpha val="65000"/>
+                  </a:srgbClr>
+                </a:innerShdw>
+              </a:effectLst>
+            </a:endParaRPr>
+          </a:p>
+          <a:p>
+            <a:r>
+              <a:rPr lang="zh-CN" altLang="en-US" sz="3200" b="1" dirty="0" smtClean="0">
+                <a:ln w="1905"/>
+                <a:solidFill>
+                  <a:schemeClr val="bg1"/>
+                </a:solidFill>
+                <a:effectLst>
+                  <a:innerShdw blurRad="69850" dist="43180" dir="5400000">
+                    <a:srgbClr val="000000">
+                      <a:alpha val="65000"/>
+                    </a:srgbClr>
+                  </a:innerShdw>
+                </a:effectLst>
+              </a:rPr>
+              <a:t>注释行总数：</a:t>
+            </a:r>
+            <a:r>
+              <a:rPr lang="en-US" altLang="en-US" sz="3200" b="1" dirty="0" smtClean="0">
+                <a:ln w="1905"/>
+                <a:solidFill>
+                  <a:schemeClr val="bg1"/>
+                </a:solidFill>
+                <a:effectLst>
+                  <a:innerShdw blurRad="69850" dist="43180" dir="5400000">
+                    <a:srgbClr val="000000">
+                      <a:alpha val="65000"/>
+                    </a:srgbClr>
+                  </a:innerShdw>
+                </a:effectLst>
+              </a:rPr>
+              <a:t> 784 (37.75%)</a:t>
+            </a:r>
+            <a:endParaRPr lang="zh-CN" altLang="en-US" sz="3200" b="1" dirty="0" smtClean="0">
+              <a:ln w="1905"/>
+              <a:solidFill>
+                <a:schemeClr val="bg1"/>
+              </a:solidFill>
+              <a:effectLst>
+                <a:innerShdw blurRad="69850" dist="43180" dir="5400000">
+                  <a:srgbClr val="000000">
+                    <a:alpha val="65000"/>
+                  </a:srgbClr>
+                </a:innerShdw>
+              </a:effectLst>
+            </a:endParaRPr>
+          </a:p>
+          <a:p>
+            <a:r>
+              <a:rPr lang="zh-CN" altLang="en-US" sz="3200" b="1" dirty="0" smtClean="0">
+                <a:ln w="1905"/>
+                <a:solidFill>
+                  <a:schemeClr val="bg1"/>
+                </a:solidFill>
+                <a:effectLst>
+                  <a:innerShdw blurRad="69850" dist="43180" dir="5400000">
+                    <a:srgbClr val="000000">
+                      <a:alpha val="65000"/>
+                    </a:srgbClr>
+                  </a:innerShdw>
+                </a:effectLst>
+              </a:rPr>
+              <a:t>空白行总数：</a:t>
+            </a:r>
+            <a:r>
+              <a:rPr lang="en-US" altLang="en-US" sz="3200" b="1" dirty="0" smtClean="0">
+                <a:ln w="1905"/>
+                <a:solidFill>
+                  <a:schemeClr val="bg1"/>
+                </a:solidFill>
+                <a:effectLst>
+                  <a:innerShdw blurRad="69850" dist="43180" dir="5400000">
+                    <a:srgbClr val="000000">
+                      <a:alpha val="65000"/>
+                    </a:srgbClr>
+                  </a:innerShdw>
+                </a:effectLst>
+              </a:rPr>
+              <a:t> 206 (9.92%)</a:t>
+            </a:r>
+            <a:endParaRPr lang="en-US" altLang="zh-CN" sz="3200" b="1" dirty="0" smtClean="0">
               <a:ln w="1905"/>
               <a:solidFill>
                 <a:schemeClr val="bg1"/>
@@ -9176,8 +11443,8 @@
         </p:nvSpPr>
         <p:spPr>
           <a:xfrm>
-            <a:off x="1928794" y="642918"/>
-            <a:ext cx="5610236" cy="1057284"/>
+            <a:off x="428596" y="285728"/>
+            <a:ext cx="7851648" cy="1114420"/>
           </a:xfrm>
         </p:spPr>
         <p:txBody>
@@ -9186,231 +11453,17 @@
           <a:p>
             <a:pPr algn="l"/>
             <a:r>
-              <a:rPr lang="en-US" altLang="zh-CN" dirty="0" smtClean="0">
+              <a:rPr lang="zh-CN" altLang="en-US" dirty="0" smtClean="0">
                 <a:solidFill>
                   <a:srgbClr val="FFC000"/>
                 </a:solidFill>
               </a:rPr>
-              <a:t>CMM</a:t>
-            </a:r>
-            <a:r>
-              <a:rPr lang="zh-CN" altLang="en-US" dirty="0" smtClean="0">
-                <a:solidFill>
-                  <a:srgbClr val="FFC000"/>
-                </a:solidFill>
-              </a:rPr>
-              <a:t>的五个级别</a:t>
+              <a:t>我们的工作</a:t>
             </a:r>
             <a:endParaRPr lang="zh-CN" altLang="en-US" dirty="0">
               <a:solidFill>
                 <a:srgbClr val="FFC000"/>
               </a:solidFill>
-            </a:endParaRPr>
-          </a:p>
-        </p:txBody>
-      </p:sp>
-      <p:sp>
-        <p:nvSpPr>
-          <p:cNvPr id="4" name="矩形 3"/>
-          <p:cNvSpPr/>
-          <p:nvPr/>
-        </p:nvSpPr>
-        <p:spPr>
-          <a:xfrm>
-            <a:off x="1428728" y="2071678"/>
-            <a:ext cx="2714644" cy="2800767"/>
-          </a:xfrm>
-          <a:prstGeom prst="rect">
-            <a:avLst/>
-          </a:prstGeom>
-          <a:noFill/>
-        </p:spPr>
-        <p:txBody>
-          <a:bodyPr wrap="square" lIns="91440" tIns="45720" rIns="91440" bIns="45720">
-            <a:spAutoFit/>
-          </a:bodyPr>
-          <a:lstStyle/>
-          <a:p>
-            <a:pPr>
-              <a:lnSpc>
-                <a:spcPct val="150000"/>
-              </a:lnSpc>
-              <a:buFont typeface="Wingdings" pitchFamily="2" charset="2"/>
-              <a:buChar char="l"/>
-            </a:pPr>
-            <a:r>
-              <a:rPr lang="en-US" altLang="zh-CN" sz="3200" b="1" dirty="0" smtClean="0">
-                <a:ln w="1905"/>
-                <a:solidFill>
-                  <a:schemeClr val="bg1">
-                    <a:lumMod val="95000"/>
-                    <a:lumOff val="5000"/>
-                  </a:schemeClr>
-                </a:solidFill>
-                <a:effectLst>
-                  <a:innerShdw blurRad="69850" dist="43180" dir="5400000">
-                    <a:srgbClr val="000000">
-                      <a:alpha val="65000"/>
-                    </a:srgbClr>
-                  </a:innerShdw>
-                </a:effectLst>
-              </a:rPr>
-              <a:t> </a:t>
-            </a:r>
-            <a:r>
-              <a:rPr lang="zh-CN" altLang="en-US" sz="3200" b="1" dirty="0" smtClean="0">
-                <a:ln w="1905"/>
-                <a:solidFill>
-                  <a:schemeClr val="bg1">
-                    <a:lumMod val="95000"/>
-                    <a:lumOff val="5000"/>
-                  </a:schemeClr>
-                </a:solidFill>
-                <a:effectLst>
-                  <a:innerShdw blurRad="69850" dist="43180" dir="5400000">
-                    <a:srgbClr val="000000">
-                      <a:alpha val="65000"/>
-                    </a:srgbClr>
-                  </a:innerShdw>
-                </a:effectLst>
-              </a:rPr>
-              <a:t>初始级</a:t>
-            </a:r>
-            <a:endParaRPr lang="en-US" altLang="zh-CN" sz="3200" b="1" dirty="0" smtClean="0">
-              <a:ln w="1905"/>
-              <a:solidFill>
-                <a:schemeClr val="bg1"/>
-              </a:solidFill>
-              <a:effectLst>
-                <a:innerShdw blurRad="69850" dist="43180" dir="5400000">
-                  <a:srgbClr val="000000">
-                    <a:alpha val="65000"/>
-                  </a:srgbClr>
-                </a:innerShdw>
-              </a:effectLst>
-            </a:endParaRPr>
-          </a:p>
-          <a:p>
-            <a:pPr>
-              <a:lnSpc>
-                <a:spcPct val="150000"/>
-              </a:lnSpc>
-              <a:buFont typeface="Wingdings" pitchFamily="2" charset="2"/>
-              <a:buChar char="l"/>
-            </a:pPr>
-            <a:r>
-              <a:rPr lang="en-US" altLang="zh-CN" sz="3200" b="1" dirty="0" smtClean="0">
-                <a:ln w="1905"/>
-                <a:solidFill>
-                  <a:schemeClr val="bg1"/>
-                </a:solidFill>
-                <a:effectLst>
-                  <a:innerShdw blurRad="69850" dist="43180" dir="5400000">
-                    <a:srgbClr val="000000">
-                      <a:alpha val="65000"/>
-                    </a:srgbClr>
-                  </a:innerShdw>
-                </a:effectLst>
-              </a:rPr>
-              <a:t> </a:t>
-            </a:r>
-            <a:r>
-              <a:rPr lang="zh-CN" altLang="en-US" sz="3200" b="1" dirty="0" smtClean="0">
-                <a:ln w="1905"/>
-                <a:solidFill>
-                  <a:schemeClr val="bg1"/>
-                </a:solidFill>
-                <a:effectLst>
-                  <a:innerShdw blurRad="69850" dist="43180" dir="5400000">
-                    <a:srgbClr val="000000">
-                      <a:alpha val="65000"/>
-                    </a:srgbClr>
-                  </a:innerShdw>
-                </a:effectLst>
-              </a:rPr>
-              <a:t>已定义级</a:t>
-            </a:r>
-            <a:endParaRPr lang="en-US" altLang="zh-CN" sz="3200" b="1" dirty="0" smtClean="0">
-              <a:ln w="1905"/>
-              <a:solidFill>
-                <a:schemeClr val="bg1"/>
-              </a:solidFill>
-              <a:effectLst>
-                <a:innerShdw blurRad="69850" dist="43180" dir="5400000">
-                  <a:srgbClr val="000000">
-                    <a:alpha val="65000"/>
-                  </a:srgbClr>
-                </a:innerShdw>
-              </a:effectLst>
-            </a:endParaRPr>
-          </a:p>
-          <a:p>
-            <a:pPr>
-              <a:lnSpc>
-                <a:spcPct val="150000"/>
-              </a:lnSpc>
-              <a:buFont typeface="Wingdings" pitchFamily="2" charset="2"/>
-              <a:buChar char="l"/>
-            </a:pPr>
-            <a:r>
-              <a:rPr lang="en-US" altLang="zh-CN" sz="3200" b="1" dirty="0" smtClean="0">
-                <a:ln w="1905"/>
-                <a:solidFill>
-                  <a:schemeClr val="bg1"/>
-                </a:solidFill>
-                <a:effectLst>
-                  <a:innerShdw blurRad="69850" dist="43180" dir="5400000">
-                    <a:srgbClr val="000000">
-                      <a:alpha val="65000"/>
-                    </a:srgbClr>
-                  </a:innerShdw>
-                </a:effectLst>
-              </a:rPr>
-              <a:t> </a:t>
-            </a:r>
-            <a:r>
-              <a:rPr lang="zh-CN" altLang="en-US" sz="3200" b="1" dirty="0" smtClean="0">
-                <a:ln w="1905"/>
-                <a:solidFill>
-                  <a:schemeClr val="bg1"/>
-                </a:solidFill>
-                <a:effectLst>
-                  <a:innerShdw blurRad="69850" dist="43180" dir="5400000">
-                    <a:srgbClr val="000000">
-                      <a:alpha val="65000"/>
-                    </a:srgbClr>
-                  </a:innerShdw>
-                </a:effectLst>
-              </a:rPr>
-              <a:t>优化级</a:t>
-            </a:r>
-            <a:endParaRPr lang="en-US" altLang="zh-CN" sz="3200" b="1" dirty="0" smtClean="0">
-              <a:ln w="1905"/>
-              <a:solidFill>
-                <a:schemeClr val="bg1"/>
-              </a:solidFill>
-              <a:effectLst>
-                <a:innerShdw blurRad="69850" dist="43180" dir="5400000">
-                  <a:srgbClr val="000000">
-                    <a:alpha val="65000"/>
-                  </a:srgbClr>
-                </a:innerShdw>
-              </a:effectLst>
-            </a:endParaRPr>
-          </a:p>
-          <a:p>
-            <a:endParaRPr lang="en-US" altLang="zh-CN" sz="3200" b="1" dirty="0" smtClean="0">
-              <a:ln w="1905"/>
-              <a:solidFill>
-                <a:srgbClr val="C7EB13"/>
-              </a:solidFill>
-              <a:effectLst>
-                <a:innerShdw blurRad="69850" dist="43180" dir="5400000">
-                  <a:srgbClr val="000000">
-                    <a:alpha val="65000"/>
-                  </a:srgbClr>
-                </a:innerShdw>
-              </a:effectLst>
             </a:endParaRPr>
           </a:p>
         </p:txBody>
@@ -9423,150 +11476,127 @@
         </p:nvSpPr>
         <p:spPr>
           <a:xfrm>
-            <a:off x="5214942" y="2000240"/>
-            <a:ext cx="2236510" cy="2308324"/>
+            <a:off x="5429256" y="714356"/>
+            <a:ext cx="1808508" cy="584775"/>
+          </a:xfrm>
+          <a:prstGeom prst="rect">
+            <a:avLst/>
+          </a:prstGeom>
+          <a:noFill/>
+        </p:spPr>
+        <p:txBody>
+          <a:bodyPr wrap="none" lIns="91440" tIns="45720" rIns="91440" bIns="45720">
+            <a:spAutoFit/>
+          </a:bodyPr>
+          <a:lstStyle/>
+          <a:p>
+            <a:r>
+              <a:rPr lang="en-US" altLang="zh-CN" sz="3200" b="1" dirty="0" smtClean="0">
+                <a:ln w="1905"/>
+                <a:solidFill>
+                  <a:schemeClr val="bg1"/>
+                </a:solidFill>
+                <a:effectLst>
+                  <a:innerShdw blurRad="69850" dist="43180" dir="5400000">
+                    <a:srgbClr val="000000">
+                      <a:alpha val="65000"/>
+                    </a:srgbClr>
+                  </a:innerShdw>
+                </a:effectLst>
+              </a:rPr>
+              <a:t>SVN</a:t>
+            </a:r>
+            <a:r>
+              <a:rPr lang="zh-CN" altLang="en-US" sz="3200" b="1" dirty="0" smtClean="0">
+                <a:ln w="1905"/>
+                <a:solidFill>
+                  <a:schemeClr val="bg1"/>
+                </a:solidFill>
+                <a:effectLst>
+                  <a:innerShdw blurRad="69850" dist="43180" dir="5400000">
+                    <a:srgbClr val="000000">
+                      <a:alpha val="65000"/>
+                    </a:srgbClr>
+                  </a:innerShdw>
+                </a:effectLst>
+              </a:rPr>
+              <a:t>状态</a:t>
+            </a:r>
+          </a:p>
+        </p:txBody>
+      </p:sp>
+      <p:pic>
+        <p:nvPicPr>
+          <p:cNvPr id="6" name="图片 5" descr="1.wmf"/>
+          <p:cNvPicPr>
+            <a:picLocks noChangeAspect="1"/>
+          </p:cNvPicPr>
+          <p:nvPr/>
+        </p:nvPicPr>
+        <p:blipFill>
+          <a:blip r:embed="rId2"/>
+          <a:stretch>
+            <a:fillRect/>
+          </a:stretch>
+        </p:blipFill>
+        <p:spPr>
+          <a:xfrm>
+            <a:off x="5704128" y="1571612"/>
+            <a:ext cx="3439872" cy="1660399"/>
           </a:xfrm>
           <a:prstGeom prst="rect">
             <a:avLst/>
           </a:prstGeom>
         </p:spPr>
-        <p:txBody>
-          <a:bodyPr wrap="none">
-            <a:spAutoFit/>
-          </a:bodyPr>
-          <a:lstStyle/>
-          <a:p>
-            <a:pPr lvl="0">
-              <a:lnSpc>
-                <a:spcPct val="150000"/>
-              </a:lnSpc>
-              <a:buFont typeface="Wingdings" pitchFamily="2" charset="2"/>
-              <a:buChar char="l"/>
-            </a:pPr>
-            <a:r>
-              <a:rPr lang="en-US" altLang="zh-CN" sz="3200" b="1" dirty="0" smtClean="0">
-                <a:ln w="1905"/>
-                <a:solidFill>
-                  <a:prstClr val="black"/>
-                </a:solidFill>
-                <a:effectLst>
-                  <a:innerShdw blurRad="69850" dist="43180" dir="5400000">
-                    <a:srgbClr val="000000">
-                      <a:alpha val="65000"/>
-                    </a:srgbClr>
-                  </a:innerShdw>
-                </a:effectLst>
-              </a:rPr>
-              <a:t> </a:t>
-            </a:r>
-            <a:r>
-              <a:rPr lang="zh-CN" altLang="en-US" sz="3200" b="1" dirty="0" smtClean="0">
-                <a:ln w="1905"/>
-                <a:solidFill>
-                  <a:prstClr val="black"/>
-                </a:solidFill>
-                <a:effectLst>
-                  <a:innerShdw blurRad="69850" dist="43180" dir="5400000">
-                    <a:srgbClr val="000000">
-                      <a:alpha val="65000"/>
-                    </a:srgbClr>
-                  </a:innerShdw>
-                </a:effectLst>
-              </a:rPr>
-              <a:t>可重复级</a:t>
-            </a:r>
-            <a:endParaRPr lang="en-US" altLang="zh-CN" sz="3200" b="1" dirty="0" smtClean="0">
-              <a:ln w="1905"/>
-              <a:solidFill>
-                <a:prstClr val="black"/>
-              </a:solidFill>
-              <a:effectLst>
-                <a:innerShdw blurRad="69850" dist="43180" dir="5400000">
-                  <a:srgbClr val="000000">
-                    <a:alpha val="65000"/>
-                  </a:srgbClr>
-                </a:innerShdw>
-              </a:effectLst>
-            </a:endParaRPr>
-          </a:p>
-          <a:p>
-            <a:pPr>
-              <a:lnSpc>
-                <a:spcPct val="150000"/>
-              </a:lnSpc>
-              <a:buFont typeface="Wingdings" pitchFamily="2" charset="2"/>
-              <a:buChar char="l"/>
-            </a:pPr>
-            <a:r>
-              <a:rPr lang="en-US" altLang="zh-CN" sz="3200" b="1" dirty="0" smtClean="0">
-                <a:ln w="1905"/>
-                <a:solidFill>
-                  <a:prstClr val="black"/>
-                </a:solidFill>
-                <a:effectLst>
-                  <a:innerShdw blurRad="69850" dist="43180" dir="5400000">
-                    <a:srgbClr val="000000">
-                      <a:alpha val="65000"/>
-                    </a:srgbClr>
-                  </a:innerShdw>
-                </a:effectLst>
-              </a:rPr>
-              <a:t> </a:t>
-            </a:r>
-            <a:r>
-              <a:rPr lang="zh-CN" altLang="en-US" sz="3200" b="1" dirty="0" smtClean="0">
-                <a:ln w="1905"/>
-                <a:solidFill>
-                  <a:prstClr val="black"/>
-                </a:solidFill>
-                <a:effectLst>
-                  <a:innerShdw blurRad="69850" dist="43180" dir="5400000">
-                    <a:srgbClr val="000000">
-                      <a:alpha val="65000"/>
-                    </a:srgbClr>
-                  </a:innerShdw>
-                </a:effectLst>
-              </a:rPr>
-              <a:t>受管理级</a:t>
-            </a:r>
-            <a:endParaRPr lang="en-US" altLang="zh-CN" sz="3200" b="1" dirty="0" smtClean="0">
-              <a:ln w="1905"/>
-              <a:solidFill>
-                <a:prstClr val="black"/>
-              </a:solidFill>
-              <a:effectLst>
-                <a:innerShdw blurRad="69850" dist="43180" dir="5400000">
-                  <a:srgbClr val="000000">
-                    <a:alpha val="65000"/>
-                  </a:srgbClr>
-                </a:innerShdw>
-              </a:effectLst>
-            </a:endParaRPr>
-          </a:p>
-          <a:p>
-            <a:pPr lvl="0">
-              <a:lnSpc>
-                <a:spcPct val="150000"/>
-              </a:lnSpc>
-              <a:buFont typeface="Wingdings" pitchFamily="2" charset="2"/>
-              <a:buChar char="l"/>
-            </a:pPr>
-            <a:endParaRPr lang="en-US" altLang="zh-CN" sz="3200" b="1" dirty="0" smtClean="0">
-              <a:ln w="1905"/>
-              <a:solidFill>
-                <a:prstClr val="black"/>
-              </a:solidFill>
-              <a:effectLst>
-                <a:innerShdw blurRad="69850" dist="43180" dir="5400000">
-                  <a:srgbClr val="000000">
-                    <a:alpha val="65000"/>
-                  </a:srgbClr>
-                </a:innerShdw>
-              </a:effectLst>
-            </a:endParaRPr>
-          </a:p>
-        </p:txBody>
-      </p:sp>
+      </p:pic>
+      <p:pic>
+        <p:nvPicPr>
+          <p:cNvPr id="7" name="图片 6" descr="2.wmf"/>
+          <p:cNvPicPr>
+            <a:picLocks noChangeAspect="1"/>
+          </p:cNvPicPr>
+          <p:nvPr/>
+        </p:nvPicPr>
+        <p:blipFill>
+          <a:blip r:embed="rId3"/>
+          <a:stretch>
+            <a:fillRect/>
+          </a:stretch>
+        </p:blipFill>
+        <p:spPr>
+          <a:xfrm>
+            <a:off x="2786050" y="4071942"/>
+            <a:ext cx="5475966" cy="2643206"/>
+          </a:xfrm>
+          <a:prstGeom prst="rect">
+            <a:avLst/>
+          </a:prstGeom>
+        </p:spPr>
+      </p:pic>
+      <p:pic>
+        <p:nvPicPr>
+          <p:cNvPr id="8" name="图片 7" descr="3.wmf"/>
+          <p:cNvPicPr>
+            <a:picLocks noChangeAspect="1"/>
+          </p:cNvPicPr>
+          <p:nvPr/>
+        </p:nvPicPr>
+        <p:blipFill>
+          <a:blip r:embed="rId4"/>
+          <a:stretch>
+            <a:fillRect/>
+          </a:stretch>
+        </p:blipFill>
+        <p:spPr>
+          <a:xfrm>
+            <a:off x="0" y="1571612"/>
+            <a:ext cx="5031968" cy="2428892"/>
+          </a:xfrm>
+          <a:prstGeom prst="rect">
+            <a:avLst/>
+          </a:prstGeom>
+        </p:spPr>
+      </p:pic>
     </p:spTree>
   </p:cSld>
   <p:clrMapOvr>
@@ -9611,8 +11641,8 @@
         </p:nvSpPr>
         <p:spPr>
           <a:xfrm>
-            <a:off x="500034" y="1214422"/>
-            <a:ext cx="7851648" cy="1057268"/>
+            <a:off x="500034" y="214290"/>
+            <a:ext cx="7851648" cy="1828800"/>
           </a:xfrm>
         </p:spPr>
         <p:txBody>
@@ -9626,7 +11656,7 @@
                   <a:srgbClr val="FFC000"/>
                 </a:solidFill>
               </a:rPr>
-              <a:t>建立配置管理库</a:t>
+              <a:t>我们的特色</a:t>
             </a:r>
             <a:endParaRPr lang="zh-CN" altLang="en-US" dirty="0">
               <a:solidFill>
@@ -9636,263 +11666,22 @@
           </a:p>
         </p:txBody>
       </p:sp>
-      <p:sp>
-        <p:nvSpPr>
-          <p:cNvPr id="4" name="矩形 3"/>
-          <p:cNvSpPr/>
+      <p:graphicFrame>
+        <p:nvGraphicFramePr>
+          <p:cNvPr id="4" name="图示 3"/>
+          <p:cNvGraphicFramePr/>
           <p:nvPr/>
-        </p:nvSpPr>
-        <p:spPr>
-          <a:xfrm>
-            <a:off x="642910" y="2428868"/>
-            <a:ext cx="6972743" cy="3539430"/>
-          </a:xfrm>
-          <a:prstGeom prst="rect">
-            <a:avLst/>
-          </a:prstGeom>
-          <a:noFill/>
-        </p:spPr>
-        <p:txBody>
-          <a:bodyPr wrap="none" lIns="91440" tIns="45720" rIns="91440" bIns="45720">
-            <a:spAutoFit/>
-          </a:bodyPr>
-          <a:lstStyle/>
-          <a:p>
-            <a:pPr algn="ctr">
-              <a:lnSpc>
-                <a:spcPct val="150000"/>
-              </a:lnSpc>
-            </a:pPr>
-            <a:r>
-              <a:rPr lang="zh-CN" altLang="en-US" sz="3200" b="1" dirty="0" smtClean="0">
-                <a:ln w="1905"/>
-                <a:solidFill>
-                  <a:schemeClr val="bg1"/>
-                </a:solidFill>
-                <a:effectLst>
-                  <a:innerShdw blurRad="69850" dist="43180" dir="5400000">
-                    <a:srgbClr val="000000">
-                      <a:alpha val="65000"/>
-                    </a:srgbClr>
-                  </a:innerShdw>
-                </a:effectLst>
-              </a:rPr>
-              <a:t>根据</a:t>
-            </a:r>
-            <a:r>
-              <a:rPr lang="en-US" altLang="zh-CN" sz="3200" b="1" dirty="0" smtClean="0">
-                <a:ln w="1905"/>
-                <a:solidFill>
-                  <a:schemeClr val="bg1"/>
-                </a:solidFill>
-                <a:effectLst>
-                  <a:innerShdw blurRad="69850" dist="43180" dir="5400000">
-                    <a:srgbClr val="000000">
-                      <a:alpha val="65000"/>
-                    </a:srgbClr>
-                  </a:innerShdw>
-                </a:effectLst>
-              </a:rPr>
-              <a:t>CMM</a:t>
-            </a:r>
-            <a:r>
-              <a:rPr lang="zh-CN" altLang="en-US" sz="3200" b="1" dirty="0" smtClean="0">
-                <a:ln w="1905"/>
-                <a:solidFill>
-                  <a:schemeClr val="bg1"/>
-                </a:solidFill>
-                <a:effectLst>
-                  <a:innerShdw blurRad="69850" dist="43180" dir="5400000">
-                    <a:srgbClr val="000000">
-                      <a:alpha val="65000"/>
-                    </a:srgbClr>
-                  </a:innerShdw>
-                </a:effectLst>
-              </a:rPr>
-              <a:t>的要求建立配置管理库：</a:t>
-            </a:r>
-            <a:endParaRPr lang="en-US" altLang="zh-CN" sz="3200" b="1" dirty="0" smtClean="0">
-              <a:ln w="1905"/>
-              <a:solidFill>
-                <a:schemeClr val="bg1"/>
-              </a:solidFill>
-              <a:effectLst>
-                <a:innerShdw blurRad="69850" dist="43180" dir="5400000">
-                  <a:srgbClr val="000000">
-                    <a:alpha val="65000"/>
-                  </a:srgbClr>
-                </a:innerShdw>
-              </a:effectLst>
-            </a:endParaRPr>
-          </a:p>
-          <a:p>
-            <a:pPr>
-              <a:lnSpc>
-                <a:spcPct val="150000"/>
-              </a:lnSpc>
-              <a:buFont typeface="Wingdings" pitchFamily="2" charset="2"/>
-              <a:buChar char="l"/>
-            </a:pPr>
-            <a:r>
-              <a:rPr lang="zh-CN" altLang="en-US" sz="3200" b="1" dirty="0" smtClean="0">
-                <a:ln w="1905"/>
-                <a:solidFill>
-                  <a:schemeClr val="bg1"/>
-                </a:solidFill>
-                <a:effectLst>
-                  <a:innerShdw blurRad="69850" dist="43180" dir="5400000">
-                    <a:srgbClr val="000000">
-                      <a:alpha val="65000"/>
-                    </a:srgbClr>
-                  </a:innerShdw>
-                </a:effectLst>
-              </a:rPr>
-              <a:t> </a:t>
-            </a:r>
-            <a:r>
-              <a:rPr lang="zh-CN" altLang="en-US" sz="3200" b="1" dirty="0" smtClean="0">
-                <a:ln w="1905"/>
-                <a:solidFill>
-                  <a:schemeClr val="bg1"/>
-                </a:solidFill>
-                <a:effectLst>
-                  <a:innerShdw blurRad="69850" dist="43180" dir="5400000">
-                    <a:srgbClr val="000000">
-                      <a:alpha val="65000"/>
-                    </a:srgbClr>
-                  </a:innerShdw>
-                </a:effectLst>
-                <a:hlinkClick r:id="rId2" action="ppaction://hlinkfile" tooltip="打开配置库目录"/>
-              </a:rPr>
-              <a:t>明确目录层次结构</a:t>
-            </a:r>
-            <a:endParaRPr lang="en-US" altLang="zh-CN" sz="3200" b="1" dirty="0" smtClean="0">
-              <a:ln w="1905"/>
-              <a:solidFill>
-                <a:schemeClr val="bg1">
-                  <a:lumMod val="95000"/>
-                  <a:lumOff val="5000"/>
-                </a:schemeClr>
-              </a:solidFill>
-              <a:effectLst>
-                <a:innerShdw blurRad="69850" dist="43180" dir="5400000">
-                  <a:srgbClr val="000000">
-                    <a:alpha val="65000"/>
-                  </a:srgbClr>
-                </a:innerShdw>
-              </a:effectLst>
-            </a:endParaRPr>
-          </a:p>
-          <a:p>
-            <a:pPr>
-              <a:lnSpc>
-                <a:spcPct val="150000"/>
-              </a:lnSpc>
-              <a:buFont typeface="Wingdings" pitchFamily="2" charset="2"/>
-              <a:buChar char="l"/>
-            </a:pPr>
-            <a:r>
-              <a:rPr lang="zh-CN" altLang="en-US" sz="3200" b="1" dirty="0" smtClean="0">
-                <a:ln w="1905"/>
-                <a:solidFill>
-                  <a:schemeClr val="bg1"/>
-                </a:solidFill>
-                <a:effectLst>
-                  <a:innerShdw blurRad="69850" dist="43180" dir="5400000">
-                    <a:srgbClr val="000000">
-                      <a:alpha val="65000"/>
-                    </a:srgbClr>
-                  </a:innerShdw>
-                </a:effectLst>
-                <a:hlinkClick r:id="rId3" action="ppaction://hlinkfile" tooltip="打开文档管理表"/>
-              </a:rPr>
-              <a:t> 注意文档管理记录</a:t>
-            </a:r>
-            <a:endParaRPr lang="en-US" altLang="zh-CN" sz="3200" b="1" dirty="0" smtClean="0">
-              <a:ln w="1905"/>
-              <a:solidFill>
-                <a:schemeClr val="bg1"/>
-              </a:solidFill>
-              <a:effectLst>
-                <a:innerShdw blurRad="69850" dist="43180" dir="5400000">
-                  <a:srgbClr val="000000">
-                    <a:alpha val="65000"/>
-                  </a:srgbClr>
-                </a:innerShdw>
-              </a:effectLst>
-            </a:endParaRPr>
-          </a:p>
-          <a:p>
-            <a:pPr>
-              <a:lnSpc>
-                <a:spcPct val="150000"/>
-              </a:lnSpc>
-              <a:buFont typeface="Wingdings" pitchFamily="2" charset="2"/>
-              <a:buChar char="l"/>
-            </a:pPr>
-            <a:r>
-              <a:rPr lang="en-US" altLang="zh-CN" sz="3200" b="1" dirty="0" smtClean="0">
-                <a:ln w="1905"/>
-                <a:solidFill>
-                  <a:schemeClr val="bg1"/>
-                </a:solidFill>
-                <a:effectLst>
-                  <a:innerShdw blurRad="69850" dist="43180" dir="5400000">
-                    <a:srgbClr val="000000">
-                      <a:alpha val="65000"/>
-                    </a:srgbClr>
-                  </a:innerShdw>
-                </a:effectLst>
-              </a:rPr>
-              <a:t> </a:t>
-            </a:r>
-            <a:r>
-              <a:rPr lang="zh-CN" altLang="en-US" sz="3200" b="1" dirty="0" smtClean="0">
-                <a:ln w="1905"/>
-                <a:solidFill>
-                  <a:schemeClr val="bg1"/>
-                </a:solidFill>
-                <a:effectLst>
-                  <a:innerShdw blurRad="69850" dist="43180" dir="5400000">
-                    <a:srgbClr val="000000">
-                      <a:alpha val="65000"/>
-                    </a:srgbClr>
-                  </a:innerShdw>
-                </a:effectLst>
-              </a:rPr>
-              <a:t>工作过程小组及时发现问题并讨论</a:t>
-            </a:r>
-            <a:endParaRPr lang="en-US" altLang="zh-CN" sz="3200" b="1" dirty="0" smtClean="0">
-              <a:ln w="1905"/>
-              <a:solidFill>
-                <a:schemeClr val="bg1"/>
-              </a:solidFill>
-              <a:effectLst>
-                <a:innerShdw blurRad="69850" dist="43180" dir="5400000">
-                  <a:srgbClr val="000000">
-                    <a:alpha val="65000"/>
-                  </a:srgbClr>
-                </a:innerShdw>
-              </a:effectLst>
-            </a:endParaRPr>
-          </a:p>
-          <a:p>
-            <a:endParaRPr lang="en-US" altLang="zh-CN" sz="3200" b="1" dirty="0" smtClean="0">
-              <a:ln w="1905"/>
-              <a:solidFill>
-                <a:srgbClr val="C7EB13"/>
-              </a:solidFill>
-              <a:effectLst>
-                <a:innerShdw blurRad="69850" dist="43180" dir="5400000">
-                  <a:srgbClr val="000000">
-                    <a:alpha val="65000"/>
-                  </a:srgbClr>
-                </a:innerShdw>
-              </a:effectLst>
-            </a:endParaRPr>
-          </a:p>
-        </p:txBody>
-      </p:sp>
+        </p:nvGraphicFramePr>
+        <p:xfrm>
+          <a:off x="1142976" y="2214554"/>
+          <a:ext cx="6096000" cy="4064000"/>
+        </p:xfrm>
+        <a:graphic>
+          <a:graphicData uri="http://schemas.openxmlformats.org/drawingml/2006/diagram">
+            <dgm:relIds xmlns:dgm="http://schemas.openxmlformats.org/drawingml/2006/diagram" xmlns:r="http://schemas.openxmlformats.org/officeDocument/2006/relationships" r:dm="rId2" r:lo="rId3" r:qs="rId4" r:cs="rId5"/>
+          </a:graphicData>
+        </a:graphic>
+      </p:graphicFrame>
     </p:spTree>
   </p:cSld>
   <p:clrMapOvr>
@@ -9937,24 +11726,29 @@
         </p:nvSpPr>
         <p:spPr>
           <a:xfrm>
-            <a:off x="500034" y="1214422"/>
-            <a:ext cx="7851648" cy="1057284"/>
+            <a:off x="285720" y="285728"/>
+            <a:ext cx="8099328" cy="1828800"/>
           </a:xfrm>
         </p:spPr>
         <p:txBody>
-          <a:bodyPr>
-            <a:normAutofit/>
-          </a:bodyPr>
+          <a:bodyPr/>
           <a:lstStyle/>
           <a:p>
-            <a:pPr algn="l"/>
+            <a:r>
+              <a:rPr lang="en-US" altLang="zh-CN" dirty="0" err="1" smtClean="0">
+                <a:solidFill>
+                  <a:srgbClr val="FFC000"/>
+                </a:solidFill>
+              </a:rPr>
+              <a:t>Frous</a:t>
+            </a:r>
             <a:r>
               <a:rPr lang="zh-CN" altLang="en-US" dirty="0" smtClean="0">
                 <a:solidFill>
                   <a:srgbClr val="FFC000"/>
                 </a:solidFill>
               </a:rPr>
-              <a:t>项目进行过程不断调整</a:t>
+              <a:t>项目小组成立及立项</a:t>
             </a:r>
             <a:endParaRPr lang="zh-CN" altLang="en-US" dirty="0">
               <a:solidFill>
@@ -9966,14 +11760,14 @@
       </p:sp>
       <p:sp>
         <p:nvSpPr>
-          <p:cNvPr id="4" name="矩形 3"/>
+          <p:cNvPr id="5" name="矩形 4"/>
           <p:cNvSpPr/>
           <p:nvPr/>
         </p:nvSpPr>
         <p:spPr>
           <a:xfrm>
             <a:off x="642910" y="2428868"/>
-            <a:ext cx="7600157" cy="3539430"/>
+            <a:ext cx="8089843" cy="3539430"/>
           </a:xfrm>
           <a:prstGeom prst="rect">
             <a:avLst/>
@@ -10005,7 +11799,7 @@
                   </a:innerShdw>
                 </a:effectLst>
               </a:rPr>
-              <a:t>随着项目和课程的进行，我们不断调整：</a:t>
+              <a:t>项目小组成立伊始便着手制定自己的规范：</a:t>
             </a:r>
             <a:endParaRPr lang="en-US" altLang="zh-CN" sz="3200" b="1" dirty="0" smtClean="0">
               <a:ln w="1905"/>
@@ -10042,24 +11836,9 @@
                     </a:srgbClr>
                   </a:innerShdw>
                 </a:effectLst>
-              </a:rPr>
-              <a:t> 增加</a:t>
-            </a:r>
-            <a:r>
-              <a:rPr lang="en-US" altLang="zh-CN" sz="3200" b="1" dirty="0" smtClean="0">
-                <a:ln w="1905"/>
-                <a:solidFill>
-                  <a:schemeClr val="bg1"/>
-                </a:solidFill>
-                <a:effectLst>
-                  <a:innerShdw blurRad="69850" dist="43180" dir="5400000">
-                    <a:srgbClr val="000000">
-                      <a:alpha val="65000"/>
-                    </a:srgbClr>
-                  </a:innerShdw>
-                </a:effectLst>
-              </a:rPr>
-              <a:t>PSP</a:t>
+                <a:hlinkClick r:id="rId2" action="ppaction://hlinkfile"/>
+              </a:rPr>
+              <a:t> </a:t>
             </a:r>
             <a:r>
               <a:rPr lang="zh-CN" altLang="en-US" sz="3200" b="1" dirty="0" smtClean="0">
@@ -10074,40 +11853,9 @@
                     </a:srgbClr>
                   </a:innerShdw>
                 </a:effectLst>
-              </a:rPr>
-              <a:t>、</a:t>
-            </a:r>
-            <a:r>
-              <a:rPr lang="en-US" altLang="zh-CN" sz="3200" b="1" dirty="0" smtClean="0">
-                <a:ln w="1905"/>
-                <a:solidFill>
-                  <a:schemeClr val="bg1"/>
-                </a:solidFill>
-                <a:effectLst>
-                  <a:innerShdw blurRad="69850" dist="43180" dir="5400000">
-                    <a:srgbClr val="000000">
-                      <a:alpha val="65000"/>
-                    </a:srgbClr>
-                  </a:innerShdw>
-                </a:effectLst>
-              </a:rPr>
-              <a:t>TSP</a:t>
-            </a:r>
-            <a:r>
-              <a:rPr lang="zh-CN" altLang="en-US" sz="3200" b="1" dirty="0" smtClean="0">
-                <a:ln w="1905"/>
-                <a:solidFill>
-                  <a:schemeClr val="bg1"/>
-                </a:solidFill>
-                <a:effectLst>
-                  <a:innerShdw blurRad="69850" dist="43180" dir="5400000">
-                    <a:srgbClr val="000000">
-                      <a:alpha val="65000"/>
-                    </a:srgbClr>
-                  </a:innerShdw>
-                </a:effectLst>
-              </a:rPr>
-              <a:t>等配置项</a:t>
+                <a:hlinkClick r:id="rId2" action="ppaction://hlinkfile" tooltip="打开人员角色分工表"/>
+              </a:rPr>
+              <a:t>明确人员角色分工</a:t>
             </a:r>
             <a:endParaRPr lang="en-US" altLang="zh-CN" sz="3200" b="1" dirty="0" smtClean="0">
               <a:ln w="1905"/>
@@ -10135,6 +11883,22 @@
               <a:buChar char="l"/>
             </a:pPr>
             <a:r>
+              <a:rPr lang="en-US" altLang="zh-CN" sz="3200" b="1" dirty="0" smtClean="0">
+                <a:ln w="1905"/>
+                <a:solidFill>
+                  <a:schemeClr val="bg1"/>
+                </a:solidFill>
+                <a:effectLst>
+                  <a:innerShdw blurRad="69850" dist="43180" dir="5400000">
+                    <a:srgbClr val="000000">
+                      <a:alpha val="65000"/>
+                    </a:srgbClr>
+                  </a:innerShdw>
+                </a:effectLst>
+              </a:rPr>
+              <a:t> </a:t>
+            </a:r>
+            <a:r>
               <a:rPr lang="zh-CN" altLang="en-US" sz="3200" b="1" dirty="0" smtClean="0">
                 <a:ln w="1905"/>
                 <a:solidFill>
@@ -10148,7 +11912,7 @@
                   </a:innerShdw>
                 </a:effectLst>
               </a:rPr>
-              <a:t> 删除不需要的部分配置项</a:t>
+              <a:t>明确文档命名规范</a:t>
             </a:r>
             <a:endParaRPr lang="en-US" altLang="zh-CN" sz="3200" b="1" dirty="0" smtClean="0">
               <a:ln w="1905"/>
@@ -10202,7 +11966,55 @@
                   </a:innerShdw>
                 </a:effectLst>
               </a:rPr>
-              <a:t>不断摸索，寻找适合我们的方式</a:t>
+              <a:t>将</a:t>
+            </a:r>
+            <a:r>
+              <a:rPr lang="en-US" altLang="zh-CN" sz="3200" b="1" dirty="0" smtClean="0">
+                <a:ln w="1905"/>
+                <a:solidFill>
+                  <a:schemeClr val="bg1"/>
+                </a:solidFill>
+                <a:effectLst>
+                  <a:innerShdw blurRad="69850" dist="43180" dir="5400000">
+                    <a:srgbClr val="000000">
+                      <a:alpha val="65000"/>
+                    </a:srgbClr>
+                  </a:innerShdw>
+                </a:effectLst>
+              </a:rPr>
+              <a:t>CMM</a:t>
+            </a:r>
+            <a:r>
+              <a:rPr lang="zh-CN" altLang="en-US" sz="3200" b="1" dirty="0" smtClean="0">
+                <a:ln w="1905"/>
+                <a:solidFill>
+                  <a:schemeClr val="bg1"/>
+                </a:solidFill>
+                <a:effectLst>
+                  <a:innerShdw blurRad="69850" dist="43180" dir="5400000">
+                    <a:srgbClr val="000000">
+                      <a:alpha val="65000"/>
+                    </a:srgbClr>
+                  </a:innerShdw>
+                </a:effectLst>
+              </a:rPr>
+              <a:t>能力成熟度</a:t>
+            </a:r>
+            <a:r>
+              <a:rPr lang="zh-CN" altLang="en-US" sz="3200" b="1" dirty="0" smtClean="0">
+                <a:ln w="1905"/>
+                <a:solidFill>
+                  <a:schemeClr val="bg1"/>
+                </a:solidFill>
+                <a:effectLst>
+                  <a:innerShdw blurRad="69850" dist="43180" dir="5400000">
+                    <a:srgbClr val="000000">
+                      <a:alpha val="65000"/>
+                    </a:srgbClr>
+                  </a:innerShdw>
+                </a:effectLst>
+              </a:rPr>
+              <a:t>模型与项目开发结合</a:t>
             </a:r>
             <a:endParaRPr lang="en-US" altLang="zh-CN" sz="3200" b="1" dirty="0" smtClean="0">
               <a:ln w="1905"/>
@@ -10279,8 +12091,8 @@
         </p:nvSpPr>
         <p:spPr>
           <a:xfrm>
-            <a:off x="500034" y="1071546"/>
-            <a:ext cx="7851648" cy="1057284"/>
+            <a:off x="428596" y="928670"/>
+            <a:ext cx="8215370" cy="1114420"/>
           </a:xfrm>
         </p:spPr>
         <p:txBody>
@@ -10294,7 +12106,23 @@
                   <a:srgbClr val="FFC000"/>
                 </a:solidFill>
               </a:rPr>
-              <a:t>建立工时管理系统</a:t>
+              <a:t>确定</a:t>
+            </a:r>
+            <a:r>
+              <a:rPr lang="en-US" altLang="zh-CN" dirty="0" smtClean="0">
+                <a:solidFill>
+                  <a:srgbClr val="FFC000"/>
+                </a:solidFill>
+              </a:rPr>
+              <a:t>CMM</a:t>
+            </a:r>
+            <a:r>
+              <a:rPr lang="zh-CN" altLang="en-US" dirty="0" smtClean="0">
+                <a:solidFill>
+                  <a:srgbClr val="FFC000"/>
+                </a:solidFill>
+              </a:rPr>
+              <a:t>能力成熟度模型</a:t>
             </a:r>
             <a:endParaRPr lang="zh-CN" altLang="en-US" dirty="0">
               <a:solidFill>
@@ -10312,8 +12140,8 @@
         </p:nvSpPr>
         <p:spPr>
           <a:xfrm>
-            <a:off x="642910" y="2428868"/>
-            <a:ext cx="7746160" cy="3539430"/>
+            <a:off x="428596" y="2500306"/>
+            <a:ext cx="8215370" cy="2308324"/>
           </a:xfrm>
           <a:prstGeom prst="rect">
             <a:avLst/>
@@ -10321,317 +12149,178 @@
           <a:noFill/>
         </p:spPr>
         <p:txBody>
-          <a:bodyPr wrap="none" lIns="91440" tIns="45720" rIns="91440" bIns="45720">
+          <a:bodyPr wrap="square" lIns="91440" tIns="45720" rIns="91440" bIns="45720">
             <a:spAutoFit/>
           </a:bodyPr>
           <a:lstStyle/>
           <a:p>
-            <a:pPr algn="ctr">
-              <a:lnSpc>
-                <a:spcPct val="150000"/>
-              </a:lnSpc>
-            </a:pPr>
-            <a:r>
-              <a:rPr lang="zh-CN" altLang="en-US" sz="3200" b="1" dirty="0" smtClean="0">
-                <a:ln w="1905"/>
-                <a:solidFill>
-                  <a:schemeClr val="bg1"/>
-                </a:solidFill>
-                <a:effectLst>
-                  <a:innerShdw blurRad="69850" dist="43180" dir="5400000">
-                    <a:srgbClr val="000000">
-                      <a:alpha val="65000"/>
-                    </a:srgbClr>
-                  </a:innerShdw>
-                </a:effectLst>
-              </a:rPr>
-              <a:t>架设</a:t>
-            </a:r>
-            <a:r>
-              <a:rPr lang="en-US" altLang="zh-CN" sz="3200" b="1" dirty="0" smtClean="0">
-                <a:ln w="1905"/>
-                <a:solidFill>
-                  <a:schemeClr val="bg1"/>
-                </a:solidFill>
-                <a:effectLst>
-                  <a:innerShdw blurRad="69850" dist="43180" dir="5400000">
-                    <a:srgbClr val="000000">
-                      <a:alpha val="65000"/>
-                    </a:srgbClr>
-                  </a:innerShdw>
-                </a:effectLst>
-              </a:rPr>
-              <a:t>One point Project</a:t>
-            </a:r>
-            <a:r>
-              <a:rPr lang="zh-CN" altLang="en-US" sz="3200" b="1" dirty="0" smtClean="0">
-                <a:ln w="1905"/>
-                <a:solidFill>
-                  <a:schemeClr val="bg1"/>
-                </a:solidFill>
-                <a:effectLst>
-                  <a:innerShdw blurRad="69850" dist="43180" dir="5400000">
-                    <a:srgbClr val="000000">
-                      <a:alpha val="65000"/>
-                    </a:srgbClr>
-                  </a:innerShdw>
-                </a:effectLst>
-              </a:rPr>
-              <a:t>系统进行管理：</a:t>
-            </a:r>
-            <a:endParaRPr lang="en-US" altLang="zh-CN" sz="3200" b="1" dirty="0" smtClean="0">
+            <a:r>
+              <a:rPr lang="zh-CN" altLang="en-US" sz="3200" dirty="0" smtClean="0">
+                <a:latin typeface="Calibri" pitchFamily="34" charset="0"/>
+              </a:rPr>
+              <a:t>        </a:t>
+            </a:r>
+            <a:r>
+              <a:rPr lang="zh-CN" altLang="en-US" sz="2800" b="1" dirty="0" smtClean="0">
+                <a:solidFill>
+                  <a:schemeClr val="bg1"/>
+                </a:solidFill>
+                <a:latin typeface="Calibri" pitchFamily="34" charset="0"/>
+              </a:rPr>
+              <a:t>在我们看来，</a:t>
+            </a:r>
+            <a:r>
+              <a:rPr lang="en-US" altLang="zh-CN" sz="2800" b="1" dirty="0" smtClean="0">
+                <a:solidFill>
+                  <a:schemeClr val="bg1"/>
+                </a:solidFill>
+                <a:latin typeface="Calibri" pitchFamily="34" charset="0"/>
+              </a:rPr>
+              <a:t>1</a:t>
+            </a:r>
+            <a:r>
+              <a:rPr lang="zh-CN" altLang="en-US" sz="2800" b="1" dirty="0" smtClean="0">
+                <a:solidFill>
+                  <a:schemeClr val="bg1"/>
+                </a:solidFill>
+                <a:latin typeface="Calibri" pitchFamily="34" charset="0"/>
+              </a:rPr>
+              <a:t>级的组织经常碰壁，</a:t>
+            </a:r>
+            <a:r>
+              <a:rPr lang="en-US" altLang="zh-CN" sz="2800" b="1" dirty="0" smtClean="0">
+                <a:solidFill>
+                  <a:schemeClr val="bg1"/>
+                </a:solidFill>
+                <a:latin typeface="Calibri" pitchFamily="34" charset="0"/>
+              </a:rPr>
+              <a:t>2</a:t>
+            </a:r>
+            <a:r>
+              <a:rPr lang="zh-CN" altLang="en-US" sz="2800" b="1" dirty="0" smtClean="0">
+                <a:solidFill>
+                  <a:schemeClr val="bg1"/>
+                </a:solidFill>
+                <a:latin typeface="Calibri" pitchFamily="34" charset="0"/>
+              </a:rPr>
+              <a:t>级和</a:t>
+            </a:r>
+            <a:r>
+              <a:rPr lang="en-US" altLang="zh-CN" sz="2800" b="1" dirty="0" smtClean="0">
+                <a:solidFill>
+                  <a:schemeClr val="bg1"/>
+                </a:solidFill>
+                <a:latin typeface="Calibri" pitchFamily="34" charset="0"/>
+              </a:rPr>
+              <a:t>3</a:t>
+            </a:r>
+            <a:r>
+              <a:rPr lang="zh-CN" altLang="en-US" sz="2800" b="1" dirty="0" smtClean="0">
+                <a:solidFill>
+                  <a:schemeClr val="bg1"/>
+                </a:solidFill>
+                <a:latin typeface="Calibri" pitchFamily="34" charset="0"/>
+              </a:rPr>
+              <a:t>级</a:t>
+            </a:r>
+            <a:endParaRPr lang="en-US" altLang="zh-CN" sz="2800" b="1" dirty="0" smtClean="0">
+              <a:solidFill>
+                <a:schemeClr val="bg1"/>
+              </a:solidFill>
+              <a:latin typeface="Calibri" pitchFamily="34" charset="0"/>
+            </a:endParaRPr>
+          </a:p>
+          <a:p>
+            <a:r>
+              <a:rPr lang="zh-CN" altLang="en-US" sz="2800" b="1" dirty="0" smtClean="0">
+                <a:solidFill>
+                  <a:schemeClr val="bg1"/>
+                </a:solidFill>
+                <a:latin typeface="Calibri" pitchFamily="34" charset="0"/>
+              </a:rPr>
+              <a:t>的组织开始知道壁垒在哪里，而</a:t>
+            </a:r>
+            <a:r>
+              <a:rPr lang="en-US" altLang="zh-CN" sz="2800" b="1" dirty="0" smtClean="0">
+                <a:solidFill>
+                  <a:schemeClr val="bg1"/>
+                </a:solidFill>
+                <a:latin typeface="Calibri" pitchFamily="34" charset="0"/>
+              </a:rPr>
+              <a:t>4</a:t>
+            </a:r>
+            <a:r>
+              <a:rPr lang="zh-CN" altLang="en-US" sz="2800" b="1" dirty="0" smtClean="0">
+                <a:solidFill>
+                  <a:schemeClr val="bg1"/>
+                </a:solidFill>
+                <a:latin typeface="Calibri" pitchFamily="34" charset="0"/>
+              </a:rPr>
+              <a:t>级和</a:t>
+            </a:r>
+            <a:r>
+              <a:rPr lang="en-US" altLang="zh-CN" sz="2800" b="1" dirty="0" smtClean="0">
+                <a:solidFill>
+                  <a:schemeClr val="bg1"/>
+                </a:solidFill>
+                <a:latin typeface="Calibri" pitchFamily="34" charset="0"/>
+              </a:rPr>
+              <a:t>5</a:t>
+            </a:r>
+            <a:r>
+              <a:rPr lang="zh-CN" altLang="en-US" sz="2800" b="1" dirty="0" smtClean="0">
+                <a:solidFill>
+                  <a:schemeClr val="bg1"/>
+                </a:solidFill>
+                <a:latin typeface="Calibri" pitchFamily="34" charset="0"/>
+              </a:rPr>
+              <a:t>级的组织</a:t>
+            </a:r>
+            <a:endParaRPr lang="en-US" altLang="zh-CN" sz="2800" b="1" dirty="0" smtClean="0">
+              <a:solidFill>
+                <a:schemeClr val="bg1"/>
+              </a:solidFill>
+              <a:latin typeface="Calibri" pitchFamily="34" charset="0"/>
+            </a:endParaRPr>
+          </a:p>
+          <a:p>
+            <a:r>
+              <a:rPr lang="zh-CN" altLang="en-US" sz="2800" b="1" dirty="0" smtClean="0">
+                <a:solidFill>
+                  <a:schemeClr val="bg1"/>
+                </a:solidFill>
+                <a:latin typeface="Calibri" pitchFamily="34" charset="0"/>
+              </a:rPr>
+              <a:t>开始在为他们的竞争对手设置壁垒。</a:t>
+            </a:r>
+          </a:p>
+          <a:p>
+            <a:pPr algn="r"/>
+            <a:r>
+              <a:rPr lang="en-US" altLang="zh-CN" sz="2800" b="1" dirty="0" smtClean="0">
+                <a:solidFill>
+                  <a:schemeClr val="bg1"/>
+                </a:solidFill>
+                <a:latin typeface="Calibri" pitchFamily="34" charset="0"/>
+              </a:rPr>
+              <a:t>——John Major</a:t>
+            </a:r>
+          </a:p>
+          <a:p>
+            <a:pPr algn="r"/>
+            <a:r>
+              <a:rPr lang="zh-CN" altLang="en-US" sz="2800" b="1" dirty="0" smtClean="0">
+                <a:solidFill>
+                  <a:schemeClr val="bg1"/>
+                </a:solidFill>
+                <a:latin typeface="Calibri" pitchFamily="34" charset="0"/>
+              </a:rPr>
+              <a:t>（摩托罗拉软件方案部前高级副总裁）</a:t>
+            </a:r>
+            <a:endParaRPr lang="en-US" altLang="zh-CN" sz="2800" b="1" dirty="0" smtClean="0">
               <a:ln w="1905"/>
               <a:solidFill>
                 <a:schemeClr val="bg1"/>
-              </a:solidFill>
-              <a:effectLst>
-                <a:innerShdw blurRad="69850" dist="43180" dir="5400000">
-                  <a:srgbClr val="000000">
-                    <a:alpha val="65000"/>
-                  </a:srgbClr>
-                </a:innerShdw>
-              </a:effectLst>
-            </a:endParaRPr>
-          </a:p>
-          <a:p>
-            <a:pPr>
-              <a:lnSpc>
-                <a:spcPct val="150000"/>
-              </a:lnSpc>
-              <a:buFont typeface="Wingdings" pitchFamily="2" charset="2"/>
-              <a:buChar char="l"/>
-            </a:pPr>
-            <a:r>
-              <a:rPr lang="zh-CN" altLang="en-US" sz="3200" b="1" dirty="0" smtClean="0">
-                <a:ln w="1905"/>
-                <a:solidFill>
-                  <a:schemeClr val="bg1"/>
-                </a:solidFill>
-                <a:effectLst>
-                  <a:innerShdw blurRad="69850" dist="43180" dir="5400000">
-                    <a:srgbClr val="000000">
-                      <a:alpha val="65000"/>
-                    </a:srgbClr>
-                  </a:innerShdw>
-                </a:effectLst>
-              </a:rPr>
-              <a:t> </a:t>
-            </a:r>
-            <a:r>
-              <a:rPr lang="zh-CN" altLang="en-US" sz="3200" b="1" dirty="0" smtClean="0">
-                <a:ln w="1905"/>
-                <a:solidFill>
-                  <a:schemeClr val="bg1"/>
-                </a:solidFill>
-                <a:effectLst>
-                  <a:innerShdw blurRad="69850" dist="43180" dir="5400000">
-                    <a:srgbClr val="000000">
-                      <a:alpha val="65000"/>
-                    </a:srgbClr>
-                  </a:innerShdw>
-                </a:effectLst>
-                <a:hlinkClick r:id="rId2"/>
-              </a:rPr>
-              <a:t>系统展示</a:t>
-            </a:r>
-            <a:endParaRPr lang="en-US" altLang="zh-CN" sz="3200" b="1" dirty="0" smtClean="0">
-              <a:ln w="1905"/>
-              <a:solidFill>
-                <a:schemeClr val="bg1">
-                  <a:lumMod val="95000"/>
-                  <a:lumOff val="5000"/>
-                </a:schemeClr>
-              </a:solidFill>
-              <a:effectLst>
-                <a:innerShdw blurRad="69850" dist="43180" dir="5400000">
-                  <a:srgbClr val="000000">
-                    <a:alpha val="65000"/>
-                  </a:srgbClr>
-                </a:innerShdw>
-              </a:effectLst>
-            </a:endParaRPr>
-          </a:p>
-          <a:p>
-            <a:pPr>
-              <a:lnSpc>
-                <a:spcPct val="150000"/>
-              </a:lnSpc>
-              <a:buFont typeface="Wingdings" pitchFamily="2" charset="2"/>
-              <a:buChar char="l"/>
-            </a:pPr>
-            <a:r>
-              <a:rPr lang="en-US" altLang="zh-CN" sz="3200" b="1" dirty="0" smtClean="0">
-                <a:ln w="1905"/>
-                <a:solidFill>
-                  <a:schemeClr val="bg1"/>
-                </a:solidFill>
-                <a:effectLst>
-                  <a:innerShdw blurRad="69850" dist="43180" dir="5400000">
-                    <a:srgbClr val="000000">
-                      <a:alpha val="65000"/>
-                    </a:srgbClr>
-                  </a:innerShdw>
-                </a:effectLst>
-              </a:rPr>
-              <a:t> </a:t>
-            </a:r>
-            <a:r>
-              <a:rPr lang="zh-CN" altLang="en-US" sz="3200" b="1" dirty="0" smtClean="0">
-                <a:ln w="1905"/>
-                <a:solidFill>
-                  <a:schemeClr val="bg1"/>
-                </a:solidFill>
-                <a:effectLst>
-                  <a:innerShdw blurRad="69850" dist="43180" dir="5400000">
-                    <a:srgbClr val="000000">
-                      <a:alpha val="65000"/>
-                    </a:srgbClr>
-                  </a:innerShdw>
-                </a:effectLst>
-                <a:hlinkClick r:id="rId3" action="ppaction://hlinkfile" tooltip="打开项目计划"/>
-              </a:rPr>
-              <a:t>制定工作计划和安排</a:t>
-            </a:r>
-            <a:r>
-              <a:rPr lang="zh-CN" altLang="en-US" sz="3200" b="1" dirty="0" smtClean="0">
-                <a:ln w="1905"/>
-                <a:solidFill>
-                  <a:schemeClr val="bg1"/>
-                </a:solidFill>
-                <a:effectLst>
-                  <a:innerShdw blurRad="69850" dist="43180" dir="5400000">
-                    <a:srgbClr val="000000">
-                      <a:alpha val="65000"/>
-                    </a:srgbClr>
-                  </a:innerShdw>
-                </a:effectLst>
-              </a:rPr>
-              <a:t>    </a:t>
-            </a:r>
-            <a:r>
-              <a:rPr lang="zh-CN" altLang="en-US" sz="3200" b="1" dirty="0" smtClean="0">
-                <a:ln w="1905"/>
-                <a:solidFill>
-                  <a:schemeClr val="bg1"/>
-                </a:solidFill>
-                <a:effectLst>
-                  <a:innerShdw blurRad="69850" dist="43180" dir="5400000">
-                    <a:srgbClr val="000000">
-                      <a:alpha val="65000"/>
-                    </a:srgbClr>
-                  </a:innerShdw>
-                </a:effectLst>
-                <a:hlinkClick r:id="rId4" action="ppaction://hlinkfile" tooltip="打开甘特图"/>
-              </a:rPr>
-              <a:t>展示甘特图</a:t>
-            </a:r>
-            <a:endParaRPr lang="en-US" altLang="zh-CN" sz="3200" b="1" dirty="0" smtClean="0">
-              <a:ln w="1905"/>
-              <a:solidFill>
-                <a:schemeClr val="bg1"/>
-              </a:solidFill>
-              <a:effectLst>
-                <a:innerShdw blurRad="69850" dist="43180" dir="5400000">
-                  <a:srgbClr val="000000">
-                    <a:alpha val="65000"/>
-                  </a:srgbClr>
-                </a:innerShdw>
-              </a:effectLst>
-            </a:endParaRPr>
-          </a:p>
-          <a:p>
-            <a:pPr>
-              <a:lnSpc>
-                <a:spcPct val="150000"/>
-              </a:lnSpc>
-              <a:buFont typeface="Wingdings" pitchFamily="2" charset="2"/>
-              <a:buChar char="l"/>
-            </a:pPr>
-            <a:r>
-              <a:rPr lang="en-US" altLang="zh-CN" sz="3200" b="1" dirty="0" smtClean="0">
-                <a:ln w="1905"/>
-                <a:solidFill>
-                  <a:schemeClr val="bg1"/>
-                </a:solidFill>
-                <a:effectLst>
-                  <a:innerShdw blurRad="69850" dist="43180" dir="5400000">
-                    <a:srgbClr val="000000">
-                      <a:alpha val="65000"/>
-                    </a:srgbClr>
-                  </a:innerShdw>
-                </a:effectLst>
-              </a:rPr>
-              <a:t> </a:t>
-            </a:r>
-            <a:r>
-              <a:rPr lang="zh-CN" altLang="en-US" sz="3200" b="1" dirty="0" smtClean="0">
-                <a:ln w="1905"/>
-                <a:solidFill>
-                  <a:schemeClr val="bg1"/>
-                </a:solidFill>
-                <a:effectLst>
-                  <a:innerShdw blurRad="69850" dist="43180" dir="5400000">
-                    <a:srgbClr val="000000">
-                      <a:alpha val="65000"/>
-                    </a:srgbClr>
-                  </a:innerShdw>
-                </a:effectLst>
-                <a:hlinkClick r:id="rId5" action="ppaction://hlinkfile" tooltip="打开工程时间进度"/>
-              </a:rPr>
-              <a:t>不断调整并记录时间安排</a:t>
-            </a:r>
-            <a:r>
-              <a:rPr lang="zh-CN" altLang="en-US" sz="3200" b="1" dirty="0" smtClean="0">
-                <a:ln w="1905"/>
-                <a:solidFill>
-                  <a:schemeClr val="bg1"/>
-                </a:solidFill>
-                <a:effectLst>
-                  <a:innerShdw blurRad="69850" dist="43180" dir="5400000">
-                    <a:srgbClr val="000000">
-                      <a:alpha val="65000"/>
-                    </a:srgbClr>
-                  </a:innerShdw>
-                </a:effectLst>
-              </a:rPr>
-              <a:t>     </a:t>
-            </a:r>
-            <a:r>
-              <a:rPr lang="zh-CN" altLang="en-US" sz="3200" b="1" dirty="0" smtClean="0">
-                <a:ln w="1905"/>
-                <a:solidFill>
-                  <a:schemeClr val="bg1"/>
-                </a:solidFill>
-                <a:effectLst>
-                  <a:innerShdw blurRad="69850" dist="43180" dir="5400000">
-                    <a:srgbClr val="000000">
-                      <a:alpha val="65000"/>
-                    </a:srgbClr>
-                  </a:innerShdw>
-                </a:effectLst>
-                <a:hlinkClick r:id="rId6" action="ppaction://hlinkfile" tooltip="打开甘特图"/>
-              </a:rPr>
-              <a:t>展示甘特图</a:t>
-            </a:r>
-            <a:endParaRPr lang="en-US" altLang="zh-CN" sz="3200" b="1" dirty="0" smtClean="0">
-              <a:ln w="1905"/>
-              <a:solidFill>
-                <a:schemeClr val="bg1"/>
-              </a:solidFill>
-              <a:effectLst>
-                <a:innerShdw blurRad="69850" dist="43180" dir="5400000">
-                  <a:srgbClr val="000000">
-                    <a:alpha val="65000"/>
-                  </a:srgbClr>
-                </a:innerShdw>
-              </a:effectLst>
-            </a:endParaRPr>
-          </a:p>
-          <a:p>
-            <a:endParaRPr lang="en-US" altLang="zh-CN" sz="3200" b="1" dirty="0" smtClean="0">
-              <a:ln w="1905"/>
-              <a:solidFill>
-                <a:srgbClr val="C7EB13"/>
               </a:solidFill>
               <a:effectLst>
                 <a:innerShdw blurRad="69850" dist="43180" dir="5400000">
@@ -10688,8 +12377,8 @@
         </p:nvSpPr>
         <p:spPr>
           <a:xfrm>
-            <a:off x="500034" y="1000108"/>
-            <a:ext cx="7851648" cy="985846"/>
+            <a:off x="1928794" y="642918"/>
+            <a:ext cx="5610236" cy="1057284"/>
           </a:xfrm>
         </p:spPr>
         <p:txBody>
@@ -10698,12 +12387,20 @@
           <a:p>
             <a:pPr algn="l"/>
             <a:r>
+              <a:rPr lang="en-US" altLang="zh-CN" dirty="0" smtClean="0">
+                <a:solidFill>
+                  <a:srgbClr val="FFC000"/>
+                </a:solidFill>
+              </a:rPr>
+              <a:t>CMM</a:t>
+            </a:r>
+            <a:r>
               <a:rPr lang="zh-CN" altLang="en-US" dirty="0" smtClean="0">
                 <a:solidFill>
                   <a:srgbClr val="FFC000"/>
                 </a:solidFill>
               </a:rPr>
-              <a:t>在技术方面不断学习</a:t>
+              <a:t>的五个级别</a:t>
             </a:r>
             <a:endParaRPr lang="zh-CN" altLang="en-US" dirty="0">
               <a:solidFill>
@@ -10721,8 +12418,8 @@
         </p:nvSpPr>
         <p:spPr>
           <a:xfrm>
-            <a:off x="642910" y="2428868"/>
-            <a:ext cx="8455263" cy="4278094"/>
+            <a:off x="1428728" y="2071678"/>
+            <a:ext cx="2714644" cy="2800767"/>
           </a:xfrm>
           <a:prstGeom prst="rect">
             <a:avLst/>
@@ -10730,47 +12427,55 @@
           <a:noFill/>
         </p:spPr>
         <p:txBody>
-          <a:bodyPr wrap="none" lIns="91440" tIns="45720" rIns="91440" bIns="45720">
+          <a:bodyPr wrap="square" lIns="91440" tIns="45720" rIns="91440" bIns="45720">
             <a:spAutoFit/>
           </a:bodyPr>
           <a:lstStyle/>
           <a:p>
-            <a:pPr algn="ctr">
+            <a:pPr>
               <a:lnSpc>
                 <a:spcPct val="150000"/>
               </a:lnSpc>
+              <a:buFont typeface="Wingdings" pitchFamily="2" charset="2"/>
+              <a:buChar char="l"/>
             </a:pPr>
             <a:r>
               <a:rPr lang="en-US" altLang="zh-CN" sz="3200" b="1" dirty="0" smtClean="0">
                 <a:ln w="1905"/>
                 <a:solidFill>
-                  <a:schemeClr val="bg1"/>
-                </a:solidFill>
-                <a:effectLst>
-                  <a:innerShdw blurRad="69850" dist="43180" dir="5400000">
-                    <a:srgbClr val="000000">
-                      <a:alpha val="65000"/>
-                    </a:srgbClr>
-                  </a:innerShdw>
-                </a:effectLst>
-              </a:rPr>
-              <a:t>.NET </a:t>
+                  <a:schemeClr val="bg1">
+                    <a:lumMod val="95000"/>
+                    <a:lumOff val="5000"/>
+                  </a:schemeClr>
+                </a:solidFill>
+                <a:effectLst>
+                  <a:innerShdw blurRad="69850" dist="43180" dir="5400000">
+                    <a:srgbClr val="000000">
+                      <a:alpha val="65000"/>
+                    </a:srgbClr>
+                  </a:innerShdw>
+                </a:effectLst>
+              </a:rPr>
+              <a:t> </a:t>
             </a:r>
             <a:r>
               <a:rPr lang="zh-CN" altLang="en-US" sz="3200" b="1" dirty="0" smtClean="0">
                 <a:ln w="1905"/>
                 <a:solidFill>
-                  <a:schemeClr val="bg1"/>
-                </a:solidFill>
-                <a:effectLst>
-                  <a:innerShdw blurRad="69850" dist="43180" dir="5400000">
-                    <a:srgbClr val="000000">
-                      <a:alpha val="65000"/>
-                    </a:srgbClr>
-                  </a:innerShdw>
-                </a:effectLst>
-              </a:rPr>
-              <a:t>是一种较成熟的技术，我们需要学习的</a:t>
+                  <a:schemeClr val="bg1">
+                    <a:lumMod val="95000"/>
+                    <a:lumOff val="5000"/>
+                  </a:schemeClr>
+                </a:solidFill>
+                <a:effectLst>
+                  <a:innerShdw blurRad="69850" dist="43180" dir="5400000">
+                    <a:srgbClr val="000000">
+                      <a:alpha val="65000"/>
+                    </a:srgbClr>
+                  </a:innerShdw>
+                </a:effectLst>
+              </a:rPr>
+              <a:t>初始级</a:t>
             </a:r>
             <a:endParaRPr lang="en-US" altLang="zh-CN" sz="3200" b="1" dirty="0" smtClean="0">
               <a:ln w="1905"/>
@@ -10791,8 +12496,26 @@
               <a:lnSpc>
                 <a:spcPct val="150000"/>
               </a:lnSpc>
+              <a:buFont typeface="Wingdings" pitchFamily="2" charset="2"/>
+              <a:buChar char="l"/>
             </a:pPr>
             <a:r>
+              <a:rPr lang="en-US" altLang="zh-CN" sz="3200" b="1" dirty="0" smtClean="0">
+                <a:ln w="1905"/>
+                <a:solidFill>
+                  <a:schemeClr val="bg1"/>
+                </a:solidFill>
+                <a:effectLst>
+                  <a:innerShdw blurRad="69850" dist="43180" dir="5400000">
+                    <a:srgbClr val="000000">
+                      <a:alpha val="65000"/>
+                    </a:srgbClr>
+                  </a:innerShdw>
+                </a:effectLst>
+              </a:rPr>
+              <a:t> </a:t>
+            </a:r>
+            <a:r>
               <a:rPr lang="zh-CN" altLang="en-US" sz="3200" b="1" dirty="0" smtClean="0">
                 <a:ln w="1905"/>
                 <a:solidFill>
@@ -10806,7 +12529,7 @@
                   </a:innerShdw>
                 </a:effectLst>
               </a:rPr>
-              <a:t>东西相对多一点，尝试采用较高层次技术：</a:t>
+              <a:t>已定义级</a:t>
             </a:r>
             <a:endParaRPr lang="en-US" altLang="zh-CN" sz="3200" b="1" dirty="0" smtClean="0">
               <a:ln w="1905"/>
@@ -10831,6 +12554,22 @@
               <a:buChar char="l"/>
             </a:pPr>
             <a:r>
+              <a:rPr lang="en-US" altLang="zh-CN" sz="3200" b="1" dirty="0" smtClean="0">
+                <a:ln w="1905"/>
+                <a:solidFill>
+                  <a:schemeClr val="bg1"/>
+                </a:solidFill>
+                <a:effectLst>
+                  <a:innerShdw blurRad="69850" dist="43180" dir="5400000">
+                    <a:srgbClr val="000000">
+                      <a:alpha val="65000"/>
+                    </a:srgbClr>
+                  </a:innerShdw>
+                </a:effectLst>
+              </a:rPr>
+              <a:t> </a:t>
+            </a:r>
+            <a:r>
               <a:rPr lang="zh-CN" altLang="en-US" sz="3200" b="1" dirty="0" smtClean="0">
                 <a:ln w="1905"/>
                 <a:solidFill>
@@ -10844,97 +12583,7 @@
                   </a:innerShdw>
                 </a:effectLst>
               </a:rPr>
-              <a:t> </a:t>
-            </a:r>
-            <a:r>
-              <a:rPr lang="zh-CN" altLang="en-US" sz="3200" b="1" dirty="0" smtClean="0">
-                <a:ln w="1905"/>
-                <a:solidFill>
-                  <a:schemeClr val="bg1"/>
-                </a:solidFill>
-                <a:effectLst>
-                  <a:innerShdw blurRad="69850" dist="43180" dir="5400000">
-                    <a:srgbClr val="000000">
-                      <a:alpha val="65000"/>
-                    </a:srgbClr>
-                  </a:innerShdw>
-                </a:effectLst>
-                <a:hlinkClick r:id="rId2" action="ppaction://hlinkfile" tooltip="展示程序目录结构"/>
-              </a:rPr>
-              <a:t>设计一种比较好的架构</a:t>
-            </a:r>
-            <a:endParaRPr lang="en-US" altLang="zh-CN" sz="3200" b="1" dirty="0" smtClean="0">
-              <a:ln w="1905"/>
-              <a:solidFill>
-                <a:schemeClr val="bg1">
-                  <a:lumMod val="95000"/>
-                  <a:lumOff val="5000"/>
-                </a:schemeClr>
-              </a:solidFill>
-              <a:effectLst>
-                <a:innerShdw blurRad="69850" dist="43180" dir="5400000">
-                  <a:srgbClr val="000000">
-                    <a:alpha val="65000"/>
-                  </a:srgbClr>
-                </a:innerShdw>
-              </a:effectLst>
-            </a:endParaRPr>
-          </a:p>
-          <a:p>
-            <a:pPr>
-              <a:lnSpc>
-                <a:spcPct val="150000"/>
-              </a:lnSpc>
-              <a:buFont typeface="Wingdings" pitchFamily="2" charset="2"/>
-              <a:buChar char="l"/>
-            </a:pPr>
-            <a:r>
-              <a:rPr lang="zh-CN" altLang="en-US" sz="3200" b="1" dirty="0" smtClean="0">
-                <a:ln w="1905"/>
-                <a:solidFill>
-                  <a:schemeClr val="bg1"/>
-                </a:solidFill>
-                <a:effectLst>
-                  <a:innerShdw blurRad="69850" dist="43180" dir="5400000">
-                    <a:srgbClr val="000000">
-                      <a:alpha val="65000"/>
-                    </a:srgbClr>
-                  </a:innerShdw>
-                </a:effectLst>
-              </a:rPr>
-              <a:t> 使用</a:t>
-            </a:r>
-            <a:r>
-              <a:rPr lang="en-US" altLang="zh-CN" sz="3200" b="1" dirty="0" err="1" smtClean="0">
-                <a:ln w="1905"/>
-                <a:solidFill>
-                  <a:schemeClr val="bg1"/>
-                </a:solidFill>
-                <a:effectLst>
-                  <a:innerShdw blurRad="69850" dist="43180" dir="5400000">
-                    <a:srgbClr val="000000">
-                      <a:alpha val="65000"/>
-                    </a:srgbClr>
-                  </a:innerShdw>
-                </a:effectLst>
-              </a:rPr>
-              <a:t>MemberShip</a:t>
-            </a:r>
-            <a:r>
-              <a:rPr lang="zh-CN" altLang="en-US" sz="3200" b="1" dirty="0" smtClean="0">
-                <a:ln w="1905"/>
-                <a:solidFill>
-                  <a:schemeClr val="bg1"/>
-                </a:solidFill>
-                <a:effectLst>
-                  <a:innerShdw blurRad="69850" dist="43180" dir="5400000">
-                    <a:srgbClr val="000000">
-                      <a:alpha val="65000"/>
-                    </a:srgbClr>
-                  </a:innerShdw>
-                </a:effectLst>
-              </a:rPr>
-              <a:t>权限管理</a:t>
+              <a:t>优化级</a:t>
             </a:r>
             <a:endParaRPr lang="en-US" altLang="zh-CN" sz="3200" b="1" dirty="0" smtClean="0">
               <a:ln w="1905"/>
@@ -10951,49 +12600,10 @@
             </a:endParaRPr>
           </a:p>
           <a:p>
-            <a:pPr>
-              <a:lnSpc>
-                <a:spcPct val="150000"/>
-              </a:lnSpc>
-              <a:buFont typeface="Wingdings" pitchFamily="2" charset="2"/>
-              <a:buChar char="l"/>
-            </a:pPr>
-            <a:r>
-              <a:rPr lang="en-US" altLang="zh-CN" sz="3200" b="1" dirty="0" smtClean="0">
-                <a:ln w="1905"/>
-                <a:solidFill>
-                  <a:schemeClr val="bg1"/>
-                </a:solidFill>
-                <a:effectLst>
-                  <a:innerShdw blurRad="69850" dist="43180" dir="5400000">
-                    <a:srgbClr val="000000">
-                      <a:alpha val="65000"/>
-                    </a:srgbClr>
-                  </a:innerShdw>
-                </a:effectLst>
-              </a:rPr>
-              <a:t> </a:t>
-            </a:r>
-            <a:r>
-              <a:rPr lang="zh-CN" altLang="en-US" sz="3200" b="1" dirty="0" smtClean="0">
-                <a:ln w="1905"/>
-                <a:solidFill>
-                  <a:schemeClr val="bg1"/>
-                </a:solidFill>
-                <a:effectLst>
-                  <a:innerShdw blurRad="69850" dist="43180" dir="5400000">
-                    <a:srgbClr val="000000">
-                      <a:alpha val="65000"/>
-                    </a:srgbClr>
-                  </a:innerShdw>
-                </a:effectLst>
-              </a:rPr>
-              <a:t>采用映射机制进行数据显示</a:t>
-            </a:r>
             <a:endParaRPr lang="en-US" altLang="zh-CN" sz="3200" b="1" dirty="0" smtClean="0">
               <a:ln w="1905"/>
               <a:solidFill>
-                <a:schemeClr val="bg1"/>
+                <a:srgbClr val="C7EB13"/>
               </a:solidFill>
               <a:effectLst>
                 <a:innerShdw blurRad="69850" dist="43180" dir="5400000">
@@ -11004,11 +12614,148 @@
               </a:effectLst>
             </a:endParaRPr>
           </a:p>
-          <a:p>
+        </p:txBody>
+      </p:sp>
+      <p:sp>
+        <p:nvSpPr>
+          <p:cNvPr id="5" name="矩形 4"/>
+          <p:cNvSpPr/>
+          <p:nvPr/>
+        </p:nvSpPr>
+        <p:spPr>
+          <a:xfrm>
+            <a:off x="5214942" y="2000240"/>
+            <a:ext cx="2236510" cy="2308324"/>
+          </a:xfrm>
+          <a:prstGeom prst="rect">
+            <a:avLst/>
+          </a:prstGeom>
+        </p:spPr>
+        <p:txBody>
+          <a:bodyPr wrap="none">
+            <a:spAutoFit/>
+          </a:bodyPr>
+          <a:lstStyle/>
+          <a:p>
+            <a:pPr lvl="0">
+              <a:lnSpc>
+                <a:spcPct val="150000"/>
+              </a:lnSpc>
+              <a:buFont typeface="Wingdings" pitchFamily="2" charset="2"/>
+              <a:buChar char="l"/>
+            </a:pPr>
+            <a:r>
+              <a:rPr lang="en-US" altLang="zh-CN" sz="3200" b="1" dirty="0" smtClean="0">
+                <a:ln w="1905"/>
+                <a:solidFill>
+                  <a:prstClr val="black"/>
+                </a:solidFill>
+                <a:effectLst>
+                  <a:innerShdw blurRad="69850" dist="43180" dir="5400000">
+                    <a:srgbClr val="000000">
+                      <a:alpha val="65000"/>
+                    </a:srgbClr>
+                  </a:innerShdw>
+                </a:effectLst>
+              </a:rPr>
+              <a:t> </a:t>
+            </a:r>
+            <a:r>
+              <a:rPr lang="zh-CN" altLang="en-US" sz="3200" b="1" dirty="0" smtClean="0">
+                <a:ln w="1905"/>
+                <a:solidFill>
+                  <a:prstClr val="black"/>
+                </a:solidFill>
+                <a:effectLst>
+                  <a:innerShdw blurRad="69850" dist="43180" dir="5400000">
+                    <a:srgbClr val="000000">
+                      <a:alpha val="65000"/>
+                    </a:srgbClr>
+                  </a:innerShdw>
+                </a:effectLst>
+              </a:rPr>
+              <a:t>可重复级</a:t>
+            </a:r>
             <a:endParaRPr lang="en-US" altLang="zh-CN" sz="3200" b="1" dirty="0" smtClean="0">
               <a:ln w="1905"/>
               <a:solidFill>
-                <a:srgbClr val="C7EB13"/>
+                <a:prstClr val="black"/>
+              </a:solidFill>
+              <a:effectLst>
+                <a:innerShdw blurRad="69850" dist="43180" dir="5400000">
+                  <a:srgbClr val="000000">
+                    <a:alpha val="65000"/>
+                  </a:srgbClr>
+                </a:innerShdw>
+              </a:effectLst>
+            </a:endParaRPr>
+          </a:p>
+          <a:p>
+            <a:pPr>
+              <a:lnSpc>
+                <a:spcPct val="150000"/>
+              </a:lnSpc>
+              <a:buFont typeface="Wingdings" pitchFamily="2" charset="2"/>
+              <a:buChar char="l"/>
+            </a:pPr>
+            <a:r>
+              <a:rPr lang="en-US" altLang="zh-CN" sz="3200" b="1" dirty="0" smtClean="0">
+                <a:ln w="1905"/>
+                <a:solidFill>
+                  <a:prstClr val="black"/>
+                </a:solidFill>
+                <a:effectLst>
+                  <a:innerShdw blurRad="69850" dist="43180" dir="5400000">
+                    <a:srgbClr val="000000">
+                      <a:alpha val="65000"/>
+                    </a:srgbClr>
+                  </a:innerShdw>
+                </a:effectLst>
+              </a:rPr>
+              <a:t> </a:t>
+            </a:r>
+            <a:r>
+              <a:rPr lang="zh-CN" altLang="en-US" sz="3200" b="1" dirty="0" smtClean="0">
+                <a:ln w="1905"/>
+                <a:solidFill>
+                  <a:prstClr val="black"/>
+                </a:solidFill>
+                <a:effectLst>
+                  <a:innerShdw blurRad="69850" dist="43180" dir="5400000">
+                    <a:srgbClr val="000000">
+                      <a:alpha val="65000"/>
+                    </a:srgbClr>
+                  </a:innerShdw>
+                </a:effectLst>
+              </a:rPr>
+              <a:t>受管理级</a:t>
+            </a:r>
+            <a:endParaRPr lang="en-US" altLang="zh-CN" sz="3200" b="1" dirty="0" smtClean="0">
+              <a:ln w="1905"/>
+              <a:solidFill>
+                <a:prstClr val="black"/>
+              </a:solidFill>
+              <a:effectLst>
+                <a:innerShdw blurRad="69850" dist="43180" dir="5400000">
+                  <a:srgbClr val="000000">
+                    <a:alpha val="65000"/>
+                  </a:srgbClr>
+                </a:innerShdw>
+              </a:effectLst>
+            </a:endParaRPr>
+          </a:p>
+          <a:p>
+            <a:pPr lvl="0">
+              <a:lnSpc>
+                <a:spcPct val="150000"/>
+              </a:lnSpc>
+              <a:buFont typeface="Wingdings" pitchFamily="2" charset="2"/>
+              <a:buChar char="l"/>
+            </a:pPr>
+            <a:endParaRPr lang="en-US" altLang="zh-CN" sz="3200" b="1" dirty="0" smtClean="0">
+              <a:ln w="1905"/>
+              <a:solidFill>
+                <a:prstClr val="black"/>
               </a:solidFill>
               <a:effectLst>
                 <a:innerShdw blurRad="69850" dist="43180" dir="5400000">

--- a/trunk/项目相关文档/Sherry/项目监控/项目进展报告/项目答辩_2009-01-15_Forus.pptx
+++ b/trunk/项目相关文档/Sherry/项目监控/项目进展报告/项目答辩_2009-01-15_Forus.pptx
@@ -9371,23 +9371,7 @@
                   <a:srgbClr val="FFC000"/>
                 </a:solidFill>
               </a:rPr>
-              <a:t>我们</a:t>
-            </a:r>
-            <a:r>
-              <a:rPr lang="zh-CN" altLang="en-US" dirty="0" smtClean="0">
-                <a:solidFill>
-                  <a:srgbClr val="FFC000"/>
-                </a:solidFill>
-              </a:rPr>
-              <a:t>的</a:t>
-            </a:r>
-            <a:r>
-              <a:rPr lang="zh-CN" altLang="en-US" dirty="0" smtClean="0">
-                <a:solidFill>
-                  <a:srgbClr val="FFC000"/>
-                </a:solidFill>
-              </a:rPr>
-              <a:t>工作</a:t>
+              <a:t>我们的工作</a:t>
             </a:r>
             <a:endParaRPr lang="zh-CN" altLang="en-US" dirty="0">
               <a:solidFill>
@@ -9487,23 +9471,7 @@
                   </a:innerShdw>
                 </a:effectLst>
               </a:rPr>
-              <a:t> </a:t>
-            </a:r>
-            <a:r>
-              <a:rPr lang="en-US" altLang="zh-CN" sz="3200" b="1" dirty="0" smtClean="0">
-                <a:ln w="1905"/>
-                <a:solidFill>
-                  <a:schemeClr val="bg1"/>
-                </a:solidFill>
-                <a:effectLst>
-                  <a:innerShdw blurRad="69850" dist="43180" dir="5400000">
-                    <a:srgbClr val="000000">
-                      <a:alpha val="65000"/>
-                    </a:srgbClr>
-                  </a:innerShdw>
-                </a:effectLst>
-              </a:rPr>
-              <a:t>   </a:t>
+              <a:t>    </a:t>
             </a:r>
             <a:r>
               <a:rPr lang="zh-CN" altLang="en-US" sz="3200" b="1" dirty="0" smtClean="0">
@@ -9819,23 +9787,7 @@
                   </a:innerShdw>
                 </a:effectLst>
               </a:rPr>
-              <a:t> </a:t>
-            </a:r>
-            <a:r>
-              <a:rPr lang="en-US" altLang="zh-CN" sz="3200" b="1" dirty="0" smtClean="0">
-                <a:ln w="1905"/>
-                <a:solidFill>
-                  <a:schemeClr val="bg1"/>
-                </a:solidFill>
-                <a:effectLst>
-                  <a:innerShdw blurRad="69850" dist="43180" dir="5400000">
-                    <a:srgbClr val="000000">
-                      <a:alpha val="65000"/>
-                    </a:srgbClr>
-                  </a:innerShdw>
-                </a:effectLst>
-              </a:rPr>
-              <a:t>SVN</a:t>
+              <a:t> SVN</a:t>
             </a:r>
             <a:r>
               <a:rPr lang="zh-CN" altLang="en-US" sz="3200" b="1" dirty="0" smtClean="0">
@@ -9851,58 +9803,26 @@
                   </a:innerShdw>
                 </a:effectLst>
               </a:rPr>
-              <a:t>版本</a:t>
-            </a:r>
-            <a:r>
-              <a:rPr lang="zh-CN" altLang="en-US" sz="3200" b="1" dirty="0" smtClean="0">
-                <a:ln w="1905"/>
-                <a:solidFill>
-                  <a:schemeClr val="bg1"/>
-                </a:solidFill>
-                <a:effectLst>
-                  <a:innerShdw blurRad="69850" dist="43180" dir="5400000">
-                    <a:srgbClr val="000000">
-                      <a:alpha val="65000"/>
-                    </a:srgbClr>
-                  </a:innerShdw>
-                </a:effectLst>
-              </a:rPr>
-              <a:t>提交</a:t>
-            </a:r>
-            <a:r>
-              <a:rPr lang="zh-CN" altLang="en-US" sz="3200" b="1" dirty="0" smtClean="0">
-                <a:ln w="1905"/>
-                <a:solidFill>
-                  <a:schemeClr val="bg1"/>
-                </a:solidFill>
-                <a:effectLst>
-                  <a:innerShdw blurRad="69850" dist="43180" dir="5400000">
-                    <a:srgbClr val="000000">
-                      <a:alpha val="65000"/>
-                    </a:srgbClr>
-                  </a:innerShdw>
-                </a:effectLst>
-              </a:rPr>
-              <a:t>更新</a:t>
-            </a:r>
-            <a:r>
-              <a:rPr lang="en-US" altLang="zh-CN" sz="3200" b="1" dirty="0" smtClean="0">
-                <a:ln w="1905"/>
-                <a:solidFill>
-                  <a:schemeClr val="bg1"/>
-                </a:solidFill>
-                <a:effectLst>
-                  <a:innerShdw blurRad="69850" dist="43180" dir="5400000">
-                    <a:srgbClr val="000000">
-                      <a:alpha val="65000"/>
-                    </a:srgbClr>
-                  </a:innerShdw>
-                </a:effectLst>
-              </a:rPr>
-              <a:t>935</a:t>
-            </a:r>
-            <a:r>
-              <a:rPr lang="zh-CN" altLang="en-US" sz="3200" b="1" dirty="0" smtClean="0">
+              <a:t>版本提交更新</a:t>
+            </a:r>
+            <a:r>
+              <a:rPr lang="en-US" altLang="zh-CN" sz="3200" b="1" smtClean="0">
+                <a:ln w="1905"/>
+                <a:solidFill>
+                  <a:schemeClr val="bg1"/>
+                </a:solidFill>
+                <a:effectLst>
+                  <a:innerShdw blurRad="69850" dist="43180" dir="5400000">
+                    <a:srgbClr val="000000">
+                      <a:alpha val="65000"/>
+                    </a:srgbClr>
+                  </a:innerShdw>
+                </a:effectLst>
+              </a:rPr>
+              <a:t>937</a:t>
+            </a:r>
+            <a:r>
+              <a:rPr lang="zh-CN" altLang="en-US" sz="3200" b="1" smtClean="0">
                 <a:ln w="1905"/>
                 <a:solidFill>
                   <a:schemeClr val="bg1"/>
@@ -9917,6 +9837,19 @@
               </a:rPr>
               <a:t>次</a:t>
             </a:r>
+            <a:endParaRPr lang="zh-CN" altLang="en-US" sz="3200" b="1" dirty="0" smtClean="0">
+              <a:ln w="1905"/>
+              <a:solidFill>
+                <a:schemeClr val="bg1"/>
+              </a:solidFill>
+              <a:effectLst>
+                <a:innerShdw blurRad="69850" dist="43180" dir="5400000">
+                  <a:srgbClr val="000000">
+                    <a:alpha val="65000"/>
+                  </a:srgbClr>
+                </a:innerShdw>
+              </a:effectLst>
+            </a:endParaRPr>
           </a:p>
         </p:txBody>
       </p:sp>
@@ -10521,23 +10454,7 @@
                   <a:srgbClr val="FFC000"/>
                 </a:solidFill>
               </a:rPr>
-              <a:t>我们</a:t>
-            </a:r>
-            <a:r>
-              <a:rPr lang="zh-CN" altLang="en-US" dirty="0" smtClean="0">
-                <a:solidFill>
-                  <a:srgbClr val="FFC000"/>
-                </a:solidFill>
-              </a:rPr>
-              <a:t>的</a:t>
-            </a:r>
-            <a:r>
-              <a:rPr lang="zh-CN" altLang="en-US" dirty="0" smtClean="0">
-                <a:solidFill>
-                  <a:srgbClr val="FFC000"/>
-                </a:solidFill>
-              </a:rPr>
-              <a:t>工作</a:t>
+              <a:t>我们的工作</a:t>
             </a:r>
             <a:endParaRPr lang="zh-CN" altLang="en-US" dirty="0">
               <a:solidFill>
@@ -10583,23 +10500,7 @@
                   </a:innerShdw>
                 </a:effectLst>
               </a:rPr>
-              <a:t>代码量</a:t>
-            </a:r>
-            <a:r>
-              <a:rPr lang="zh-CN" altLang="en-US" sz="3200" b="1" dirty="0" smtClean="0">
-                <a:ln w="1905"/>
-                <a:solidFill>
-                  <a:schemeClr val="bg1"/>
-                </a:solidFill>
-                <a:effectLst>
-                  <a:innerShdw blurRad="69850" dist="43180" dir="5400000">
-                    <a:srgbClr val="000000">
-                      <a:alpha val="65000"/>
-                    </a:srgbClr>
-                  </a:innerShdw>
-                </a:effectLst>
-              </a:rPr>
-              <a:t>统计                         </a:t>
+              <a:t>代码量统计                         </a:t>
             </a:r>
             <a:r>
               <a:rPr lang="zh-CN" altLang="en-US" sz="3200" b="1" dirty="0" smtClean="0">
@@ -10647,8 +10548,10 @@
                   </a:innerShdw>
                 </a:effectLst>
               </a:rPr>
-              <a:t>项目代码</a:t>
-            </a:r>
+              <a:t>项目代码行数（不包含测试）：</a:t>
+            </a:r>
+          </a:p>
+          <a:p>
             <a:r>
               <a:rPr lang="zh-CN" altLang="en-US" sz="3200" b="1" dirty="0" smtClean="0">
                 <a:ln w="1905"/>
@@ -10663,7 +10566,23 @@
                   </a:innerShdw>
                 </a:effectLst>
               </a:rPr>
-              <a:t>行数</a:t>
+              <a:t>程序行总数： </a:t>
+            </a:r>
+            <a:r>
+              <a:rPr lang="en-US" altLang="zh-CN" sz="3200" b="1" dirty="0" smtClean="0">
+                <a:ln w="1905"/>
+                <a:solidFill>
+                  <a:schemeClr val="bg1"/>
+                </a:solidFill>
+                <a:effectLst>
+                  <a:innerShdw blurRad="69850" dist="43180" dir="5400000">
+                    <a:srgbClr val="000000">
+                      <a:alpha val="65000"/>
+                    </a:srgbClr>
+                  </a:innerShdw>
+                </a:effectLst>
+              </a:rPr>
+              <a:t>29002 (</a:t>
             </a:r>
             <a:r>
               <a:rPr lang="zh-CN" altLang="en-US" sz="3200" b="1" dirty="0" smtClean="0">
@@ -10679,7 +10598,23 @@
                   </a:innerShdw>
                 </a:effectLst>
               </a:rPr>
-              <a:t>（</a:t>
+              <a:t>共</a:t>
+            </a:r>
+            <a:r>
+              <a:rPr lang="en-US" altLang="zh-CN" sz="3200" b="1" dirty="0" smtClean="0">
+                <a:ln w="1905"/>
+                <a:solidFill>
+                  <a:schemeClr val="bg1"/>
+                </a:solidFill>
+                <a:effectLst>
+                  <a:innerShdw blurRad="69850" dist="43180" dir="5400000">
+                    <a:srgbClr val="000000">
+                      <a:alpha val="65000"/>
+                    </a:srgbClr>
+                  </a:innerShdw>
+                </a:effectLst>
+              </a:rPr>
+              <a:t>163</a:t>
             </a:r>
             <a:r>
               <a:rPr lang="zh-CN" altLang="en-US" sz="3200" b="1" dirty="0" smtClean="0">
@@ -10695,8 +10630,26 @@
                   </a:innerShdw>
                 </a:effectLst>
               </a:rPr>
-              <a:t>不包含测试）</a:t>
-            </a:r>
+              <a:t>个文件</a:t>
+            </a:r>
+            <a:r>
+              <a:rPr lang="en-US" altLang="zh-CN" sz="3200" b="1" dirty="0" smtClean="0">
+                <a:ln w="1905"/>
+                <a:solidFill>
+                  <a:schemeClr val="bg1"/>
+                </a:solidFill>
+                <a:effectLst>
+                  <a:innerShdw blurRad="69850" dist="43180" dir="5400000">
+                    <a:srgbClr val="000000">
+                      <a:alpha val="65000"/>
+                    </a:srgbClr>
+                  </a:innerShdw>
+                </a:effectLst>
+              </a:rPr>
+              <a:t>)</a:t>
+            </a:r>
+          </a:p>
+          <a:p>
             <a:r>
               <a:rPr lang="zh-CN" altLang="en-US" sz="3200" b="1" dirty="0" smtClean="0">
                 <a:ln w="1905"/>
@@ -10711,21 +10664,24 @@
                   </a:innerShdw>
                 </a:effectLst>
               </a:rPr>
-              <a:t>：</a:t>
-            </a:r>
-            <a:endParaRPr lang="zh-CN" altLang="en-US" sz="3200" b="1" dirty="0" smtClean="0">
-              <a:ln w="1905"/>
-              <a:solidFill>
-                <a:schemeClr val="bg1"/>
-              </a:solidFill>
-              <a:effectLst>
-                <a:innerShdw blurRad="69850" dist="43180" dir="5400000">
-                  <a:srgbClr val="000000">
-                    <a:alpha val="65000"/>
-                  </a:srgbClr>
-                </a:innerShdw>
-              </a:effectLst>
-            </a:endParaRPr>
+              <a:t>代码行总数： </a:t>
+            </a:r>
+            <a:r>
+              <a:rPr lang="en-US" altLang="zh-CN" sz="3200" b="1" dirty="0" smtClean="0">
+                <a:ln w="1905"/>
+                <a:solidFill>
+                  <a:schemeClr val="bg1"/>
+                </a:solidFill>
+                <a:effectLst>
+                  <a:innerShdw blurRad="69850" dist="43180" dir="5400000">
+                    <a:srgbClr val="000000">
+                      <a:alpha val="65000"/>
+                    </a:srgbClr>
+                  </a:innerShdw>
+                </a:effectLst>
+              </a:rPr>
+              <a:t>23555 (80.77%)</a:t>
+            </a:r>
           </a:p>
           <a:p>
             <a:r>
@@ -10742,7 +10698,7 @@
                   </a:innerShdw>
                 </a:effectLst>
               </a:rPr>
-              <a:t>程序行总数： </a:t>
+              <a:t>注释行总数： </a:t>
             </a:r>
             <a:r>
               <a:rPr lang="en-US" altLang="zh-CN" sz="3200" b="1" dirty="0" smtClean="0">
@@ -10758,8 +10714,10 @@
                   </a:innerShdw>
                 </a:effectLst>
               </a:rPr>
-              <a:t>29002 (</a:t>
-            </a:r>
+              <a:t>2564 (8.79%)</a:t>
+            </a:r>
+          </a:p>
+          <a:p>
             <a:r>
               <a:rPr lang="zh-CN" altLang="en-US" sz="3200" b="1" dirty="0" smtClean="0">
                 <a:ln w="1905"/>
@@ -10774,7 +10732,7 @@
                   </a:innerShdw>
                 </a:effectLst>
               </a:rPr>
-              <a:t>共</a:t>
+              <a:t>空白行总数： </a:t>
             </a:r>
             <a:r>
               <a:rPr lang="en-US" altLang="zh-CN" sz="3200" b="1" dirty="0" smtClean="0">
@@ -10790,157 +10748,7 @@
                   </a:innerShdw>
                 </a:effectLst>
               </a:rPr>
-              <a:t>163</a:t>
-            </a:r>
-            <a:r>
-              <a:rPr lang="zh-CN" altLang="en-US" sz="3200" b="1" dirty="0" smtClean="0">
-                <a:ln w="1905"/>
-                <a:solidFill>
-                  <a:schemeClr val="bg1"/>
-                </a:solidFill>
-                <a:effectLst>
-                  <a:innerShdw blurRad="69850" dist="43180" dir="5400000">
-                    <a:srgbClr val="000000">
-                      <a:alpha val="65000"/>
-                    </a:srgbClr>
-                  </a:innerShdw>
-                </a:effectLst>
-              </a:rPr>
-              <a:t>个文件</a:t>
-            </a:r>
-            <a:r>
-              <a:rPr lang="en-US" altLang="zh-CN" sz="3200" b="1" dirty="0" smtClean="0">
-                <a:ln w="1905"/>
-                <a:solidFill>
-                  <a:schemeClr val="bg1"/>
-                </a:solidFill>
-                <a:effectLst>
-                  <a:innerShdw blurRad="69850" dist="43180" dir="5400000">
-                    <a:srgbClr val="000000">
-                      <a:alpha val="65000"/>
-                    </a:srgbClr>
-                  </a:innerShdw>
-                </a:effectLst>
-              </a:rPr>
-              <a:t>)</a:t>
-            </a:r>
-          </a:p>
-          <a:p>
-            <a:r>
-              <a:rPr lang="zh-CN" altLang="en-US" sz="3200" b="1" dirty="0" smtClean="0">
-                <a:ln w="1905"/>
-                <a:solidFill>
-                  <a:schemeClr val="bg1"/>
-                </a:solidFill>
-                <a:effectLst>
-                  <a:innerShdw blurRad="69850" dist="43180" dir="5400000">
-                    <a:srgbClr val="000000">
-                      <a:alpha val="65000"/>
-                    </a:srgbClr>
-                  </a:innerShdw>
-                </a:effectLst>
-              </a:rPr>
-              <a:t>代码行总数： </a:t>
-            </a:r>
-            <a:r>
-              <a:rPr lang="en-US" altLang="zh-CN" sz="3200" b="1" dirty="0" smtClean="0">
-                <a:ln w="1905"/>
-                <a:solidFill>
-                  <a:schemeClr val="bg1"/>
-                </a:solidFill>
-                <a:effectLst>
-                  <a:innerShdw blurRad="69850" dist="43180" dir="5400000">
-                    <a:srgbClr val="000000">
-                      <a:alpha val="65000"/>
-                    </a:srgbClr>
-                  </a:innerShdw>
-                </a:effectLst>
-              </a:rPr>
-              <a:t>23555 (80.77%)</a:t>
-            </a:r>
-          </a:p>
-          <a:p>
-            <a:r>
-              <a:rPr lang="zh-CN" altLang="en-US" sz="3200" b="1" dirty="0" smtClean="0">
-                <a:ln w="1905"/>
-                <a:solidFill>
-                  <a:schemeClr val="bg1"/>
-                </a:solidFill>
-                <a:effectLst>
-                  <a:innerShdw blurRad="69850" dist="43180" dir="5400000">
-                    <a:srgbClr val="000000">
-                      <a:alpha val="65000"/>
-                    </a:srgbClr>
-                  </a:innerShdw>
-                </a:effectLst>
-              </a:rPr>
-              <a:t>注释行总数： </a:t>
-            </a:r>
-            <a:r>
-              <a:rPr lang="en-US" altLang="zh-CN" sz="3200" b="1" dirty="0" smtClean="0">
-                <a:ln w="1905"/>
-                <a:solidFill>
-                  <a:schemeClr val="bg1"/>
-                </a:solidFill>
-                <a:effectLst>
-                  <a:innerShdw blurRad="69850" dist="43180" dir="5400000">
-                    <a:srgbClr val="000000">
-                      <a:alpha val="65000"/>
-                    </a:srgbClr>
-                  </a:innerShdw>
-                </a:effectLst>
-              </a:rPr>
-              <a:t>2564 (8.79%)</a:t>
-            </a:r>
-          </a:p>
-          <a:p>
-            <a:r>
-              <a:rPr lang="zh-CN" altLang="en-US" sz="3200" b="1" dirty="0" smtClean="0">
-                <a:ln w="1905"/>
-                <a:solidFill>
-                  <a:schemeClr val="bg1"/>
-                </a:solidFill>
-                <a:effectLst>
-                  <a:innerShdw blurRad="69850" dist="43180" dir="5400000">
-                    <a:srgbClr val="000000">
-                      <a:alpha val="65000"/>
-                    </a:srgbClr>
-                  </a:innerShdw>
-                </a:effectLst>
-              </a:rPr>
-              <a:t>空白行总数： </a:t>
-            </a:r>
-            <a:r>
-              <a:rPr lang="en-US" altLang="zh-CN" sz="3200" b="1" dirty="0" smtClean="0">
-                <a:ln w="1905"/>
-                <a:solidFill>
-                  <a:schemeClr val="bg1"/>
-                </a:solidFill>
-                <a:effectLst>
-                  <a:innerShdw blurRad="69850" dist="43180" dir="5400000">
-                    <a:srgbClr val="000000">
-                      <a:alpha val="65000"/>
-                    </a:srgbClr>
-                  </a:innerShdw>
-                </a:effectLst>
-              </a:rPr>
-              <a:t>3045 (10.44</a:t>
-            </a:r>
-            <a:r>
-              <a:rPr lang="en-US" altLang="zh-CN" sz="3200" b="1" dirty="0" smtClean="0">
-                <a:ln w="1905"/>
-                <a:solidFill>
-                  <a:schemeClr val="bg1"/>
-                </a:solidFill>
-                <a:effectLst>
-                  <a:innerShdw blurRad="69850" dist="43180" dir="5400000">
-                    <a:srgbClr val="000000">
-                      <a:alpha val="65000"/>
-                    </a:srgbClr>
-                  </a:innerShdw>
-                </a:effectLst>
-              </a:rPr>
-              <a:t>%)</a:t>
+              <a:t>3045 (10.44%)</a:t>
             </a:r>
             <a:endParaRPr lang="en-US" altLang="zh-CN" sz="3200" b="1" dirty="0" smtClean="0">
               <a:ln w="1905"/>
@@ -11017,23 +10825,7 @@
                   <a:srgbClr val="FFC000"/>
                 </a:solidFill>
               </a:rPr>
-              <a:t>我们</a:t>
-            </a:r>
-            <a:r>
-              <a:rPr lang="zh-CN" altLang="en-US" dirty="0" smtClean="0">
-                <a:solidFill>
-                  <a:srgbClr val="FFC000"/>
-                </a:solidFill>
-              </a:rPr>
-              <a:t>的</a:t>
-            </a:r>
-            <a:r>
-              <a:rPr lang="zh-CN" altLang="en-US" dirty="0" smtClean="0">
-                <a:solidFill>
-                  <a:srgbClr val="FFC000"/>
-                </a:solidFill>
-              </a:rPr>
-              <a:t>工作</a:t>
+              <a:t>我们的工作</a:t>
             </a:r>
             <a:endParaRPr lang="zh-CN" altLang="en-US" dirty="0">
               <a:solidFill>
@@ -11099,19 +10891,6 @@
               </a:rPr>
               <a:t>测试代码</a:t>
             </a:r>
-            <a:endParaRPr lang="zh-CN" altLang="en-US" sz="3200" b="1" dirty="0" smtClean="0">
-              <a:ln w="1905"/>
-              <a:solidFill>
-                <a:schemeClr val="bg1"/>
-              </a:solidFill>
-              <a:effectLst>
-                <a:innerShdw blurRad="69850" dist="43180" dir="5400000">
-                  <a:srgbClr val="000000">
-                    <a:alpha val="65000"/>
-                  </a:srgbClr>
-                </a:innerShdw>
-              </a:effectLst>
-            </a:endParaRPr>
           </a:p>
           <a:p>
             <a:r>
@@ -11144,39 +10923,7 @@
                   </a:innerShdw>
                 </a:effectLst>
               </a:rPr>
-              <a:t> </a:t>
-            </a:r>
-            <a:r>
-              <a:rPr lang="en-US" altLang="en-US" sz="3200" b="1" dirty="0" smtClean="0">
-                <a:ln w="1905"/>
-                <a:solidFill>
-                  <a:schemeClr val="bg1"/>
-                </a:solidFill>
-                <a:effectLst>
-                  <a:innerShdw blurRad="69850" dist="43180" dir="5400000">
-                    <a:srgbClr val="000000">
-                      <a:alpha val="65000"/>
-                    </a:srgbClr>
-                  </a:innerShdw>
-                </a:effectLst>
-              </a:rPr>
-              <a:t>2077 </a:t>
-            </a:r>
-            <a:r>
-              <a:rPr lang="en-US" altLang="en-US" sz="3200" b="1" dirty="0" smtClean="0">
-                <a:ln w="1905"/>
-                <a:solidFill>
-                  <a:schemeClr val="bg1"/>
-                </a:solidFill>
-                <a:effectLst>
-                  <a:innerShdw blurRad="69850" dist="43180" dir="5400000">
-                    <a:srgbClr val="000000">
-                      <a:alpha val="65000"/>
-                    </a:srgbClr>
-                  </a:innerShdw>
-                </a:effectLst>
-              </a:rPr>
-              <a:t>(</a:t>
+              <a:t> 2077 (</a:t>
             </a:r>
             <a:r>
               <a:rPr lang="zh-CN" altLang="en-US" sz="3200" b="1" dirty="0" smtClean="0">
@@ -11998,23 +11745,7 @@
                   </a:innerShdw>
                 </a:effectLst>
               </a:rPr>
-              <a:t>能力成熟度</a:t>
-            </a:r>
-            <a:r>
-              <a:rPr lang="zh-CN" altLang="en-US" sz="3200" b="1" dirty="0" smtClean="0">
-                <a:ln w="1905"/>
-                <a:solidFill>
-                  <a:schemeClr val="bg1"/>
-                </a:solidFill>
-                <a:effectLst>
-                  <a:innerShdw blurRad="69850" dist="43180" dir="5400000">
-                    <a:srgbClr val="000000">
-                      <a:alpha val="65000"/>
-                    </a:srgbClr>
-                  </a:innerShdw>
-                </a:effectLst>
-              </a:rPr>
-              <a:t>模型与项目开发结合</a:t>
+              <a:t>能力成熟度模型与项目开发结合</a:t>
             </a:r>
             <a:endParaRPr lang="en-US" altLang="zh-CN" sz="3200" b="1" dirty="0" smtClean="0">
               <a:ln w="1905"/>

--- a/trunk/项目相关文档/Sherry/项目监控/项目进展报告/项目答辩_2009-01-15_Forus.pptx
+++ b/trunk/项目相关文档/Sherry/项目监控/项目进展报告/项目答辩_2009-01-15_Forus.pptx
@@ -26,7 +26,8 @@
     <p:sldId id="269" r:id="rId20"/>
     <p:sldId id="270" r:id="rId21"/>
     <p:sldId id="271" r:id="rId22"/>
-    <p:sldId id="273" r:id="rId23"/>
+    <p:sldId id="281" r:id="rId23"/>
+    <p:sldId id="273" r:id="rId24"/>
   </p:sldIdLst>
   <p:sldSz cx="9144000" cy="6858000" type="screen4x3"/>
   <p:notesSz cx="6858000" cy="9144000"/>
@@ -9806,7 +9807,7 @@
               <a:t>版本提交更新</a:t>
             </a:r>
             <a:r>
-              <a:rPr lang="en-US" altLang="zh-CN" sz="3200" b="1" smtClean="0">
+              <a:rPr lang="en-US" altLang="zh-CN" sz="3200" b="1" dirty="0" smtClean="0">
                 <a:ln w="1905"/>
                 <a:solidFill>
                   <a:schemeClr val="bg1"/>
@@ -9822,7 +9823,7 @@
               <a:t>937</a:t>
             </a:r>
             <a:r>
-              <a:rPr lang="zh-CN" altLang="en-US" sz="3200" b="1" smtClean="0">
+              <a:rPr lang="zh-CN" altLang="en-US" sz="3200" b="1" dirty="0" smtClean="0">
                 <a:ln w="1905"/>
                 <a:solidFill>
                   <a:schemeClr val="bg1"/>
@@ -10335,6 +10336,322 @@
 </file>
 
 <file path=ppt/slides/slide22.xml><?xml version="1.0" encoding="utf-8"?>
+<p:sld xmlns:a="http://schemas.openxmlformats.org/drawingml/2006/main" xmlns:r="http://schemas.openxmlformats.org/officeDocument/2006/relationships" xmlns:p="http://schemas.openxmlformats.org/presentationml/2006/main">
+  <p:cSld>
+    <p:spTree>
+      <p:nvGrpSpPr>
+        <p:cNvPr id="1" name=""/>
+        <p:cNvGrpSpPr/>
+        <p:nvPr/>
+      </p:nvGrpSpPr>
+      <p:grpSpPr>
+        <a:xfrm>
+          <a:off x="0" y="0"/>
+          <a:ext cx="0" cy="0"/>
+          <a:chOff x="0" y="0"/>
+          <a:chExt cx="0" cy="0"/>
+        </a:xfrm>
+      </p:grpSpPr>
+      <p:sp>
+        <p:nvSpPr>
+          <p:cNvPr id="2" name="标题 1"/>
+          <p:cNvSpPr>
+            <a:spLocks noGrp="1"/>
+          </p:cNvSpPr>
+          <p:nvPr>
+            <p:ph type="ctrTitle"/>
+          </p:nvPr>
+        </p:nvSpPr>
+        <p:spPr>
+          <a:xfrm>
+            <a:off x="2714612" y="714356"/>
+            <a:ext cx="3467096" cy="1057284"/>
+          </a:xfrm>
+        </p:spPr>
+        <p:txBody>
+          <a:bodyPr/>
+          <a:lstStyle/>
+          <a:p>
+            <a:pPr algn="l"/>
+            <a:r>
+              <a:rPr lang="zh-CN" altLang="en-US" dirty="0" smtClean="0">
+                <a:solidFill>
+                  <a:srgbClr val="FFC000"/>
+                </a:solidFill>
+              </a:rPr>
+              <a:t>任重道远</a:t>
+            </a:r>
+            <a:endParaRPr lang="zh-CN" altLang="en-US" dirty="0">
+              <a:solidFill>
+                <a:srgbClr val="FFC000"/>
+              </a:solidFill>
+            </a:endParaRPr>
+          </a:p>
+        </p:txBody>
+      </p:sp>
+      <p:sp>
+        <p:nvSpPr>
+          <p:cNvPr id="4" name="矩形 3"/>
+          <p:cNvSpPr/>
+          <p:nvPr/>
+        </p:nvSpPr>
+        <p:spPr>
+          <a:xfrm>
+            <a:off x="642910" y="2143116"/>
+            <a:ext cx="8329909" cy="3046988"/>
+          </a:xfrm>
+          <a:prstGeom prst="rect">
+            <a:avLst/>
+          </a:prstGeom>
+          <a:noFill/>
+        </p:spPr>
+        <p:txBody>
+          <a:bodyPr wrap="none" lIns="91440" tIns="45720" rIns="91440" bIns="45720">
+            <a:spAutoFit/>
+          </a:bodyPr>
+          <a:lstStyle/>
+          <a:p>
+            <a:pPr>
+              <a:lnSpc>
+                <a:spcPct val="150000"/>
+              </a:lnSpc>
+            </a:pPr>
+            <a:r>
+              <a:rPr lang="zh-CN" altLang="en-US" sz="3200" b="1" dirty="0" smtClean="0">
+                <a:ln w="1905"/>
+                <a:solidFill>
+                  <a:schemeClr val="bg1"/>
+                </a:solidFill>
+                <a:effectLst>
+                  <a:innerShdw blurRad="69850" dist="43180" dir="5400000">
+                    <a:srgbClr val="000000">
+                      <a:alpha val="65000"/>
+                    </a:srgbClr>
+                  </a:innerShdw>
+                </a:effectLst>
+              </a:rPr>
+              <a:t>         历时十六周，</a:t>
+            </a:r>
+            <a:r>
+              <a:rPr lang="en-US" altLang="zh-CN" sz="3200" b="1" dirty="0" err="1" smtClean="0">
+                <a:ln w="1905"/>
+                <a:solidFill>
+                  <a:schemeClr val="bg1"/>
+                </a:solidFill>
+                <a:effectLst>
+                  <a:innerShdw blurRad="69850" dist="43180" dir="5400000">
+                    <a:srgbClr val="000000">
+                      <a:alpha val="65000"/>
+                    </a:srgbClr>
+                  </a:innerShdw>
+                </a:effectLst>
+              </a:rPr>
+              <a:t>Forus</a:t>
+            </a:r>
+            <a:r>
+              <a:rPr lang="zh-CN" altLang="en-US" sz="3200" b="1" dirty="0" smtClean="0">
+                <a:ln w="1905"/>
+                <a:solidFill>
+                  <a:schemeClr val="bg1"/>
+                </a:solidFill>
+                <a:effectLst>
+                  <a:innerShdw blurRad="69850" dist="43180" dir="5400000">
+                    <a:srgbClr val="000000">
+                      <a:alpha val="65000"/>
+                    </a:srgbClr>
+                  </a:innerShdw>
+                </a:effectLst>
+              </a:rPr>
+              <a:t>小组每天都在成长</a:t>
+            </a:r>
+            <a:r>
+              <a:rPr lang="zh-CN" altLang="en-US" sz="3200" b="1" dirty="0" smtClean="0">
+                <a:ln w="1905"/>
+                <a:solidFill>
+                  <a:schemeClr val="bg1"/>
+                </a:solidFill>
+                <a:effectLst>
+                  <a:innerShdw blurRad="69850" dist="43180" dir="5400000">
+                    <a:srgbClr val="000000">
+                      <a:alpha val="65000"/>
+                    </a:srgbClr>
+                  </a:innerShdw>
+                </a:effectLst>
+              </a:rPr>
+              <a:t>。</a:t>
+            </a:r>
+            <a:endParaRPr lang="en-US" altLang="zh-CN" sz="3200" b="1" dirty="0" smtClean="0">
+              <a:ln w="1905"/>
+              <a:solidFill>
+                <a:schemeClr val="bg1"/>
+              </a:solidFill>
+              <a:effectLst>
+                <a:innerShdw blurRad="69850" dist="43180" dir="5400000">
+                  <a:srgbClr val="000000">
+                    <a:alpha val="65000"/>
+                  </a:srgbClr>
+                </a:innerShdw>
+              </a:effectLst>
+            </a:endParaRPr>
+          </a:p>
+          <a:p>
+            <a:pPr>
+              <a:lnSpc>
+                <a:spcPct val="150000"/>
+              </a:lnSpc>
+            </a:pPr>
+            <a:r>
+              <a:rPr lang="zh-CN" altLang="en-US" sz="3200" b="1" dirty="0" smtClean="0">
+                <a:ln w="1905"/>
+                <a:solidFill>
+                  <a:schemeClr val="bg1"/>
+                </a:solidFill>
+                <a:effectLst>
+                  <a:innerShdw blurRad="69850" dist="43180" dir="5400000">
+                    <a:srgbClr val="000000">
+                      <a:alpha val="65000"/>
+                    </a:srgbClr>
+                  </a:innerShdw>
+                </a:effectLst>
+              </a:rPr>
+              <a:t>非常感谢学院每位老师的辛苦付出，在此谨</a:t>
+            </a:r>
+            <a:endParaRPr lang="en-US" altLang="zh-CN" sz="3200" b="1" dirty="0" smtClean="0">
+              <a:ln w="1905"/>
+              <a:solidFill>
+                <a:schemeClr val="bg1"/>
+              </a:solidFill>
+              <a:effectLst>
+                <a:innerShdw blurRad="69850" dist="43180" dir="5400000">
+                  <a:srgbClr val="000000">
+                    <a:alpha val="65000"/>
+                  </a:srgbClr>
+                </a:innerShdw>
+              </a:effectLst>
+            </a:endParaRPr>
+          </a:p>
+          <a:p>
+            <a:pPr>
+              <a:lnSpc>
+                <a:spcPct val="150000"/>
+              </a:lnSpc>
+            </a:pPr>
+            <a:r>
+              <a:rPr lang="zh-CN" altLang="en-US" sz="3200" b="1" dirty="0" smtClean="0">
+                <a:ln w="1905"/>
+                <a:solidFill>
+                  <a:schemeClr val="bg1"/>
+                </a:solidFill>
+                <a:effectLst>
+                  <a:innerShdw blurRad="69850" dist="43180" dir="5400000">
+                    <a:srgbClr val="000000">
+                      <a:alpha val="65000"/>
+                    </a:srgbClr>
+                  </a:innerShdw>
+                </a:effectLst>
+              </a:rPr>
+              <a:t>代表</a:t>
+            </a:r>
+            <a:r>
+              <a:rPr lang="en-US" altLang="zh-CN" sz="3200" b="1" dirty="0" err="1" smtClean="0">
+                <a:ln w="1905"/>
+                <a:solidFill>
+                  <a:schemeClr val="bg1"/>
+                </a:solidFill>
+                <a:effectLst>
+                  <a:innerShdw blurRad="69850" dist="43180" dir="5400000">
+                    <a:srgbClr val="000000">
+                      <a:alpha val="65000"/>
+                    </a:srgbClr>
+                  </a:innerShdw>
+                </a:effectLst>
+              </a:rPr>
+              <a:t>Forus</a:t>
+            </a:r>
+            <a:r>
+              <a:rPr lang="zh-CN" altLang="en-US" sz="3200" b="1" dirty="0" smtClean="0">
+                <a:ln w="1905"/>
+                <a:solidFill>
+                  <a:schemeClr val="bg1"/>
+                </a:solidFill>
+                <a:effectLst>
+                  <a:innerShdw blurRad="69850" dist="43180" dir="5400000">
+                    <a:srgbClr val="000000">
+                      <a:alpha val="65000"/>
+                    </a:srgbClr>
+                  </a:innerShdw>
+                </a:effectLst>
+              </a:rPr>
+              <a:t>项目小组全体成员祝项目实践课程</a:t>
+            </a:r>
+            <a:endParaRPr lang="en-US" altLang="zh-CN" sz="3200" b="1" dirty="0" smtClean="0">
+              <a:ln w="1905"/>
+              <a:solidFill>
+                <a:schemeClr val="bg1"/>
+              </a:solidFill>
+              <a:effectLst>
+                <a:innerShdw blurRad="69850" dist="43180" dir="5400000">
+                  <a:srgbClr val="000000">
+                    <a:alpha val="65000"/>
+                  </a:srgbClr>
+                </a:innerShdw>
+              </a:effectLst>
+            </a:endParaRPr>
+          </a:p>
+          <a:p>
+            <a:pPr>
+              <a:lnSpc>
+                <a:spcPct val="150000"/>
+              </a:lnSpc>
+            </a:pPr>
+            <a:r>
+              <a:rPr lang="zh-CN" altLang="en-US" sz="3200" b="1" smtClean="0">
+                <a:ln w="1905"/>
+                <a:solidFill>
+                  <a:schemeClr val="bg1"/>
+                </a:solidFill>
+                <a:effectLst>
+                  <a:innerShdw blurRad="69850" dist="43180" dir="5400000">
+                    <a:srgbClr val="000000">
+                      <a:alpha val="65000"/>
+                    </a:srgbClr>
+                  </a:innerShdw>
+                </a:effectLst>
+              </a:rPr>
+              <a:t>越做越好。</a:t>
+            </a:r>
+            <a:endParaRPr lang="en-US" altLang="zh-CN" sz="3200" b="1" dirty="0" smtClean="0">
+              <a:ln w="1905"/>
+              <a:solidFill>
+                <a:schemeClr val="bg1"/>
+              </a:solidFill>
+              <a:effectLst>
+                <a:innerShdw blurRad="69850" dist="43180" dir="5400000">
+                  <a:srgbClr val="000000">
+                    <a:alpha val="65000"/>
+                  </a:srgbClr>
+                </a:innerShdw>
+              </a:effectLst>
+            </a:endParaRPr>
+          </a:p>
+        </p:txBody>
+      </p:sp>
+    </p:spTree>
+  </p:cSld>
+  <p:clrMapOvr>
+    <a:masterClrMapping/>
+  </p:clrMapOvr>
+  <p:timing>
+    <p:tnLst>
+      <p:par>
+        <p:cTn id="1" dur="indefinite" restart="never" nodeType="tmRoot"/>
+      </p:par>
+    </p:tnLst>
+  </p:timing>
+</p:sld>
+</file>
+
+<file path=ppt/slides/slide23.xml><?xml version="1.0" encoding="utf-8"?>
 <p:sld xmlns:a="http://schemas.openxmlformats.org/drawingml/2006/main" xmlns:r="http://schemas.openxmlformats.org/officeDocument/2006/relationships" xmlns:p="http://schemas.openxmlformats.org/presentationml/2006/main">
   <p:cSld>
     <p:spTree>
